--- a/Aula 08/G10 - Apresentacao - Lab08.pptx
+++ b/Aula 08/G10 - Apresentacao - Lab08.pptx
@@ -119,7 +119,7 @@
   </p:defaultTextStyle>
   <p:extLst>
     <p:ext uri="{EFAFB233-063F-42B5-8137-9DF3F51BA10A}">
-      <p15:sldGuideLst xmlns:p15="http://schemas.microsoft.com/office/powerpoint/2012/main" xmlns="">
+      <p15:sldGuideLst xmlns="" xmlns:p15="http://schemas.microsoft.com/office/powerpoint/2012/main">
         <p15:guide id="1" orient="horz" pos="2160">
           <p15:clr>
             <a:srgbClr val="A4A3A4"/>
@@ -218,7 +218,7 @@
           <a:p>
             <a:fld id="{A0410F9C-3A27-C84F-B27D-9342140F08DB}" type="datetimeFigureOut">
               <a:rPr lang="pt-PT" smtClean="0"/>
-              <a:t>19-11-2015</a:t>
+              <a:t>19/11/2015</a:t>
             </a:fld>
             <a:endParaRPr lang="pt-PT"/>
           </a:p>
@@ -377,7 +377,7 @@
           <a:p>
             <a:fld id="{9886E254-ACB4-B240-BB93-3D6DFACA42BA}" type="slidenum">
               <a:rPr lang="pt-PT" smtClean="0"/>
-              <a:t>‹#›</a:t>
+              <a:t>‹nº›</a:t>
             </a:fld>
             <a:endParaRPr lang="pt-PT"/>
           </a:p>
@@ -687,7 +687,7 @@
           <a:p>
             <a:fld id="{D728701E-CAF4-4159-9B3E-41C86DFFA30D}" type="datetimeFigureOut">
               <a:rPr lang="en-US" smtClean="0"/>
-              <a:t>19-Nov-15</a:t>
+              <a:t>11/19/2015</a:t>
             </a:fld>
             <a:endParaRPr lang="en-US"/>
           </a:p>
@@ -1141,7 +1141,7 @@
           <a:p>
             <a:fld id="{D728701E-CAF4-4159-9B3E-41C86DFFA30D}" type="datetimeFigureOut">
               <a:rPr lang="en-US" smtClean="0"/>
-              <a:t>19-Nov-15</a:t>
+              <a:t>11/19/2015</a:t>
             </a:fld>
             <a:endParaRPr lang="en-US"/>
           </a:p>
@@ -1183,7 +1183,7 @@
           <a:p>
             <a:fld id="{162F1D00-BD13-4404-86B0-79703945A0A7}" type="slidenum">
               <a:rPr lang="en-US" smtClean="0"/>
-              <a:t>‹#›</a:t>
+              <a:t>‹nº›</a:t>
             </a:fld>
             <a:endParaRPr lang="en-US"/>
           </a:p>
@@ -1684,7 +1684,7 @@
           <a:p>
             <a:fld id="{D728701E-CAF4-4159-9B3E-41C86DFFA30D}" type="datetimeFigureOut">
               <a:rPr lang="en-US" smtClean="0"/>
-              <a:t>19-Nov-15</a:t>
+              <a:t>11/19/2015</a:t>
             </a:fld>
             <a:endParaRPr lang="en-US"/>
           </a:p>
@@ -1726,7 +1726,7 @@
           <a:p>
             <a:fld id="{162F1D00-BD13-4404-86B0-79703945A0A7}" type="slidenum">
               <a:rPr lang="en-US" smtClean="0"/>
-              <a:t>‹#›</a:t>
+              <a:t>‹nº›</a:t>
             </a:fld>
             <a:endParaRPr lang="en-US"/>
           </a:p>
@@ -1820,7 +1820,7 @@
           <a:p>
             <a:fld id="{D728701E-CAF4-4159-9B3E-41C86DFFA30D}" type="datetimeFigureOut">
               <a:rPr lang="en-US" smtClean="0"/>
-              <a:t>19-Nov-15</a:t>
+              <a:t>11/19/2015</a:t>
             </a:fld>
             <a:endParaRPr lang="en-US"/>
           </a:p>
@@ -1862,7 +1862,7 @@
           <a:p>
             <a:fld id="{162F1D00-BD13-4404-86B0-79703945A0A7}" type="slidenum">
               <a:rPr lang="en-US" smtClean="0"/>
-              <a:t>‹#›</a:t>
+              <a:t>‹nº›</a:t>
             </a:fld>
             <a:endParaRPr lang="en-US"/>
           </a:p>
@@ -2158,7 +2158,7 @@
           <a:p>
             <a:fld id="{D728701E-CAF4-4159-9B3E-41C86DFFA30D}" type="datetimeFigureOut">
               <a:rPr lang="en-US" smtClean="0"/>
-              <a:t>19-Nov-15</a:t>
+              <a:t>11/19/2015</a:t>
             </a:fld>
             <a:endParaRPr lang="en-US"/>
           </a:p>
@@ -2484,7 +2484,7 @@
           <a:p>
             <a:fld id="{D728701E-CAF4-4159-9B3E-41C86DFFA30D}" type="datetimeFigureOut">
               <a:rPr lang="en-US" smtClean="0"/>
-              <a:t>19-Nov-15</a:t>
+              <a:t>11/19/2015</a:t>
             </a:fld>
             <a:endParaRPr lang="en-US"/>
           </a:p>
@@ -2531,7 +2531,7 @@
           <a:p>
             <a:fld id="{162F1D00-BD13-4404-86B0-79703945A0A7}" type="slidenum">
               <a:rPr lang="en-US" smtClean="0"/>
-              <a:t>‹#›</a:t>
+              <a:t>‹nº›</a:t>
             </a:fld>
             <a:endParaRPr lang="en-US"/>
           </a:p>
@@ -2782,7 +2782,7 @@
           <a:p>
             <a:fld id="{D728701E-CAF4-4159-9B3E-41C86DFFA30D}" type="datetimeFigureOut">
               <a:rPr lang="en-US" smtClean="0"/>
-              <a:t>19-Nov-15</a:t>
+              <a:t>11/19/2015</a:t>
             </a:fld>
             <a:endParaRPr lang="en-US"/>
           </a:p>
@@ -2824,7 +2824,7 @@
           <a:p>
             <a:fld id="{162F1D00-BD13-4404-86B0-79703945A0A7}" type="slidenum">
               <a:rPr lang="en-US" smtClean="0"/>
-              <a:t>‹#›</a:t>
+              <a:t>‹nº›</a:t>
             </a:fld>
             <a:endParaRPr lang="en-US"/>
           </a:p>
@@ -3169,7 +3169,7 @@
           <a:p>
             <a:fld id="{D728701E-CAF4-4159-9B3E-41C86DFFA30D}" type="datetimeFigureOut">
               <a:rPr lang="en-US" smtClean="0"/>
-              <a:t>19-Nov-15</a:t>
+              <a:t>11/19/2015</a:t>
             </a:fld>
             <a:endParaRPr lang="en-US"/>
           </a:p>
@@ -3224,7 +3224,7 @@
           <a:p>
             <a:fld id="{162F1D00-BD13-4404-86B0-79703945A0A7}" type="slidenum">
               <a:rPr lang="en-US" smtClean="0"/>
-              <a:t>‹#›</a:t>
+              <a:t>‹nº›</a:t>
             </a:fld>
             <a:endParaRPr lang="en-US"/>
           </a:p>
@@ -3589,7 +3589,7 @@
           <a:p>
             <a:fld id="{D728701E-CAF4-4159-9B3E-41C86DFFA30D}" type="datetimeFigureOut">
               <a:rPr lang="en-US" smtClean="0"/>
-              <a:t>19-Nov-15</a:t>
+              <a:t>11/19/2015</a:t>
             </a:fld>
             <a:endParaRPr lang="en-US"/>
           </a:p>
@@ -3644,7 +3644,7 @@
           <a:p>
             <a:fld id="{162F1D00-BD13-4404-86B0-79703945A0A7}" type="slidenum">
               <a:rPr lang="en-US" smtClean="0"/>
-              <a:t>‹#›</a:t>
+              <a:t>‹nº›</a:t>
             </a:fld>
             <a:endParaRPr lang="en-US"/>
           </a:p>
@@ -4137,7 +4137,7 @@
           <a:p>
             <a:fld id="{D728701E-CAF4-4159-9B3E-41C86DFFA30D}" type="datetimeFigureOut">
               <a:rPr lang="en-US" smtClean="0"/>
-              <a:t>19-Nov-15</a:t>
+              <a:t>11/19/2015</a:t>
             </a:fld>
             <a:endParaRPr lang="en-US"/>
           </a:p>
@@ -4184,7 +4184,7 @@
           <a:p>
             <a:fld id="{162F1D00-BD13-4404-86B0-79703945A0A7}" type="slidenum">
               <a:rPr lang="en-US" smtClean="0"/>
-              <a:t>‹#›</a:t>
+              <a:t>‹nº›</a:t>
             </a:fld>
             <a:endParaRPr lang="en-US"/>
           </a:p>
@@ -4495,7 +4495,7 @@
           <a:p>
             <a:fld id="{D728701E-CAF4-4159-9B3E-41C86DFFA30D}" type="datetimeFigureOut">
               <a:rPr lang="en-US" smtClean="0"/>
-              <a:t>19-Nov-15</a:t>
+              <a:t>11/19/2015</a:t>
             </a:fld>
             <a:endParaRPr lang="en-US"/>
           </a:p>
@@ -4537,7 +4537,7 @@
           <a:p>
             <a:fld id="{162F1D00-BD13-4404-86B0-79703945A0A7}" type="slidenum">
               <a:rPr lang="en-US" smtClean="0"/>
-              <a:t>‹#›</a:t>
+              <a:t>‹nº›</a:t>
             </a:fld>
             <a:endParaRPr lang="en-US"/>
           </a:p>
@@ -4710,7 +4710,7 @@
           <a:p>
             <a:fld id="{D728701E-CAF4-4159-9B3E-41C86DFFA30D}" type="datetimeFigureOut">
               <a:rPr lang="en-US" smtClean="0"/>
-              <a:t>19-Nov-15</a:t>
+              <a:t>11/19/2015</a:t>
             </a:fld>
             <a:endParaRPr lang="en-US"/>
           </a:p>
@@ -4752,7 +4752,7 @@
           <a:p>
             <a:fld id="{162F1D00-BD13-4404-86B0-79703945A0A7}" type="slidenum">
               <a:rPr lang="en-US" smtClean="0"/>
-              <a:t>‹#›</a:t>
+              <a:t>‹nº›</a:t>
             </a:fld>
             <a:endParaRPr lang="en-US"/>
           </a:p>
@@ -5017,7 +5017,7 @@
           <a:p>
             <a:fld id="{D728701E-CAF4-4159-9B3E-41C86DFFA30D}" type="datetimeFigureOut">
               <a:rPr lang="en-US" smtClean="0"/>
-              <a:t>19-Nov-15</a:t>
+              <a:t>11/19/2015</a:t>
             </a:fld>
             <a:endParaRPr lang="en-US"/>
           </a:p>
@@ -5059,7 +5059,7 @@
           <a:p>
             <a:fld id="{162F1D00-BD13-4404-86B0-79703945A0A7}" type="slidenum">
               <a:rPr lang="en-US" smtClean="0"/>
-              <a:t>‹#›</a:t>
+              <a:t>‹nº›</a:t>
             </a:fld>
             <a:endParaRPr lang="en-US"/>
           </a:p>
@@ -5273,7 +5273,7 @@
           <a:p>
             <a:fld id="{D728701E-CAF4-4159-9B3E-41C86DFFA30D}" type="datetimeFigureOut">
               <a:rPr lang="en-US" smtClean="0"/>
-              <a:t>19-Nov-15</a:t>
+              <a:t>11/19/2015</a:t>
             </a:fld>
             <a:endParaRPr lang="en-US"/>
           </a:p>
@@ -5315,7 +5315,7 @@
           <a:p>
             <a:fld id="{162F1D00-BD13-4404-86B0-79703945A0A7}" type="slidenum">
               <a:rPr lang="en-US" smtClean="0"/>
-              <a:t>‹#›</a:t>
+              <a:t>‹nº›</a:t>
             </a:fld>
             <a:endParaRPr lang="en-US"/>
           </a:p>
@@ -5662,7 +5662,7 @@
           <a:p>
             <a:fld id="{D728701E-CAF4-4159-9B3E-41C86DFFA30D}" type="datetimeFigureOut">
               <a:rPr lang="en-US" smtClean="0"/>
-              <a:t>19-Nov-15</a:t>
+              <a:t>11/19/2015</a:t>
             </a:fld>
             <a:endParaRPr lang="en-US"/>
           </a:p>
@@ -6251,7 +6251,7 @@
           <a:p>
             <a:fld id="{D728701E-CAF4-4159-9B3E-41C86DFFA30D}" type="datetimeFigureOut">
               <a:rPr lang="en-US" smtClean="0"/>
-              <a:t>19-Nov-15</a:t>
+              <a:t>11/19/2015</a:t>
             </a:fld>
             <a:endParaRPr lang="en-US"/>
           </a:p>
@@ -6311,7 +6311,7 @@
           <a:p>
             <a:fld id="{162F1D00-BD13-4404-86B0-79703945A0A7}" type="slidenum">
               <a:rPr lang="en-US" smtClean="0"/>
-              <a:t>‹#›</a:t>
+              <a:t>‹nº›</a:t>
             </a:fld>
             <a:endParaRPr lang="en-US"/>
           </a:p>
@@ -6766,7 +6766,7 @@
           <a:p>
             <a:fld id="{D728701E-CAF4-4159-9B3E-41C86DFFA30D}" type="datetimeFigureOut">
               <a:rPr lang="en-US" smtClean="0"/>
-              <a:t>19-Nov-15</a:t>
+              <a:t>11/19/2015</a:t>
             </a:fld>
             <a:endParaRPr lang="en-US"/>
           </a:p>
@@ -6808,7 +6808,7 @@
           <a:p>
             <a:fld id="{162F1D00-BD13-4404-86B0-79703945A0A7}" type="slidenum">
               <a:rPr lang="en-US" smtClean="0"/>
-              <a:t>‹#›</a:t>
+              <a:t>‹nº›</a:t>
             </a:fld>
             <a:endParaRPr lang="en-US"/>
           </a:p>
@@ -7139,7 +7139,7 @@
           <a:p>
             <a:fld id="{D728701E-CAF4-4159-9B3E-41C86DFFA30D}" type="datetimeFigureOut">
               <a:rPr lang="en-US" smtClean="0"/>
-              <a:t>19-Nov-15</a:t>
+              <a:t>11/19/2015</a:t>
             </a:fld>
             <a:endParaRPr lang="en-US"/>
           </a:p>
@@ -7181,7 +7181,7 @@
           <a:p>
             <a:fld id="{162F1D00-BD13-4404-86B0-79703945A0A7}" type="slidenum">
               <a:rPr lang="en-US" smtClean="0"/>
-              <a:t>‹#›</a:t>
+              <a:t>‹nº›</a:t>
             </a:fld>
             <a:endParaRPr lang="en-US"/>
           </a:p>
@@ -7538,7 +7538,7 @@
           <a:p>
             <a:fld id="{D728701E-CAF4-4159-9B3E-41C86DFFA30D}" type="datetimeFigureOut">
               <a:rPr lang="en-US" smtClean="0"/>
-              <a:t>19-Nov-15</a:t>
+              <a:t>11/19/2015</a:t>
             </a:fld>
             <a:endParaRPr lang="en-US"/>
           </a:p>
@@ -7718,7 +7718,7 @@
           <a:p>
             <a:fld id="{162F1D00-BD13-4404-86B0-79703945A0A7}" type="slidenum">
               <a:rPr lang="en-US" smtClean="0"/>
-              <a:t>‹#›</a:t>
+              <a:t>‹nº›</a:t>
             </a:fld>
             <a:endParaRPr lang="en-US"/>
           </a:p>
@@ -7958,7 +7958,7 @@
           <a:p>
             <a:fld id="{D728701E-CAF4-4159-9B3E-41C86DFFA30D}" type="datetimeFigureOut">
               <a:rPr lang="en-US" smtClean="0"/>
-              <a:t>19-Nov-15</a:t>
+              <a:t>11/19/2015</a:t>
             </a:fld>
             <a:endParaRPr lang="en-US"/>
           </a:p>
@@ -8000,7 +8000,7 @@
           <a:p>
             <a:fld id="{162F1D00-BD13-4404-86B0-79703945A0A7}" type="slidenum">
               <a:rPr lang="en-US" smtClean="0"/>
-              <a:t>‹#›</a:t>
+              <a:t>‹nº›</a:t>
             </a:fld>
             <a:endParaRPr lang="en-US"/>
           </a:p>
@@ -8341,7 +8341,7 @@
           <a:p>
             <a:fld id="{D728701E-CAF4-4159-9B3E-41C86DFFA30D}" type="datetimeFigureOut">
               <a:rPr lang="en-US" smtClean="0"/>
-              <a:t>19-Nov-15</a:t>
+              <a:t>11/19/2015</a:t>
             </a:fld>
             <a:endParaRPr lang="en-US"/>
           </a:p>
@@ -8418,7 +8418,7 @@
           <a:p>
             <a:fld id="{162F1D00-BD13-4404-86B0-79703945A0A7}" type="slidenum">
               <a:rPr lang="en-US" smtClean="0"/>
-              <a:t>‹#›</a:t>
+              <a:t>‹nº›</a:t>
             </a:fld>
             <a:endParaRPr lang="en-US"/>
           </a:p>
@@ -8824,7 +8824,6 @@
               <a:rPr lang="pt-PT" sz="4000" dirty="0"/>
               <a:t>8</a:t>
             </a:r>
-            <a:endParaRPr lang="pt-PT" sz="4000" dirty="0"/>
           </a:p>
         </p:txBody>
       </p:sp>
@@ -9331,33 +9330,364 @@
       </p:sp>
       <p:sp>
         <p:nvSpPr>
-          <p:cNvPr id="9" name="Marcador de Posição de Conteúdo 2"/>
-          <p:cNvSpPr>
-            <a:spLocks noGrp="1"/>
-          </p:cNvSpPr>
-          <p:nvPr>
-            <p:ph idx="1"/>
-          </p:nvPr>
-        </p:nvSpPr>
-        <p:spPr>
-          <a:xfrm>
-            <a:off x="498473" y="2129118"/>
-            <a:ext cx="8348992" cy="4324597"/>
-          </a:xfrm>
-        </p:spPr>
-        <p:txBody>
-          <a:bodyPr>
-            <a:noAutofit/>
+          <p:cNvPr id="6" name="Marcador de Posição de Conteúdo 2"/>
+          <p:cNvSpPr txBox="1">
+            <a:spLocks/>
+          </p:cNvSpPr>
+          <p:nvPr/>
+        </p:nvSpPr>
+        <p:spPr>
+          <a:xfrm>
+            <a:off x="377893" y="1970019"/>
+            <a:ext cx="8348992" cy="4501119"/>
+          </a:xfrm>
+          <a:prstGeom prst="rect">
+            <a:avLst/>
+          </a:prstGeom>
+        </p:spPr>
+        <p:txBody>
+          <a:bodyPr vert="horz" lIns="91440" tIns="45720" rIns="91440" bIns="45720" rtlCol="0">
+            <a:normAutofit fontScale="77500" lnSpcReduction="20000"/>
           </a:bodyPr>
-          <a:lstStyle/>
-          <a:p>
-            <a:r>
-              <a:rPr lang="pt-PT" sz="2400" b="1" smtClean="0"/>
-              <a:t>Atributo </a:t>
-            </a:r>
-            <a:r>
-              <a:rPr lang="pt-PT" sz="2400" smtClean="0"/>
-              <a:t>– </a:t>
+          <a:lstStyle>
+            <a:lvl1pPr marL="228600" indent="-228600" algn="l" defTabSz="914400" rtl="0" eaLnBrk="1" latinLnBrk="0" hangingPunct="1">
+              <a:spcBef>
+                <a:spcPts val="2000"/>
+              </a:spcBef>
+              <a:buClr>
+                <a:schemeClr val="accent1"/>
+              </a:buClr>
+              <a:buSzPct val="75000"/>
+              <a:buFont typeface="Wingdings" pitchFamily="2" charset="2"/>
+              <a:buChar char="n"/>
+              <a:defRPr sz="2000" kern="1200">
+                <a:solidFill>
+                  <a:schemeClr val="tx1">
+                    <a:lumMod val="65000"/>
+                    <a:lumOff val="35000"/>
+                  </a:schemeClr>
+                </a:solidFill>
+                <a:latin typeface="+mn-lt"/>
+                <a:ea typeface="+mn-ea"/>
+                <a:cs typeface="+mn-cs"/>
+              </a:defRPr>
+            </a:lvl1pPr>
+            <a:lvl2pPr marL="457200" indent="-228600" algn="l" defTabSz="914400" rtl="0" eaLnBrk="1" latinLnBrk="0" hangingPunct="1">
+              <a:spcBef>
+                <a:spcPts val="600"/>
+              </a:spcBef>
+              <a:buClr>
+                <a:schemeClr val="accent1">
+                  <a:lumMod val="60000"/>
+                  <a:lumOff val="40000"/>
+                </a:schemeClr>
+              </a:buClr>
+              <a:buSzPct val="75000"/>
+              <a:buFont typeface="Wingdings" pitchFamily="2" charset="2"/>
+              <a:buChar char="n"/>
+              <a:defRPr sz="1800" kern="1200">
+                <a:solidFill>
+                  <a:schemeClr val="tx1">
+                    <a:lumMod val="65000"/>
+                    <a:lumOff val="35000"/>
+                  </a:schemeClr>
+                </a:solidFill>
+                <a:latin typeface="+mn-lt"/>
+                <a:ea typeface="+mn-ea"/>
+                <a:cs typeface="+mn-cs"/>
+              </a:defRPr>
+            </a:lvl2pPr>
+            <a:lvl3pPr marL="685800" indent="-228600" algn="l" defTabSz="914400" rtl="0" eaLnBrk="1" latinLnBrk="0" hangingPunct="1">
+              <a:spcBef>
+                <a:spcPts val="600"/>
+              </a:spcBef>
+              <a:buClr>
+                <a:schemeClr val="accent1"/>
+              </a:buClr>
+              <a:buSzPct val="75000"/>
+              <a:buFont typeface="Wingdings" pitchFamily="2" charset="2"/>
+              <a:buChar char="n"/>
+              <a:defRPr sz="1800" kern="1200">
+                <a:solidFill>
+                  <a:schemeClr val="tx1">
+                    <a:lumMod val="65000"/>
+                    <a:lumOff val="35000"/>
+                  </a:schemeClr>
+                </a:solidFill>
+                <a:latin typeface="+mn-lt"/>
+                <a:ea typeface="+mn-ea"/>
+                <a:cs typeface="+mn-cs"/>
+              </a:defRPr>
+            </a:lvl3pPr>
+            <a:lvl4pPr marL="914400" indent="-228600" algn="l" defTabSz="914400" rtl="0" eaLnBrk="1" latinLnBrk="0" hangingPunct="1">
+              <a:spcBef>
+                <a:spcPts val="600"/>
+              </a:spcBef>
+              <a:buClr>
+                <a:schemeClr val="accent1">
+                  <a:lumMod val="60000"/>
+                  <a:lumOff val="40000"/>
+                </a:schemeClr>
+              </a:buClr>
+              <a:buSzPct val="75000"/>
+              <a:buFont typeface="Wingdings" pitchFamily="2" charset="2"/>
+              <a:buChar char="n"/>
+              <a:defRPr sz="1800" kern="1200">
+                <a:solidFill>
+                  <a:schemeClr val="tx1">
+                    <a:lumMod val="65000"/>
+                    <a:lumOff val="35000"/>
+                  </a:schemeClr>
+                </a:solidFill>
+                <a:latin typeface="+mn-lt"/>
+                <a:ea typeface="+mn-ea"/>
+                <a:cs typeface="+mn-cs"/>
+              </a:defRPr>
+            </a:lvl4pPr>
+            <a:lvl5pPr marL="1143000" indent="-228600" algn="l" defTabSz="914400" rtl="0" eaLnBrk="1" latinLnBrk="0" hangingPunct="1">
+              <a:spcBef>
+                <a:spcPts val="600"/>
+              </a:spcBef>
+              <a:buClr>
+                <a:schemeClr val="accent1"/>
+              </a:buClr>
+              <a:buSzPct val="75000"/>
+              <a:buFont typeface="Wingdings" pitchFamily="2" charset="2"/>
+              <a:buChar char="n"/>
+              <a:defRPr sz="1800" kern="1200">
+                <a:solidFill>
+                  <a:schemeClr val="tx1">
+                    <a:lumMod val="65000"/>
+                    <a:lumOff val="35000"/>
+                  </a:schemeClr>
+                </a:solidFill>
+                <a:latin typeface="+mn-lt"/>
+                <a:ea typeface="+mn-ea"/>
+                <a:cs typeface="+mn-cs"/>
+              </a:defRPr>
+            </a:lvl5pPr>
+            <a:lvl6pPr marL="1377950" indent="-228600" algn="l" defTabSz="914400" rtl="0" eaLnBrk="1" latinLnBrk="0" hangingPunct="1">
+              <a:spcBef>
+                <a:spcPct val="20000"/>
+              </a:spcBef>
+              <a:buClr>
+                <a:schemeClr val="accent1">
+                  <a:lumMod val="60000"/>
+                  <a:lumOff val="40000"/>
+                </a:schemeClr>
+              </a:buClr>
+              <a:buSzPct val="75000"/>
+              <a:buFont typeface="Wingdings" pitchFamily="2" charset="2"/>
+              <a:buChar char=""/>
+              <a:defRPr lang="en-US" sz="1800" kern="1200" dirty="0" smtClean="0">
+                <a:solidFill>
+                  <a:schemeClr val="tx1">
+                    <a:lumMod val="65000"/>
+                    <a:lumOff val="35000"/>
+                  </a:schemeClr>
+                </a:solidFill>
+                <a:latin typeface="+mn-lt"/>
+                <a:ea typeface="+mn-ea"/>
+                <a:cs typeface="+mn-cs"/>
+              </a:defRPr>
+            </a:lvl6pPr>
+            <a:lvl7pPr marL="1603375" indent="-228600" algn="l" defTabSz="914400" rtl="0" eaLnBrk="1" latinLnBrk="0" hangingPunct="1">
+              <a:spcBef>
+                <a:spcPct val="20000"/>
+              </a:spcBef>
+              <a:buClr>
+                <a:schemeClr val="accent1"/>
+              </a:buClr>
+              <a:buSzPct val="75000"/>
+              <a:buFont typeface="Wingdings" pitchFamily="2" charset="2"/>
+              <a:buChar char=""/>
+              <a:defRPr lang="en-US" sz="1800" kern="1200" baseline="0" dirty="0" smtClean="0">
+                <a:solidFill>
+                  <a:schemeClr val="tx1">
+                    <a:lumMod val="65000"/>
+                    <a:lumOff val="35000"/>
+                  </a:schemeClr>
+                </a:solidFill>
+                <a:latin typeface="+mn-lt"/>
+                <a:ea typeface="+mn-ea"/>
+                <a:cs typeface="+mn-cs"/>
+              </a:defRPr>
+            </a:lvl7pPr>
+            <a:lvl8pPr marL="1830388" indent="-228600" algn="l" defTabSz="914400" rtl="0" eaLnBrk="1" latinLnBrk="0" hangingPunct="1">
+              <a:spcBef>
+                <a:spcPct val="20000"/>
+              </a:spcBef>
+              <a:buClr>
+                <a:schemeClr val="accent1">
+                  <a:lumMod val="60000"/>
+                  <a:lumOff val="40000"/>
+                </a:schemeClr>
+              </a:buClr>
+              <a:buSzPct val="75000"/>
+              <a:buFont typeface="Wingdings" pitchFamily="2" charset="2"/>
+              <a:buChar char=""/>
+              <a:defRPr lang="en-US" sz="1800" kern="1200" baseline="0" dirty="0" smtClean="0">
+                <a:solidFill>
+                  <a:schemeClr val="tx1">
+                    <a:lumMod val="65000"/>
+                    <a:lumOff val="35000"/>
+                  </a:schemeClr>
+                </a:solidFill>
+                <a:latin typeface="+mn-lt"/>
+                <a:ea typeface="+mn-ea"/>
+                <a:cs typeface="+mn-cs"/>
+              </a:defRPr>
+            </a:lvl8pPr>
+            <a:lvl9pPr marL="2057400" indent="-228600" algn="l" defTabSz="914400" rtl="0" eaLnBrk="1" latinLnBrk="0" hangingPunct="1">
+              <a:spcBef>
+                <a:spcPct val="20000"/>
+              </a:spcBef>
+              <a:buClr>
+                <a:schemeClr val="accent1"/>
+              </a:buClr>
+              <a:buSzPct val="75000"/>
+              <a:buFont typeface="Wingdings" pitchFamily="2" charset="2"/>
+              <a:buChar char=""/>
+              <a:defRPr lang="en-US" sz="1800" kern="1200" baseline="0" dirty="0">
+                <a:solidFill>
+                  <a:schemeClr val="tx1">
+                    <a:lumMod val="65000"/>
+                    <a:lumOff val="35000"/>
+                  </a:schemeClr>
+                </a:solidFill>
+                <a:latin typeface="+mn-lt"/>
+                <a:ea typeface="+mn-ea"/>
+                <a:cs typeface="+mn-cs"/>
+              </a:defRPr>
+            </a:lvl9pPr>
+          </a:lstStyle>
+          <a:p>
+            <a:r>
+              <a:rPr lang="pt-PT" b="1" dirty="0" smtClean="0"/>
+              <a:t>Atributo:</a:t>
+            </a:r>
+            <a:r>
+              <a:rPr lang="pt-PT" dirty="0" smtClean="0"/>
+              <a:t> Facilidade em criar um curso.</a:t>
+            </a:r>
+            <a:endParaRPr lang="en-US" dirty="0" smtClean="0"/>
+          </a:p>
+          <a:p>
+            <a:r>
+              <a:rPr lang="pt-PT" b="1" dirty="0" smtClean="0"/>
+              <a:t>Medida 1:</a:t>
+            </a:r>
+            <a:r>
+              <a:rPr lang="pt-PT" dirty="0" smtClean="0"/>
+              <a:t> nº de erros cometidos.</a:t>
+            </a:r>
+            <a:endParaRPr lang="en-US" dirty="0" smtClean="0"/>
+          </a:p>
+          <a:p>
+            <a:r>
+              <a:rPr lang="pt-PT" b="1" dirty="0" smtClean="0"/>
+              <a:t>Medida 2: </a:t>
+            </a:r>
+            <a:r>
+              <a:rPr lang="pt-PT" dirty="0" smtClean="0"/>
+              <a:t>tempo que demora a identificar e </a:t>
+            </a:r>
+            <a:r>
+              <a:rPr lang="pt-PT" dirty="0" err="1" smtClean="0"/>
+              <a:t>selecionar</a:t>
+            </a:r>
+            <a:r>
+              <a:rPr lang="pt-PT" dirty="0" smtClean="0"/>
+              <a:t> o botão “Criar Curso” e preencher os dados sobre o novo curso.</a:t>
+            </a:r>
+          </a:p>
+          <a:p>
+            <a:r>
+              <a:rPr lang="pt-PT" b="1" dirty="0"/>
+              <a:t>Medida 3</a:t>
+            </a:r>
+            <a:r>
+              <a:rPr lang="pt-PT" b="1" dirty="0" smtClean="0"/>
+              <a:t>: </a:t>
+            </a:r>
+            <a:r>
+              <a:rPr lang="pt-PT" dirty="0" smtClean="0"/>
+              <a:t>nº de cliques feitos até concluir tarefa.</a:t>
+            </a:r>
+            <a:endParaRPr lang="en-US" dirty="0" smtClean="0"/>
+          </a:p>
+          <a:p>
+            <a:r>
+              <a:rPr lang="pt-PT" b="1" dirty="0" smtClean="0"/>
+              <a:t>Método da Medição: </a:t>
+            </a:r>
+            <a:r>
+              <a:rPr lang="pt-PT" dirty="0"/>
+              <a:t>Criar um curso dedicado ao campo de Agricultura. Devem de ser dadas informações quanto ao número de aulas, custo do </a:t>
+            </a:r>
+            <a:r>
+              <a:rPr lang="pt-PT" dirty="0" smtClean="0"/>
+              <a:t>curso, informação sobre o curso </a:t>
+            </a:r>
+            <a:r>
+              <a:rPr lang="pt-PT" dirty="0"/>
+              <a:t>e informações acerca do professor (Email e Telefone).</a:t>
+            </a:r>
+            <a:endParaRPr lang="en-US" dirty="0" smtClean="0"/>
+          </a:p>
+          <a:p>
+            <a:r>
+              <a:rPr lang="pt-PT" b="1" dirty="0" err="1" smtClean="0"/>
+              <a:t>Current</a:t>
+            </a:r>
+            <a:r>
+              <a:rPr lang="pt-PT" b="1" dirty="0" smtClean="0"/>
+              <a:t>:</a:t>
+            </a:r>
+            <a:r>
+              <a:rPr lang="pt-PT" dirty="0" smtClean="0"/>
+              <a:t> 0 erros (Medida 1); 2 minutos (Medida 2); 7 cliques (Medida 3).</a:t>
+            </a:r>
+            <a:endParaRPr lang="en-US" dirty="0" smtClean="0"/>
+          </a:p>
+          <a:p>
+            <a:r>
+              <a:rPr lang="pt-PT" b="1" dirty="0" err="1" smtClean="0"/>
+              <a:t>Minumum</a:t>
+            </a:r>
+            <a:r>
+              <a:rPr lang="pt-PT" b="1" dirty="0" smtClean="0"/>
+              <a:t>:</a:t>
+            </a:r>
+            <a:r>
+              <a:rPr lang="pt-PT" dirty="0" smtClean="0"/>
+              <a:t> 1 erro (Medida 1); 3 minutos (Medida 2); 12 cliques (Medida 3).</a:t>
+            </a:r>
+            <a:endParaRPr lang="en-US" dirty="0" smtClean="0"/>
+          </a:p>
+          <a:p>
+            <a:r>
+              <a:rPr lang="pt-PT" b="1" dirty="0" smtClean="0"/>
+              <a:t>Target:</a:t>
+            </a:r>
+            <a:r>
+              <a:rPr lang="pt-PT" dirty="0" smtClean="0"/>
+              <a:t> 0 erros (Medida 1); 2 minutos (Medida 2); 7 cliques (Medida 3).</a:t>
+            </a:r>
+            <a:endParaRPr lang="en-US" dirty="0" smtClean="0"/>
+          </a:p>
+          <a:p>
+            <a:r>
+              <a:rPr lang="pt-PT" b="1" dirty="0" err="1" smtClean="0"/>
+              <a:t>Optimal</a:t>
+            </a:r>
+            <a:r>
+              <a:rPr lang="pt-PT" b="1" dirty="0" smtClean="0"/>
+              <a:t>:</a:t>
+            </a:r>
+            <a:r>
+              <a:rPr lang="pt-PT" dirty="0" smtClean="0"/>
+              <a:t> 0 erros (Medida 1); 1 minuto (Medida 2); 7 cliques (Medida 3). </a:t>
             </a:r>
             <a:endParaRPr lang="en-US" sz="2400" dirty="0"/>
           </a:p>
@@ -9684,29 +10014,372 @@
       </p:sp>
       <p:sp>
         <p:nvSpPr>
-          <p:cNvPr id="9" name="Marcador de Posição de Conteúdo 2"/>
-          <p:cNvSpPr>
-            <a:spLocks noGrp="1"/>
-          </p:cNvSpPr>
-          <p:nvPr>
-            <p:ph idx="1"/>
-          </p:nvPr>
-        </p:nvSpPr>
-        <p:spPr>
-          <a:xfrm>
-            <a:off x="498473" y="2129118"/>
-            <a:ext cx="8348992" cy="4324597"/>
-          </a:xfrm>
-        </p:spPr>
-        <p:txBody>
-          <a:bodyPr>
-            <a:noAutofit/>
+          <p:cNvPr id="6" name="Marcador de Posição de Conteúdo 2"/>
+          <p:cNvSpPr txBox="1">
+            <a:spLocks/>
+          </p:cNvSpPr>
+          <p:nvPr/>
+        </p:nvSpPr>
+        <p:spPr>
+          <a:xfrm>
+            <a:off x="377893" y="1970019"/>
+            <a:ext cx="8348992" cy="4752328"/>
+          </a:xfrm>
+          <a:prstGeom prst="rect">
+            <a:avLst/>
+          </a:prstGeom>
+        </p:spPr>
+        <p:txBody>
+          <a:bodyPr vert="horz" lIns="91440" tIns="45720" rIns="91440" bIns="45720" rtlCol="0">
+            <a:normAutofit fontScale="77500" lnSpcReduction="20000"/>
           </a:bodyPr>
-          <a:lstStyle/>
-          <a:p>
-            <a:r>
-              <a:rPr lang="pt-PT" sz="2400" dirty="0" smtClean="0"/>
-              <a:t>Atributo – </a:t>
+          <a:lstStyle>
+            <a:lvl1pPr marL="228600" indent="-228600" algn="l" defTabSz="914400" rtl="0" eaLnBrk="1" latinLnBrk="0" hangingPunct="1">
+              <a:spcBef>
+                <a:spcPts val="2000"/>
+              </a:spcBef>
+              <a:buClr>
+                <a:schemeClr val="accent1"/>
+              </a:buClr>
+              <a:buSzPct val="75000"/>
+              <a:buFont typeface="Wingdings" pitchFamily="2" charset="2"/>
+              <a:buChar char="n"/>
+              <a:defRPr sz="2000" kern="1200">
+                <a:solidFill>
+                  <a:schemeClr val="tx1">
+                    <a:lumMod val="65000"/>
+                    <a:lumOff val="35000"/>
+                  </a:schemeClr>
+                </a:solidFill>
+                <a:latin typeface="+mn-lt"/>
+                <a:ea typeface="+mn-ea"/>
+                <a:cs typeface="+mn-cs"/>
+              </a:defRPr>
+            </a:lvl1pPr>
+            <a:lvl2pPr marL="457200" indent="-228600" algn="l" defTabSz="914400" rtl="0" eaLnBrk="1" latinLnBrk="0" hangingPunct="1">
+              <a:spcBef>
+                <a:spcPts val="600"/>
+              </a:spcBef>
+              <a:buClr>
+                <a:schemeClr val="accent1">
+                  <a:lumMod val="60000"/>
+                  <a:lumOff val="40000"/>
+                </a:schemeClr>
+              </a:buClr>
+              <a:buSzPct val="75000"/>
+              <a:buFont typeface="Wingdings" pitchFamily="2" charset="2"/>
+              <a:buChar char="n"/>
+              <a:defRPr sz="1800" kern="1200">
+                <a:solidFill>
+                  <a:schemeClr val="tx1">
+                    <a:lumMod val="65000"/>
+                    <a:lumOff val="35000"/>
+                  </a:schemeClr>
+                </a:solidFill>
+                <a:latin typeface="+mn-lt"/>
+                <a:ea typeface="+mn-ea"/>
+                <a:cs typeface="+mn-cs"/>
+              </a:defRPr>
+            </a:lvl2pPr>
+            <a:lvl3pPr marL="685800" indent="-228600" algn="l" defTabSz="914400" rtl="0" eaLnBrk="1" latinLnBrk="0" hangingPunct="1">
+              <a:spcBef>
+                <a:spcPts val="600"/>
+              </a:spcBef>
+              <a:buClr>
+                <a:schemeClr val="accent1"/>
+              </a:buClr>
+              <a:buSzPct val="75000"/>
+              <a:buFont typeface="Wingdings" pitchFamily="2" charset="2"/>
+              <a:buChar char="n"/>
+              <a:defRPr sz="1800" kern="1200">
+                <a:solidFill>
+                  <a:schemeClr val="tx1">
+                    <a:lumMod val="65000"/>
+                    <a:lumOff val="35000"/>
+                  </a:schemeClr>
+                </a:solidFill>
+                <a:latin typeface="+mn-lt"/>
+                <a:ea typeface="+mn-ea"/>
+                <a:cs typeface="+mn-cs"/>
+              </a:defRPr>
+            </a:lvl3pPr>
+            <a:lvl4pPr marL="914400" indent="-228600" algn="l" defTabSz="914400" rtl="0" eaLnBrk="1" latinLnBrk="0" hangingPunct="1">
+              <a:spcBef>
+                <a:spcPts val="600"/>
+              </a:spcBef>
+              <a:buClr>
+                <a:schemeClr val="accent1">
+                  <a:lumMod val="60000"/>
+                  <a:lumOff val="40000"/>
+                </a:schemeClr>
+              </a:buClr>
+              <a:buSzPct val="75000"/>
+              <a:buFont typeface="Wingdings" pitchFamily="2" charset="2"/>
+              <a:buChar char="n"/>
+              <a:defRPr sz="1800" kern="1200">
+                <a:solidFill>
+                  <a:schemeClr val="tx1">
+                    <a:lumMod val="65000"/>
+                    <a:lumOff val="35000"/>
+                  </a:schemeClr>
+                </a:solidFill>
+                <a:latin typeface="+mn-lt"/>
+                <a:ea typeface="+mn-ea"/>
+                <a:cs typeface="+mn-cs"/>
+              </a:defRPr>
+            </a:lvl4pPr>
+            <a:lvl5pPr marL="1143000" indent="-228600" algn="l" defTabSz="914400" rtl="0" eaLnBrk="1" latinLnBrk="0" hangingPunct="1">
+              <a:spcBef>
+                <a:spcPts val="600"/>
+              </a:spcBef>
+              <a:buClr>
+                <a:schemeClr val="accent1"/>
+              </a:buClr>
+              <a:buSzPct val="75000"/>
+              <a:buFont typeface="Wingdings" pitchFamily="2" charset="2"/>
+              <a:buChar char="n"/>
+              <a:defRPr sz="1800" kern="1200">
+                <a:solidFill>
+                  <a:schemeClr val="tx1">
+                    <a:lumMod val="65000"/>
+                    <a:lumOff val="35000"/>
+                  </a:schemeClr>
+                </a:solidFill>
+                <a:latin typeface="+mn-lt"/>
+                <a:ea typeface="+mn-ea"/>
+                <a:cs typeface="+mn-cs"/>
+              </a:defRPr>
+            </a:lvl5pPr>
+            <a:lvl6pPr marL="1377950" indent="-228600" algn="l" defTabSz="914400" rtl="0" eaLnBrk="1" latinLnBrk="0" hangingPunct="1">
+              <a:spcBef>
+                <a:spcPct val="20000"/>
+              </a:spcBef>
+              <a:buClr>
+                <a:schemeClr val="accent1">
+                  <a:lumMod val="60000"/>
+                  <a:lumOff val="40000"/>
+                </a:schemeClr>
+              </a:buClr>
+              <a:buSzPct val="75000"/>
+              <a:buFont typeface="Wingdings" pitchFamily="2" charset="2"/>
+              <a:buChar char=""/>
+              <a:defRPr lang="en-US" sz="1800" kern="1200" dirty="0" smtClean="0">
+                <a:solidFill>
+                  <a:schemeClr val="tx1">
+                    <a:lumMod val="65000"/>
+                    <a:lumOff val="35000"/>
+                  </a:schemeClr>
+                </a:solidFill>
+                <a:latin typeface="+mn-lt"/>
+                <a:ea typeface="+mn-ea"/>
+                <a:cs typeface="+mn-cs"/>
+              </a:defRPr>
+            </a:lvl6pPr>
+            <a:lvl7pPr marL="1603375" indent="-228600" algn="l" defTabSz="914400" rtl="0" eaLnBrk="1" latinLnBrk="0" hangingPunct="1">
+              <a:spcBef>
+                <a:spcPct val="20000"/>
+              </a:spcBef>
+              <a:buClr>
+                <a:schemeClr val="accent1"/>
+              </a:buClr>
+              <a:buSzPct val="75000"/>
+              <a:buFont typeface="Wingdings" pitchFamily="2" charset="2"/>
+              <a:buChar char=""/>
+              <a:defRPr lang="en-US" sz="1800" kern="1200" baseline="0" dirty="0" smtClean="0">
+                <a:solidFill>
+                  <a:schemeClr val="tx1">
+                    <a:lumMod val="65000"/>
+                    <a:lumOff val="35000"/>
+                  </a:schemeClr>
+                </a:solidFill>
+                <a:latin typeface="+mn-lt"/>
+                <a:ea typeface="+mn-ea"/>
+                <a:cs typeface="+mn-cs"/>
+              </a:defRPr>
+            </a:lvl7pPr>
+            <a:lvl8pPr marL="1830388" indent="-228600" algn="l" defTabSz="914400" rtl="0" eaLnBrk="1" latinLnBrk="0" hangingPunct="1">
+              <a:spcBef>
+                <a:spcPct val="20000"/>
+              </a:spcBef>
+              <a:buClr>
+                <a:schemeClr val="accent1">
+                  <a:lumMod val="60000"/>
+                  <a:lumOff val="40000"/>
+                </a:schemeClr>
+              </a:buClr>
+              <a:buSzPct val="75000"/>
+              <a:buFont typeface="Wingdings" pitchFamily="2" charset="2"/>
+              <a:buChar char=""/>
+              <a:defRPr lang="en-US" sz="1800" kern="1200" baseline="0" dirty="0" smtClean="0">
+                <a:solidFill>
+                  <a:schemeClr val="tx1">
+                    <a:lumMod val="65000"/>
+                    <a:lumOff val="35000"/>
+                  </a:schemeClr>
+                </a:solidFill>
+                <a:latin typeface="+mn-lt"/>
+                <a:ea typeface="+mn-ea"/>
+                <a:cs typeface="+mn-cs"/>
+              </a:defRPr>
+            </a:lvl8pPr>
+            <a:lvl9pPr marL="2057400" indent="-228600" algn="l" defTabSz="914400" rtl="0" eaLnBrk="1" latinLnBrk="0" hangingPunct="1">
+              <a:spcBef>
+                <a:spcPct val="20000"/>
+              </a:spcBef>
+              <a:buClr>
+                <a:schemeClr val="accent1"/>
+              </a:buClr>
+              <a:buSzPct val="75000"/>
+              <a:buFont typeface="Wingdings" pitchFamily="2" charset="2"/>
+              <a:buChar char=""/>
+              <a:defRPr lang="en-US" sz="1800" kern="1200" baseline="0" dirty="0">
+                <a:solidFill>
+                  <a:schemeClr val="tx1">
+                    <a:lumMod val="65000"/>
+                    <a:lumOff val="35000"/>
+                  </a:schemeClr>
+                </a:solidFill>
+                <a:latin typeface="+mn-lt"/>
+                <a:ea typeface="+mn-ea"/>
+                <a:cs typeface="+mn-cs"/>
+              </a:defRPr>
+            </a:lvl9pPr>
+          </a:lstStyle>
+          <a:p>
+            <a:r>
+              <a:rPr lang="pt-PT" b="1" dirty="0" smtClean="0"/>
+              <a:t>Atributo:</a:t>
+            </a:r>
+            <a:r>
+              <a:rPr lang="pt-PT" dirty="0" smtClean="0"/>
+              <a:t> Facilidade em adicionar uma aula a um curso.</a:t>
+            </a:r>
+            <a:endParaRPr lang="en-US" dirty="0" smtClean="0"/>
+          </a:p>
+          <a:p>
+            <a:r>
+              <a:rPr lang="pt-PT" b="1" dirty="0" smtClean="0"/>
+              <a:t>Medida 1:</a:t>
+            </a:r>
+            <a:r>
+              <a:rPr lang="pt-PT" dirty="0" smtClean="0"/>
+              <a:t> nº de erros cometidos.</a:t>
+            </a:r>
+            <a:endParaRPr lang="en-US" dirty="0" smtClean="0"/>
+          </a:p>
+          <a:p>
+            <a:r>
+              <a:rPr lang="pt-PT" b="1" dirty="0" smtClean="0"/>
+              <a:t>Medida 2: </a:t>
+            </a:r>
+            <a:r>
+              <a:rPr lang="pt-PT" dirty="0" smtClean="0"/>
+              <a:t>tempo que demora a identificar e </a:t>
+            </a:r>
+            <a:r>
+              <a:rPr lang="pt-PT" dirty="0" err="1" smtClean="0"/>
+              <a:t>selecionar</a:t>
+            </a:r>
+            <a:r>
+              <a:rPr lang="pt-PT" dirty="0" smtClean="0"/>
+              <a:t> a secção “Meus </a:t>
+            </a:r>
+            <a:r>
+              <a:rPr lang="pt-PT" dirty="0" err="1" smtClean="0"/>
+              <a:t>cursos”,”Curso</a:t>
+            </a:r>
+            <a:r>
+              <a:rPr lang="pt-PT" dirty="0" smtClean="0"/>
+              <a:t> de Agricultura”, “Adicionar Aula” e preencher os dados sobre a nova aula.</a:t>
+            </a:r>
+          </a:p>
+          <a:p>
+            <a:r>
+              <a:rPr lang="pt-PT" b="1" dirty="0"/>
+              <a:t>Medida 3</a:t>
+            </a:r>
+            <a:r>
+              <a:rPr lang="pt-PT" b="1" dirty="0" smtClean="0"/>
+              <a:t>: </a:t>
+            </a:r>
+            <a:r>
+              <a:rPr lang="pt-PT" dirty="0" smtClean="0"/>
+              <a:t>nº de cliques feitos até concluir tarefa.</a:t>
+            </a:r>
+            <a:endParaRPr lang="en-US" dirty="0" smtClean="0"/>
+          </a:p>
+          <a:p>
+            <a:r>
+              <a:rPr lang="pt-PT" b="1" dirty="0" smtClean="0"/>
+              <a:t>Método da Medição: </a:t>
+            </a:r>
+            <a:r>
+              <a:rPr lang="pt-PT" dirty="0"/>
+              <a:t>Na página dedicada ao curso (usando o exemplo anterior da agricultura), clicar no botão “Adicionar Aula”. De seguida, basta escrever um excerto sobre o conteúdo da aula, informação quanto ao tempo da mesma e fazer um </a:t>
+            </a:r>
+            <a:r>
+              <a:rPr lang="pt-PT" dirty="0" err="1"/>
+              <a:t>upload</a:t>
+            </a:r>
+            <a:r>
+              <a:rPr lang="pt-PT" dirty="0"/>
+              <a:t> da vídeo-aula gravada.</a:t>
+            </a:r>
+            <a:endParaRPr lang="en-US" dirty="0" smtClean="0"/>
+          </a:p>
+          <a:p>
+            <a:r>
+              <a:rPr lang="pt-PT" b="1" dirty="0" err="1" smtClean="0"/>
+              <a:t>Current</a:t>
+            </a:r>
+            <a:r>
+              <a:rPr lang="pt-PT" b="1" dirty="0" smtClean="0"/>
+              <a:t>:</a:t>
+            </a:r>
+            <a:r>
+              <a:rPr lang="pt-PT" dirty="0" smtClean="0"/>
+              <a:t> 1 erro (Medida 1); 3 minutos (Medida 2); 9 cliques (Medida 3).</a:t>
+            </a:r>
+            <a:endParaRPr lang="en-US" dirty="0" smtClean="0"/>
+          </a:p>
+          <a:p>
+            <a:r>
+              <a:rPr lang="pt-PT" b="1" dirty="0" err="1" smtClean="0"/>
+              <a:t>Minumum</a:t>
+            </a:r>
+            <a:r>
+              <a:rPr lang="pt-PT" b="1" dirty="0" smtClean="0"/>
+              <a:t>:</a:t>
+            </a:r>
+            <a:r>
+              <a:rPr lang="pt-PT" dirty="0" smtClean="0"/>
+              <a:t> 3 erros (Medida 1); 5 minutos (Medida 2); 13 cliques (Medida 3).</a:t>
+            </a:r>
+            <a:endParaRPr lang="en-US" dirty="0" smtClean="0"/>
+          </a:p>
+          <a:p>
+            <a:r>
+              <a:rPr lang="pt-PT" b="1" dirty="0" smtClean="0"/>
+              <a:t>Target:</a:t>
+            </a:r>
+            <a:r>
+              <a:rPr lang="pt-PT" dirty="0" smtClean="0"/>
+              <a:t> 1 erro (Medida 1); 2 minutos (Medida 2); 8 cliques (Medida 3).</a:t>
+            </a:r>
+            <a:endParaRPr lang="en-US" dirty="0" smtClean="0"/>
+          </a:p>
+          <a:p>
+            <a:r>
+              <a:rPr lang="pt-PT" b="1" dirty="0" err="1" smtClean="0"/>
+              <a:t>Optimal</a:t>
+            </a:r>
+            <a:r>
+              <a:rPr lang="pt-PT" b="1" dirty="0" smtClean="0"/>
+              <a:t>:</a:t>
+            </a:r>
+            <a:r>
+              <a:rPr lang="pt-PT" dirty="0" smtClean="0"/>
+              <a:t> 0 erros (Medida 1); 1 minuto e 30 segundos (Medida 2); 6 cliques (Medida 3). </a:t>
             </a:r>
             <a:endParaRPr lang="en-US" sz="2400" dirty="0"/>
           </a:p>
@@ -12971,7 +13644,7 @@
   <a:extraClrSchemeLst/>
   <a:extLst>
     <a:ext uri="{05A4C25C-085E-4340-85A3-A5531E510DB2}">
-      <thm15:themeFamily xmlns:thm15="http://schemas.microsoft.com/office/thememl/2012/main" xmlns="" name="Office Theme" id="{62F939B6-93AF-4DB8-9C6B-D6C7DFDC589F}" vid="{4A3C46E8-61CC-4603-A589-7422A47A8E4A}"/>
+      <thm15:themeFamily xmlns="" xmlns:thm15="http://schemas.microsoft.com/office/thememl/2012/main" name="Office Theme" id="{62F939B6-93AF-4DB8-9C6B-D6C7DFDC589F}" vid="{4A3C46E8-61CC-4603-A589-7422A47A8E4A}"/>
     </a:ext>
   </a:extLst>
 </a:theme>

--- a/Aula 08/G10 - Apresentacao - Lab08.pptx
+++ b/Aula 08/G10 - Apresentacao - Lab08.pptx
@@ -5,20 +5,22 @@
     <p:sldMasterId id="2147483660" r:id="rId1"/>
   </p:sldMasterIdLst>
   <p:notesMasterIdLst>
-    <p:notesMasterId r:id="rId13"/>
+    <p:notesMasterId r:id="rId15"/>
   </p:notesMasterIdLst>
   <p:sldIdLst>
     <p:sldId id="256" r:id="rId2"/>
-    <p:sldId id="271" r:id="rId3"/>
-    <p:sldId id="282" r:id="rId4"/>
-    <p:sldId id="283" r:id="rId5"/>
-    <p:sldId id="284" r:id="rId6"/>
-    <p:sldId id="285" r:id="rId7"/>
-    <p:sldId id="287" r:id="rId8"/>
-    <p:sldId id="288" r:id="rId9"/>
-    <p:sldId id="272" r:id="rId10"/>
-    <p:sldId id="273" r:id="rId11"/>
-    <p:sldId id="286" r:id="rId12"/>
+    <p:sldId id="289" r:id="rId3"/>
+    <p:sldId id="290" r:id="rId4"/>
+    <p:sldId id="291" r:id="rId5"/>
+    <p:sldId id="292" r:id="rId6"/>
+    <p:sldId id="293" r:id="rId7"/>
+    <p:sldId id="294" r:id="rId8"/>
+    <p:sldId id="285" r:id="rId9"/>
+    <p:sldId id="287" r:id="rId10"/>
+    <p:sldId id="288" r:id="rId11"/>
+    <p:sldId id="272" r:id="rId12"/>
+    <p:sldId id="273" r:id="rId13"/>
+    <p:sldId id="286" r:id="rId14"/>
   </p:sldIdLst>
   <p:sldSz cx="9144000" cy="6858000" type="screen4x3"/>
   <p:notesSz cx="6858000" cy="9144000"/>
@@ -119,7 +121,7 @@
   </p:defaultTextStyle>
   <p:extLst>
     <p:ext uri="{EFAFB233-063F-42B5-8137-9DF3F51BA10A}">
-      <p15:sldGuideLst xmlns="" xmlns:p15="http://schemas.microsoft.com/office/powerpoint/2012/main">
+      <p15:sldGuideLst xmlns:p15="http://schemas.microsoft.com/office/powerpoint/2012/main">
         <p15:guide id="1" orient="horz" pos="2160">
           <p15:clr>
             <a:srgbClr val="A4A3A4"/>
@@ -218,7 +220,7 @@
           <a:p>
             <a:fld id="{A0410F9C-3A27-C84F-B27D-9342140F08DB}" type="datetimeFigureOut">
               <a:rPr lang="pt-PT" smtClean="0"/>
-              <a:t>19/11/2015</a:t>
+              <a:t>19/11/15</a:t>
             </a:fld>
             <a:endParaRPr lang="pt-PT"/>
           </a:p>
@@ -687,7 +689,7 @@
           <a:p>
             <a:fld id="{D728701E-CAF4-4159-9B3E-41C86DFFA30D}" type="datetimeFigureOut">
               <a:rPr lang="en-US" smtClean="0"/>
-              <a:t>11/19/2015</a:t>
+              <a:t>11/19/15</a:t>
             </a:fld>
             <a:endParaRPr lang="en-US"/>
           </a:p>
@@ -1141,7 +1143,7 @@
           <a:p>
             <a:fld id="{D728701E-CAF4-4159-9B3E-41C86DFFA30D}" type="datetimeFigureOut">
               <a:rPr lang="en-US" smtClean="0"/>
-              <a:t>11/19/2015</a:t>
+              <a:t>11/19/15</a:t>
             </a:fld>
             <a:endParaRPr lang="en-US"/>
           </a:p>
@@ -1684,7 +1686,7 @@
           <a:p>
             <a:fld id="{D728701E-CAF4-4159-9B3E-41C86DFFA30D}" type="datetimeFigureOut">
               <a:rPr lang="en-US" smtClean="0"/>
-              <a:t>11/19/2015</a:t>
+              <a:t>11/19/15</a:t>
             </a:fld>
             <a:endParaRPr lang="en-US"/>
           </a:p>
@@ -1820,7 +1822,7 @@
           <a:p>
             <a:fld id="{D728701E-CAF4-4159-9B3E-41C86DFFA30D}" type="datetimeFigureOut">
               <a:rPr lang="en-US" smtClean="0"/>
-              <a:t>11/19/2015</a:t>
+              <a:t>11/19/15</a:t>
             </a:fld>
             <a:endParaRPr lang="en-US"/>
           </a:p>
@@ -2158,7 +2160,7 @@
           <a:p>
             <a:fld id="{D728701E-CAF4-4159-9B3E-41C86DFFA30D}" type="datetimeFigureOut">
               <a:rPr lang="en-US" smtClean="0"/>
-              <a:t>11/19/2015</a:t>
+              <a:t>11/19/15</a:t>
             </a:fld>
             <a:endParaRPr lang="en-US"/>
           </a:p>
@@ -2484,7 +2486,7 @@
           <a:p>
             <a:fld id="{D728701E-CAF4-4159-9B3E-41C86DFFA30D}" type="datetimeFigureOut">
               <a:rPr lang="en-US" smtClean="0"/>
-              <a:t>11/19/2015</a:t>
+              <a:t>11/19/15</a:t>
             </a:fld>
             <a:endParaRPr lang="en-US"/>
           </a:p>
@@ -2782,7 +2784,7 @@
           <a:p>
             <a:fld id="{D728701E-CAF4-4159-9B3E-41C86DFFA30D}" type="datetimeFigureOut">
               <a:rPr lang="en-US" smtClean="0"/>
-              <a:t>11/19/2015</a:t>
+              <a:t>11/19/15</a:t>
             </a:fld>
             <a:endParaRPr lang="en-US"/>
           </a:p>
@@ -3169,7 +3171,7 @@
           <a:p>
             <a:fld id="{D728701E-CAF4-4159-9B3E-41C86DFFA30D}" type="datetimeFigureOut">
               <a:rPr lang="en-US" smtClean="0"/>
-              <a:t>11/19/2015</a:t>
+              <a:t>11/19/15</a:t>
             </a:fld>
             <a:endParaRPr lang="en-US"/>
           </a:p>
@@ -3589,7 +3591,7 @@
           <a:p>
             <a:fld id="{D728701E-CAF4-4159-9B3E-41C86DFFA30D}" type="datetimeFigureOut">
               <a:rPr lang="en-US" smtClean="0"/>
-              <a:t>11/19/2015</a:t>
+              <a:t>11/19/15</a:t>
             </a:fld>
             <a:endParaRPr lang="en-US"/>
           </a:p>
@@ -4137,7 +4139,7 @@
           <a:p>
             <a:fld id="{D728701E-CAF4-4159-9B3E-41C86DFFA30D}" type="datetimeFigureOut">
               <a:rPr lang="en-US" smtClean="0"/>
-              <a:t>11/19/2015</a:t>
+              <a:t>11/19/15</a:t>
             </a:fld>
             <a:endParaRPr lang="en-US"/>
           </a:p>
@@ -4495,7 +4497,7 @@
           <a:p>
             <a:fld id="{D728701E-CAF4-4159-9B3E-41C86DFFA30D}" type="datetimeFigureOut">
               <a:rPr lang="en-US" smtClean="0"/>
-              <a:t>11/19/2015</a:t>
+              <a:t>11/19/15</a:t>
             </a:fld>
             <a:endParaRPr lang="en-US"/>
           </a:p>
@@ -4710,7 +4712,7 @@
           <a:p>
             <a:fld id="{D728701E-CAF4-4159-9B3E-41C86DFFA30D}" type="datetimeFigureOut">
               <a:rPr lang="en-US" smtClean="0"/>
-              <a:t>11/19/2015</a:t>
+              <a:t>11/19/15</a:t>
             </a:fld>
             <a:endParaRPr lang="en-US"/>
           </a:p>
@@ -5017,7 +5019,7 @@
           <a:p>
             <a:fld id="{D728701E-CAF4-4159-9B3E-41C86DFFA30D}" type="datetimeFigureOut">
               <a:rPr lang="en-US" smtClean="0"/>
-              <a:t>11/19/2015</a:t>
+              <a:t>11/19/15</a:t>
             </a:fld>
             <a:endParaRPr lang="en-US"/>
           </a:p>
@@ -5273,7 +5275,7 @@
           <a:p>
             <a:fld id="{D728701E-CAF4-4159-9B3E-41C86DFFA30D}" type="datetimeFigureOut">
               <a:rPr lang="en-US" smtClean="0"/>
-              <a:t>11/19/2015</a:t>
+              <a:t>11/19/15</a:t>
             </a:fld>
             <a:endParaRPr lang="en-US"/>
           </a:p>
@@ -5662,7 +5664,7 @@
           <a:p>
             <a:fld id="{D728701E-CAF4-4159-9B3E-41C86DFFA30D}" type="datetimeFigureOut">
               <a:rPr lang="en-US" smtClean="0"/>
-              <a:t>11/19/2015</a:t>
+              <a:t>11/19/15</a:t>
             </a:fld>
             <a:endParaRPr lang="en-US"/>
           </a:p>
@@ -6251,7 +6253,7 @@
           <a:p>
             <a:fld id="{D728701E-CAF4-4159-9B3E-41C86DFFA30D}" type="datetimeFigureOut">
               <a:rPr lang="en-US" smtClean="0"/>
-              <a:t>11/19/2015</a:t>
+              <a:t>11/19/15</a:t>
             </a:fld>
             <a:endParaRPr lang="en-US"/>
           </a:p>
@@ -6766,7 +6768,7 @@
           <a:p>
             <a:fld id="{D728701E-CAF4-4159-9B3E-41C86DFFA30D}" type="datetimeFigureOut">
               <a:rPr lang="en-US" smtClean="0"/>
-              <a:t>11/19/2015</a:t>
+              <a:t>11/19/15</a:t>
             </a:fld>
             <a:endParaRPr lang="en-US"/>
           </a:p>
@@ -7139,7 +7141,7 @@
           <a:p>
             <a:fld id="{D728701E-CAF4-4159-9B3E-41C86DFFA30D}" type="datetimeFigureOut">
               <a:rPr lang="en-US" smtClean="0"/>
-              <a:t>11/19/2015</a:t>
+              <a:t>11/19/15</a:t>
             </a:fld>
             <a:endParaRPr lang="en-US"/>
           </a:p>
@@ -7538,7 +7540,7 @@
           <a:p>
             <a:fld id="{D728701E-CAF4-4159-9B3E-41C86DFFA30D}" type="datetimeFigureOut">
               <a:rPr lang="en-US" smtClean="0"/>
-              <a:t>11/19/2015</a:t>
+              <a:t>11/19/15</a:t>
             </a:fld>
             <a:endParaRPr lang="en-US"/>
           </a:p>
@@ -7958,7 +7960,7 @@
           <a:p>
             <a:fld id="{D728701E-CAF4-4159-9B3E-41C86DFFA30D}" type="datetimeFigureOut">
               <a:rPr lang="en-US" smtClean="0"/>
-              <a:t>11/19/2015</a:t>
+              <a:t>11/19/15</a:t>
             </a:fld>
             <a:endParaRPr lang="en-US"/>
           </a:p>
@@ -8341,7 +8343,7 @@
           <a:p>
             <a:fld id="{D728701E-CAF4-4159-9B3E-41C86DFFA30D}" type="datetimeFigureOut">
               <a:rPr lang="en-US" smtClean="0"/>
-              <a:t>11/19/2015</a:t>
+              <a:t>11/19/15</a:t>
             </a:fld>
             <a:endParaRPr lang="en-US"/>
           </a:p>
@@ -8806,7 +8808,7 @@
         </p:nvSpPr>
         <p:spPr>
           <a:xfrm>
-            <a:off x="3693111" y="4629149"/>
+            <a:off x="4598893" y="4629149"/>
             <a:ext cx="4038600" cy="933450"/>
           </a:xfrm>
         </p:spPr>
@@ -8839,8 +8841,8 @@
         </p:nvSpPr>
         <p:spPr>
           <a:xfrm>
-            <a:off x="3693111" y="5562599"/>
-            <a:ext cx="4903114" cy="838201"/>
+            <a:off x="4598893" y="5562599"/>
+            <a:ext cx="3997331" cy="838201"/>
           </a:xfrm>
         </p:spPr>
         <p:txBody>
@@ -8850,10 +8852,16 @@
           <a:lstStyle/>
           <a:p>
             <a:r>
+              <a:rPr lang="pt-PT" sz="2400" smtClean="0">
+                <a:latin typeface="+mj-lt"/>
+              </a:rPr>
+              <a:t>Testes de </a:t>
+            </a:r>
+            <a:r>
               <a:rPr lang="pt-PT" sz="2400" dirty="0" smtClean="0">
                 <a:latin typeface="+mj-lt"/>
               </a:rPr>
-              <a:t>Identificação dos testes de usabilidade</a:t>
+              <a:t>usabilidade</a:t>
             </a:r>
             <a:endParaRPr lang="pt-PT" sz="2400" dirty="0">
               <a:latin typeface="+mj-lt"/>
@@ -9063,7 +9071,7 @@
           <a:p>
             <a:r>
               <a:rPr lang="pt-PT" dirty="0" smtClean="0"/>
-              <a:t>Perspectiva dos professores	1/2</a:t>
+              <a:t>Perspectiva dos alunos 		6/6</a:t>
             </a:r>
             <a:endParaRPr lang="pt-PT" dirty="0"/>
           </a:p>
@@ -9315,7 +9323,7 @@
                 </a:solidFill>
                 <a:latin typeface="+mj-lt"/>
               </a:rPr>
-              <a:t>Criar curso</a:t>
+              <a:t>Ver perfil da conta</a:t>
             </a:r>
             <a:endParaRPr lang="pt-PT" sz="2400" dirty="0">
               <a:solidFill>
@@ -9330,364 +9338,29 @@
       </p:sp>
       <p:sp>
         <p:nvSpPr>
-          <p:cNvPr id="6" name="Marcador de Posição de Conteúdo 2"/>
-          <p:cNvSpPr txBox="1">
-            <a:spLocks/>
-          </p:cNvSpPr>
-          <p:nvPr/>
-        </p:nvSpPr>
-        <p:spPr>
-          <a:xfrm>
-            <a:off x="377893" y="1970019"/>
-            <a:ext cx="8348992" cy="4501119"/>
-          </a:xfrm>
-          <a:prstGeom prst="rect">
-            <a:avLst/>
-          </a:prstGeom>
-        </p:spPr>
-        <p:txBody>
-          <a:bodyPr vert="horz" lIns="91440" tIns="45720" rIns="91440" bIns="45720" rtlCol="0">
-            <a:normAutofit fontScale="77500" lnSpcReduction="20000"/>
+          <p:cNvPr id="9" name="Marcador de Posição de Conteúdo 2"/>
+          <p:cNvSpPr>
+            <a:spLocks noGrp="1"/>
+          </p:cNvSpPr>
+          <p:nvPr>
+            <p:ph idx="1"/>
+          </p:nvPr>
+        </p:nvSpPr>
+        <p:spPr>
+          <a:xfrm>
+            <a:off x="498473" y="2129118"/>
+            <a:ext cx="8348992" cy="4324597"/>
+          </a:xfrm>
+        </p:spPr>
+        <p:txBody>
+          <a:bodyPr>
+            <a:normAutofit/>
           </a:bodyPr>
-          <a:lstStyle>
-            <a:lvl1pPr marL="228600" indent="-228600" algn="l" defTabSz="914400" rtl="0" eaLnBrk="1" latinLnBrk="0" hangingPunct="1">
-              <a:spcBef>
-                <a:spcPts val="2000"/>
-              </a:spcBef>
-              <a:buClr>
-                <a:schemeClr val="accent1"/>
-              </a:buClr>
-              <a:buSzPct val="75000"/>
-              <a:buFont typeface="Wingdings" pitchFamily="2" charset="2"/>
-              <a:buChar char="n"/>
-              <a:defRPr sz="2000" kern="1200">
-                <a:solidFill>
-                  <a:schemeClr val="tx1">
-                    <a:lumMod val="65000"/>
-                    <a:lumOff val="35000"/>
-                  </a:schemeClr>
-                </a:solidFill>
-                <a:latin typeface="+mn-lt"/>
-                <a:ea typeface="+mn-ea"/>
-                <a:cs typeface="+mn-cs"/>
-              </a:defRPr>
-            </a:lvl1pPr>
-            <a:lvl2pPr marL="457200" indent="-228600" algn="l" defTabSz="914400" rtl="0" eaLnBrk="1" latinLnBrk="0" hangingPunct="1">
-              <a:spcBef>
-                <a:spcPts val="600"/>
-              </a:spcBef>
-              <a:buClr>
-                <a:schemeClr val="accent1">
-                  <a:lumMod val="60000"/>
-                  <a:lumOff val="40000"/>
-                </a:schemeClr>
-              </a:buClr>
-              <a:buSzPct val="75000"/>
-              <a:buFont typeface="Wingdings" pitchFamily="2" charset="2"/>
-              <a:buChar char="n"/>
-              <a:defRPr sz="1800" kern="1200">
-                <a:solidFill>
-                  <a:schemeClr val="tx1">
-                    <a:lumMod val="65000"/>
-                    <a:lumOff val="35000"/>
-                  </a:schemeClr>
-                </a:solidFill>
-                <a:latin typeface="+mn-lt"/>
-                <a:ea typeface="+mn-ea"/>
-                <a:cs typeface="+mn-cs"/>
-              </a:defRPr>
-            </a:lvl2pPr>
-            <a:lvl3pPr marL="685800" indent="-228600" algn="l" defTabSz="914400" rtl="0" eaLnBrk="1" latinLnBrk="0" hangingPunct="1">
-              <a:spcBef>
-                <a:spcPts val="600"/>
-              </a:spcBef>
-              <a:buClr>
-                <a:schemeClr val="accent1"/>
-              </a:buClr>
-              <a:buSzPct val="75000"/>
-              <a:buFont typeface="Wingdings" pitchFamily="2" charset="2"/>
-              <a:buChar char="n"/>
-              <a:defRPr sz="1800" kern="1200">
-                <a:solidFill>
-                  <a:schemeClr val="tx1">
-                    <a:lumMod val="65000"/>
-                    <a:lumOff val="35000"/>
-                  </a:schemeClr>
-                </a:solidFill>
-                <a:latin typeface="+mn-lt"/>
-                <a:ea typeface="+mn-ea"/>
-                <a:cs typeface="+mn-cs"/>
-              </a:defRPr>
-            </a:lvl3pPr>
-            <a:lvl4pPr marL="914400" indent="-228600" algn="l" defTabSz="914400" rtl="0" eaLnBrk="1" latinLnBrk="0" hangingPunct="1">
-              <a:spcBef>
-                <a:spcPts val="600"/>
-              </a:spcBef>
-              <a:buClr>
-                <a:schemeClr val="accent1">
-                  <a:lumMod val="60000"/>
-                  <a:lumOff val="40000"/>
-                </a:schemeClr>
-              </a:buClr>
-              <a:buSzPct val="75000"/>
-              <a:buFont typeface="Wingdings" pitchFamily="2" charset="2"/>
-              <a:buChar char="n"/>
-              <a:defRPr sz="1800" kern="1200">
-                <a:solidFill>
-                  <a:schemeClr val="tx1">
-                    <a:lumMod val="65000"/>
-                    <a:lumOff val="35000"/>
-                  </a:schemeClr>
-                </a:solidFill>
-                <a:latin typeface="+mn-lt"/>
-                <a:ea typeface="+mn-ea"/>
-                <a:cs typeface="+mn-cs"/>
-              </a:defRPr>
-            </a:lvl4pPr>
-            <a:lvl5pPr marL="1143000" indent="-228600" algn="l" defTabSz="914400" rtl="0" eaLnBrk="1" latinLnBrk="0" hangingPunct="1">
-              <a:spcBef>
-                <a:spcPts val="600"/>
-              </a:spcBef>
-              <a:buClr>
-                <a:schemeClr val="accent1"/>
-              </a:buClr>
-              <a:buSzPct val="75000"/>
-              <a:buFont typeface="Wingdings" pitchFamily="2" charset="2"/>
-              <a:buChar char="n"/>
-              <a:defRPr sz="1800" kern="1200">
-                <a:solidFill>
-                  <a:schemeClr val="tx1">
-                    <a:lumMod val="65000"/>
-                    <a:lumOff val="35000"/>
-                  </a:schemeClr>
-                </a:solidFill>
-                <a:latin typeface="+mn-lt"/>
-                <a:ea typeface="+mn-ea"/>
-                <a:cs typeface="+mn-cs"/>
-              </a:defRPr>
-            </a:lvl5pPr>
-            <a:lvl6pPr marL="1377950" indent="-228600" algn="l" defTabSz="914400" rtl="0" eaLnBrk="1" latinLnBrk="0" hangingPunct="1">
-              <a:spcBef>
-                <a:spcPct val="20000"/>
-              </a:spcBef>
-              <a:buClr>
-                <a:schemeClr val="accent1">
-                  <a:lumMod val="60000"/>
-                  <a:lumOff val="40000"/>
-                </a:schemeClr>
-              </a:buClr>
-              <a:buSzPct val="75000"/>
-              <a:buFont typeface="Wingdings" pitchFamily="2" charset="2"/>
-              <a:buChar char=""/>
-              <a:defRPr lang="en-US" sz="1800" kern="1200" dirty="0" smtClean="0">
-                <a:solidFill>
-                  <a:schemeClr val="tx1">
-                    <a:lumMod val="65000"/>
-                    <a:lumOff val="35000"/>
-                  </a:schemeClr>
-                </a:solidFill>
-                <a:latin typeface="+mn-lt"/>
-                <a:ea typeface="+mn-ea"/>
-                <a:cs typeface="+mn-cs"/>
-              </a:defRPr>
-            </a:lvl6pPr>
-            <a:lvl7pPr marL="1603375" indent="-228600" algn="l" defTabSz="914400" rtl="0" eaLnBrk="1" latinLnBrk="0" hangingPunct="1">
-              <a:spcBef>
-                <a:spcPct val="20000"/>
-              </a:spcBef>
-              <a:buClr>
-                <a:schemeClr val="accent1"/>
-              </a:buClr>
-              <a:buSzPct val="75000"/>
-              <a:buFont typeface="Wingdings" pitchFamily="2" charset="2"/>
-              <a:buChar char=""/>
-              <a:defRPr lang="en-US" sz="1800" kern="1200" baseline="0" dirty="0" smtClean="0">
-                <a:solidFill>
-                  <a:schemeClr val="tx1">
-                    <a:lumMod val="65000"/>
-                    <a:lumOff val="35000"/>
-                  </a:schemeClr>
-                </a:solidFill>
-                <a:latin typeface="+mn-lt"/>
-                <a:ea typeface="+mn-ea"/>
-                <a:cs typeface="+mn-cs"/>
-              </a:defRPr>
-            </a:lvl7pPr>
-            <a:lvl8pPr marL="1830388" indent="-228600" algn="l" defTabSz="914400" rtl="0" eaLnBrk="1" latinLnBrk="0" hangingPunct="1">
-              <a:spcBef>
-                <a:spcPct val="20000"/>
-              </a:spcBef>
-              <a:buClr>
-                <a:schemeClr val="accent1">
-                  <a:lumMod val="60000"/>
-                  <a:lumOff val="40000"/>
-                </a:schemeClr>
-              </a:buClr>
-              <a:buSzPct val="75000"/>
-              <a:buFont typeface="Wingdings" pitchFamily="2" charset="2"/>
-              <a:buChar char=""/>
-              <a:defRPr lang="en-US" sz="1800" kern="1200" baseline="0" dirty="0" smtClean="0">
-                <a:solidFill>
-                  <a:schemeClr val="tx1">
-                    <a:lumMod val="65000"/>
-                    <a:lumOff val="35000"/>
-                  </a:schemeClr>
-                </a:solidFill>
-                <a:latin typeface="+mn-lt"/>
-                <a:ea typeface="+mn-ea"/>
-                <a:cs typeface="+mn-cs"/>
-              </a:defRPr>
-            </a:lvl8pPr>
-            <a:lvl9pPr marL="2057400" indent="-228600" algn="l" defTabSz="914400" rtl="0" eaLnBrk="1" latinLnBrk="0" hangingPunct="1">
-              <a:spcBef>
-                <a:spcPct val="20000"/>
-              </a:spcBef>
-              <a:buClr>
-                <a:schemeClr val="accent1"/>
-              </a:buClr>
-              <a:buSzPct val="75000"/>
-              <a:buFont typeface="Wingdings" pitchFamily="2" charset="2"/>
-              <a:buChar char=""/>
-              <a:defRPr lang="en-US" sz="1800" kern="1200" baseline="0" dirty="0">
-                <a:solidFill>
-                  <a:schemeClr val="tx1">
-                    <a:lumMod val="65000"/>
-                    <a:lumOff val="35000"/>
-                  </a:schemeClr>
-                </a:solidFill>
-                <a:latin typeface="+mn-lt"/>
-                <a:ea typeface="+mn-ea"/>
-                <a:cs typeface="+mn-cs"/>
-              </a:defRPr>
-            </a:lvl9pPr>
-          </a:lstStyle>
-          <a:p>
-            <a:r>
-              <a:rPr lang="pt-PT" b="1" dirty="0" smtClean="0"/>
-              <a:t>Atributo:</a:t>
-            </a:r>
-            <a:r>
-              <a:rPr lang="pt-PT" dirty="0" smtClean="0"/>
-              <a:t> Facilidade em criar um curso.</a:t>
-            </a:r>
-            <a:endParaRPr lang="en-US" dirty="0" smtClean="0"/>
-          </a:p>
-          <a:p>
-            <a:r>
-              <a:rPr lang="pt-PT" b="1" dirty="0" smtClean="0"/>
-              <a:t>Medida 1:</a:t>
-            </a:r>
-            <a:r>
-              <a:rPr lang="pt-PT" dirty="0" smtClean="0"/>
-              <a:t> nº de erros cometidos.</a:t>
-            </a:r>
-            <a:endParaRPr lang="en-US" dirty="0" smtClean="0"/>
-          </a:p>
-          <a:p>
-            <a:r>
-              <a:rPr lang="pt-PT" b="1" dirty="0" smtClean="0"/>
-              <a:t>Medida 2: </a:t>
-            </a:r>
-            <a:r>
-              <a:rPr lang="pt-PT" dirty="0" smtClean="0"/>
-              <a:t>tempo que demora a identificar e </a:t>
-            </a:r>
-            <a:r>
-              <a:rPr lang="pt-PT" dirty="0" err="1" smtClean="0"/>
-              <a:t>selecionar</a:t>
-            </a:r>
-            <a:r>
-              <a:rPr lang="pt-PT" dirty="0" smtClean="0"/>
-              <a:t> o botão “Criar Curso” e preencher os dados sobre o novo curso.</a:t>
-            </a:r>
-          </a:p>
-          <a:p>
-            <a:r>
-              <a:rPr lang="pt-PT" b="1" dirty="0"/>
-              <a:t>Medida 3</a:t>
-            </a:r>
-            <a:r>
-              <a:rPr lang="pt-PT" b="1" dirty="0" smtClean="0"/>
-              <a:t>: </a:t>
-            </a:r>
-            <a:r>
-              <a:rPr lang="pt-PT" dirty="0" smtClean="0"/>
-              <a:t>nº de cliques feitos até concluir tarefa.</a:t>
-            </a:r>
-            <a:endParaRPr lang="en-US" dirty="0" smtClean="0"/>
-          </a:p>
-          <a:p>
-            <a:r>
-              <a:rPr lang="pt-PT" b="1" dirty="0" smtClean="0"/>
-              <a:t>Método da Medição: </a:t>
-            </a:r>
+          <a:lstStyle/>
+          <a:p>
             <a:r>
               <a:rPr lang="pt-PT" dirty="0"/>
-              <a:t>Criar um curso dedicado ao campo de Agricultura. Devem de ser dadas informações quanto ao número de aulas, custo do </a:t>
-            </a:r>
-            <a:r>
-              <a:rPr lang="pt-PT" dirty="0" smtClean="0"/>
-              <a:t>curso, informação sobre o curso </a:t>
-            </a:r>
-            <a:r>
-              <a:rPr lang="pt-PT" dirty="0"/>
-              <a:t>e informações acerca do professor (Email e Telefone).</a:t>
-            </a:r>
-            <a:endParaRPr lang="en-US" dirty="0" smtClean="0"/>
-          </a:p>
-          <a:p>
-            <a:r>
-              <a:rPr lang="pt-PT" b="1" dirty="0" err="1" smtClean="0"/>
-              <a:t>Current</a:t>
-            </a:r>
-            <a:r>
-              <a:rPr lang="pt-PT" b="1" dirty="0" smtClean="0"/>
-              <a:t>:</a:t>
-            </a:r>
-            <a:r>
-              <a:rPr lang="pt-PT" dirty="0" smtClean="0"/>
-              <a:t> 0 erros (Medida 1); 2 minutos (Medida 2); 7 cliques (Medida 3).</a:t>
-            </a:r>
-            <a:endParaRPr lang="en-US" dirty="0" smtClean="0"/>
-          </a:p>
-          <a:p>
-            <a:r>
-              <a:rPr lang="pt-PT" b="1" dirty="0" err="1" smtClean="0"/>
-              <a:t>Minumum</a:t>
-            </a:r>
-            <a:r>
-              <a:rPr lang="pt-PT" b="1" dirty="0" smtClean="0"/>
-              <a:t>:</a:t>
-            </a:r>
-            <a:r>
-              <a:rPr lang="pt-PT" dirty="0" smtClean="0"/>
-              <a:t> 1 erro (Medida 1); 3 minutos (Medida 2); 12 cliques (Medida 3).</a:t>
-            </a:r>
-            <a:endParaRPr lang="en-US" dirty="0" smtClean="0"/>
-          </a:p>
-          <a:p>
-            <a:r>
-              <a:rPr lang="pt-PT" b="1" dirty="0" smtClean="0"/>
-              <a:t>Target:</a:t>
-            </a:r>
-            <a:r>
-              <a:rPr lang="pt-PT" dirty="0" smtClean="0"/>
-              <a:t> 0 erros (Medida 1); 2 minutos (Medida 2); 7 cliques (Medida 3).</a:t>
-            </a:r>
-            <a:endParaRPr lang="en-US" dirty="0" smtClean="0"/>
-          </a:p>
-          <a:p>
-            <a:r>
-              <a:rPr lang="pt-PT" b="1" dirty="0" err="1" smtClean="0"/>
-              <a:t>Optimal</a:t>
-            </a:r>
-            <a:r>
-              <a:rPr lang="pt-PT" b="1" dirty="0" smtClean="0"/>
-              <a:t>:</a:t>
-            </a:r>
-            <a:r>
-              <a:rPr lang="pt-PT" dirty="0" smtClean="0"/>
-              <a:t> 0 erros (Medida 1); 1 minuto (Medida 2); 7 cliques (Medida 3). </a:t>
+              <a:t>Atributo – </a:t>
             </a:r>
             <a:endParaRPr lang="en-US" sz="2400" dirty="0"/>
           </a:p>
@@ -9696,7 +9369,7 @@
     </p:spTree>
     <p:extLst>
       <p:ext uri="{BB962C8B-B14F-4D97-AF65-F5344CB8AC3E}">
-        <p14:creationId xmlns:p14="http://schemas.microsoft.com/office/powerpoint/2010/main" val="4191556091"/>
+        <p14:creationId xmlns:p14="http://schemas.microsoft.com/office/powerpoint/2010/main" val="2014381035"/>
       </p:ext>
     </p:extLst>
   </p:cSld>
@@ -9732,6 +9405,148 @@
       </p:grpSpPr>
       <p:sp>
         <p:nvSpPr>
+          <p:cNvPr id="2" name="Título 1"/>
+          <p:cNvSpPr>
+            <a:spLocks noGrp="1"/>
+          </p:cNvSpPr>
+          <p:nvPr>
+            <p:ph type="ctrTitle"/>
+          </p:nvPr>
+        </p:nvSpPr>
+        <p:spPr>
+          <a:xfrm>
+            <a:off x="4524198" y="4862160"/>
+            <a:ext cx="4169386" cy="1448992"/>
+          </a:xfrm>
+        </p:spPr>
+        <p:txBody>
+          <a:bodyPr>
+            <a:noAutofit/>
+          </a:bodyPr>
+          <a:lstStyle/>
+          <a:p>
+            <a:r>
+              <a:rPr lang="pt-PT" sz="3200" dirty="0" smtClean="0"/>
+              <a:t>Perspectiva dos professores</a:t>
+            </a:r>
+            <a:endParaRPr lang="pt-PT" sz="3200" dirty="0"/>
+          </a:p>
+        </p:txBody>
+      </p:sp>
+      <p:sp>
+        <p:nvSpPr>
+          <p:cNvPr id="6" name="Marcador de Posição do Texto 5"/>
+          <p:cNvSpPr>
+            <a:spLocks noGrp="1"/>
+          </p:cNvSpPr>
+          <p:nvPr>
+            <p:ph type="body" sz="half" idx="2"/>
+          </p:nvPr>
+        </p:nvSpPr>
+        <p:spPr>
+          <a:xfrm>
+            <a:off x="325177" y="1371600"/>
+            <a:ext cx="4199021" cy="1964750"/>
+          </a:xfrm>
+        </p:spPr>
+        <p:txBody>
+          <a:bodyPr/>
+          <a:lstStyle/>
+          <a:p>
+            <a:r>
+              <a:rPr lang="pt-PT" sz="5400" dirty="0" smtClean="0"/>
+              <a:t>Testes de usabilidade</a:t>
+            </a:r>
+            <a:endParaRPr lang="pt-PT" sz="5400" dirty="0"/>
+          </a:p>
+        </p:txBody>
+      </p:sp>
+      <p:pic>
+        <p:nvPicPr>
+          <p:cNvPr id="8" name="Imagem 7"/>
+          <p:cNvPicPr>
+            <a:picLocks noChangeAspect="1"/>
+          </p:cNvPicPr>
+          <p:nvPr/>
+        </p:nvPicPr>
+        <p:blipFill>
+          <a:blip r:embed="rId2"/>
+          <a:stretch>
+            <a:fillRect/>
+          </a:stretch>
+        </p:blipFill>
+        <p:spPr>
+          <a:xfrm>
+            <a:off x="6789243" y="2378242"/>
+            <a:ext cx="2081624" cy="2081624"/>
+          </a:xfrm>
+          <a:prstGeom prst="rect">
+            <a:avLst/>
+          </a:prstGeom>
+        </p:spPr>
+      </p:pic>
+      <p:pic>
+        <p:nvPicPr>
+          <p:cNvPr id="11" name="Imagem 10"/>
+          <p:cNvPicPr>
+            <a:picLocks noChangeAspect="1"/>
+          </p:cNvPicPr>
+          <p:nvPr/>
+        </p:nvPicPr>
+        <p:blipFill rotWithShape="1">
+          <a:blip r:embed="rId3"/>
+          <a:srcRect l="6966"/>
+          <a:stretch/>
+        </p:blipFill>
+        <p:spPr>
+          <a:xfrm>
+            <a:off x="4643252" y="360218"/>
+            <a:ext cx="2045853" cy="1896094"/>
+          </a:xfrm>
+          <a:prstGeom prst="rect">
+            <a:avLst/>
+          </a:prstGeom>
+        </p:spPr>
+      </p:pic>
+    </p:spTree>
+    <p:extLst>
+      <p:ext uri="{BB962C8B-B14F-4D97-AF65-F5344CB8AC3E}">
+        <p14:creationId xmlns:p14="http://schemas.microsoft.com/office/powerpoint/2010/main" val="2958685530"/>
+      </p:ext>
+    </p:extLst>
+  </p:cSld>
+  <p:clrMapOvr>
+    <a:masterClrMapping/>
+  </p:clrMapOvr>
+  <p:timing>
+    <p:tnLst>
+      <p:par>
+        <p:cTn id="1" dur="indefinite" restart="never" nodeType="tmRoot"/>
+      </p:par>
+    </p:tnLst>
+  </p:timing>
+</p:sld>
+</file>
+
+<file path=ppt/slides/slide12.xml><?xml version="1.0" encoding="utf-8"?>
+<p:sld xmlns:a="http://schemas.openxmlformats.org/drawingml/2006/main" xmlns:r="http://schemas.openxmlformats.org/officeDocument/2006/relationships" xmlns:p="http://schemas.openxmlformats.org/presentationml/2006/main">
+  <p:cSld>
+    <p:spTree>
+      <p:nvGrpSpPr>
+        <p:cNvPr id="1" name=""/>
+        <p:cNvGrpSpPr/>
+        <p:nvPr/>
+      </p:nvGrpSpPr>
+      <p:grpSpPr>
+        <a:xfrm>
+          <a:off x="0" y="0"/>
+          <a:ext cx="0" cy="0"/>
+          <a:chOff x="0" y="0"/>
+          <a:chExt cx="0" cy="0"/>
+        </a:xfrm>
+      </p:grpSpPr>
+      <p:sp>
+        <p:nvSpPr>
           <p:cNvPr id="2" name="Title 1"/>
           <p:cNvSpPr>
             <a:spLocks noGrp="1"/>
@@ -9747,7 +9562,7 @@
           <a:p>
             <a:r>
               <a:rPr lang="pt-PT" dirty="0" smtClean="0"/>
-              <a:t>Perspectiva dos professores	2/2</a:t>
+              <a:t>Perspectiva dos professores	1/2</a:t>
             </a:r>
             <a:endParaRPr lang="pt-PT" dirty="0"/>
           </a:p>
@@ -9999,7 +9814,7 @@
                 </a:solidFill>
                 <a:latin typeface="+mj-lt"/>
               </a:rPr>
-              <a:t>Adicionar aulas</a:t>
+              <a:t>Criar curso</a:t>
             </a:r>
             <a:endParaRPr lang="pt-PT" sz="2400" dirty="0">
               <a:solidFill>
@@ -10023,7 +9838,7 @@
         <p:spPr>
           <a:xfrm>
             <a:off x="377893" y="1970019"/>
-            <a:ext cx="8348992" cy="4752328"/>
+            <a:ext cx="8348992" cy="4501119"/>
           </a:xfrm>
           <a:prstGeom prst="rect">
             <a:avLst/>
@@ -10032,6 +9847,718 @@
         <p:txBody>
           <a:bodyPr vert="horz" lIns="91440" tIns="45720" rIns="91440" bIns="45720" rtlCol="0">
             <a:normAutofit fontScale="77500" lnSpcReduction="20000"/>
+          </a:bodyPr>
+          <a:lstStyle>
+            <a:lvl1pPr marL="228600" indent="-228600" algn="l" defTabSz="914400" rtl="0" eaLnBrk="1" latinLnBrk="0" hangingPunct="1">
+              <a:spcBef>
+                <a:spcPts val="2000"/>
+              </a:spcBef>
+              <a:buClr>
+                <a:schemeClr val="accent1"/>
+              </a:buClr>
+              <a:buSzPct val="75000"/>
+              <a:buFont typeface="Wingdings" pitchFamily="2" charset="2"/>
+              <a:buChar char="n"/>
+              <a:defRPr sz="2000" kern="1200">
+                <a:solidFill>
+                  <a:schemeClr val="tx1">
+                    <a:lumMod val="65000"/>
+                    <a:lumOff val="35000"/>
+                  </a:schemeClr>
+                </a:solidFill>
+                <a:latin typeface="+mn-lt"/>
+                <a:ea typeface="+mn-ea"/>
+                <a:cs typeface="+mn-cs"/>
+              </a:defRPr>
+            </a:lvl1pPr>
+            <a:lvl2pPr marL="457200" indent="-228600" algn="l" defTabSz="914400" rtl="0" eaLnBrk="1" latinLnBrk="0" hangingPunct="1">
+              <a:spcBef>
+                <a:spcPts val="600"/>
+              </a:spcBef>
+              <a:buClr>
+                <a:schemeClr val="accent1">
+                  <a:lumMod val="60000"/>
+                  <a:lumOff val="40000"/>
+                </a:schemeClr>
+              </a:buClr>
+              <a:buSzPct val="75000"/>
+              <a:buFont typeface="Wingdings" pitchFamily="2" charset="2"/>
+              <a:buChar char="n"/>
+              <a:defRPr sz="1800" kern="1200">
+                <a:solidFill>
+                  <a:schemeClr val="tx1">
+                    <a:lumMod val="65000"/>
+                    <a:lumOff val="35000"/>
+                  </a:schemeClr>
+                </a:solidFill>
+                <a:latin typeface="+mn-lt"/>
+                <a:ea typeface="+mn-ea"/>
+                <a:cs typeface="+mn-cs"/>
+              </a:defRPr>
+            </a:lvl2pPr>
+            <a:lvl3pPr marL="685800" indent="-228600" algn="l" defTabSz="914400" rtl="0" eaLnBrk="1" latinLnBrk="0" hangingPunct="1">
+              <a:spcBef>
+                <a:spcPts val="600"/>
+              </a:spcBef>
+              <a:buClr>
+                <a:schemeClr val="accent1"/>
+              </a:buClr>
+              <a:buSzPct val="75000"/>
+              <a:buFont typeface="Wingdings" pitchFamily="2" charset="2"/>
+              <a:buChar char="n"/>
+              <a:defRPr sz="1800" kern="1200">
+                <a:solidFill>
+                  <a:schemeClr val="tx1">
+                    <a:lumMod val="65000"/>
+                    <a:lumOff val="35000"/>
+                  </a:schemeClr>
+                </a:solidFill>
+                <a:latin typeface="+mn-lt"/>
+                <a:ea typeface="+mn-ea"/>
+                <a:cs typeface="+mn-cs"/>
+              </a:defRPr>
+            </a:lvl3pPr>
+            <a:lvl4pPr marL="914400" indent="-228600" algn="l" defTabSz="914400" rtl="0" eaLnBrk="1" latinLnBrk="0" hangingPunct="1">
+              <a:spcBef>
+                <a:spcPts val="600"/>
+              </a:spcBef>
+              <a:buClr>
+                <a:schemeClr val="accent1">
+                  <a:lumMod val="60000"/>
+                  <a:lumOff val="40000"/>
+                </a:schemeClr>
+              </a:buClr>
+              <a:buSzPct val="75000"/>
+              <a:buFont typeface="Wingdings" pitchFamily="2" charset="2"/>
+              <a:buChar char="n"/>
+              <a:defRPr sz="1800" kern="1200">
+                <a:solidFill>
+                  <a:schemeClr val="tx1">
+                    <a:lumMod val="65000"/>
+                    <a:lumOff val="35000"/>
+                  </a:schemeClr>
+                </a:solidFill>
+                <a:latin typeface="+mn-lt"/>
+                <a:ea typeface="+mn-ea"/>
+                <a:cs typeface="+mn-cs"/>
+              </a:defRPr>
+            </a:lvl4pPr>
+            <a:lvl5pPr marL="1143000" indent="-228600" algn="l" defTabSz="914400" rtl="0" eaLnBrk="1" latinLnBrk="0" hangingPunct="1">
+              <a:spcBef>
+                <a:spcPts val="600"/>
+              </a:spcBef>
+              <a:buClr>
+                <a:schemeClr val="accent1"/>
+              </a:buClr>
+              <a:buSzPct val="75000"/>
+              <a:buFont typeface="Wingdings" pitchFamily="2" charset="2"/>
+              <a:buChar char="n"/>
+              <a:defRPr sz="1800" kern="1200">
+                <a:solidFill>
+                  <a:schemeClr val="tx1">
+                    <a:lumMod val="65000"/>
+                    <a:lumOff val="35000"/>
+                  </a:schemeClr>
+                </a:solidFill>
+                <a:latin typeface="+mn-lt"/>
+                <a:ea typeface="+mn-ea"/>
+                <a:cs typeface="+mn-cs"/>
+              </a:defRPr>
+            </a:lvl5pPr>
+            <a:lvl6pPr marL="1377950" indent="-228600" algn="l" defTabSz="914400" rtl="0" eaLnBrk="1" latinLnBrk="0" hangingPunct="1">
+              <a:spcBef>
+                <a:spcPct val="20000"/>
+              </a:spcBef>
+              <a:buClr>
+                <a:schemeClr val="accent1">
+                  <a:lumMod val="60000"/>
+                  <a:lumOff val="40000"/>
+                </a:schemeClr>
+              </a:buClr>
+              <a:buSzPct val="75000"/>
+              <a:buFont typeface="Wingdings" pitchFamily="2" charset="2"/>
+              <a:buChar char=""/>
+              <a:defRPr lang="en-US" sz="1800" kern="1200" dirty="0" smtClean="0">
+                <a:solidFill>
+                  <a:schemeClr val="tx1">
+                    <a:lumMod val="65000"/>
+                    <a:lumOff val="35000"/>
+                  </a:schemeClr>
+                </a:solidFill>
+                <a:latin typeface="+mn-lt"/>
+                <a:ea typeface="+mn-ea"/>
+                <a:cs typeface="+mn-cs"/>
+              </a:defRPr>
+            </a:lvl6pPr>
+            <a:lvl7pPr marL="1603375" indent="-228600" algn="l" defTabSz="914400" rtl="0" eaLnBrk="1" latinLnBrk="0" hangingPunct="1">
+              <a:spcBef>
+                <a:spcPct val="20000"/>
+              </a:spcBef>
+              <a:buClr>
+                <a:schemeClr val="accent1"/>
+              </a:buClr>
+              <a:buSzPct val="75000"/>
+              <a:buFont typeface="Wingdings" pitchFamily="2" charset="2"/>
+              <a:buChar char=""/>
+              <a:defRPr lang="en-US" sz="1800" kern="1200" baseline="0" dirty="0" smtClean="0">
+                <a:solidFill>
+                  <a:schemeClr val="tx1">
+                    <a:lumMod val="65000"/>
+                    <a:lumOff val="35000"/>
+                  </a:schemeClr>
+                </a:solidFill>
+                <a:latin typeface="+mn-lt"/>
+                <a:ea typeface="+mn-ea"/>
+                <a:cs typeface="+mn-cs"/>
+              </a:defRPr>
+            </a:lvl7pPr>
+            <a:lvl8pPr marL="1830388" indent="-228600" algn="l" defTabSz="914400" rtl="0" eaLnBrk="1" latinLnBrk="0" hangingPunct="1">
+              <a:spcBef>
+                <a:spcPct val="20000"/>
+              </a:spcBef>
+              <a:buClr>
+                <a:schemeClr val="accent1">
+                  <a:lumMod val="60000"/>
+                  <a:lumOff val="40000"/>
+                </a:schemeClr>
+              </a:buClr>
+              <a:buSzPct val="75000"/>
+              <a:buFont typeface="Wingdings" pitchFamily="2" charset="2"/>
+              <a:buChar char=""/>
+              <a:defRPr lang="en-US" sz="1800" kern="1200" baseline="0" dirty="0" smtClean="0">
+                <a:solidFill>
+                  <a:schemeClr val="tx1">
+                    <a:lumMod val="65000"/>
+                    <a:lumOff val="35000"/>
+                  </a:schemeClr>
+                </a:solidFill>
+                <a:latin typeface="+mn-lt"/>
+                <a:ea typeface="+mn-ea"/>
+                <a:cs typeface="+mn-cs"/>
+              </a:defRPr>
+            </a:lvl8pPr>
+            <a:lvl9pPr marL="2057400" indent="-228600" algn="l" defTabSz="914400" rtl="0" eaLnBrk="1" latinLnBrk="0" hangingPunct="1">
+              <a:spcBef>
+                <a:spcPct val="20000"/>
+              </a:spcBef>
+              <a:buClr>
+                <a:schemeClr val="accent1"/>
+              </a:buClr>
+              <a:buSzPct val="75000"/>
+              <a:buFont typeface="Wingdings" pitchFamily="2" charset="2"/>
+              <a:buChar char=""/>
+              <a:defRPr lang="en-US" sz="1800" kern="1200" baseline="0" dirty="0">
+                <a:solidFill>
+                  <a:schemeClr val="tx1">
+                    <a:lumMod val="65000"/>
+                    <a:lumOff val="35000"/>
+                  </a:schemeClr>
+                </a:solidFill>
+                <a:latin typeface="+mn-lt"/>
+                <a:ea typeface="+mn-ea"/>
+                <a:cs typeface="+mn-cs"/>
+              </a:defRPr>
+            </a:lvl9pPr>
+          </a:lstStyle>
+          <a:p>
+            <a:r>
+              <a:rPr lang="pt-PT" b="1" dirty="0" smtClean="0"/>
+              <a:t>Atributo:</a:t>
+            </a:r>
+            <a:r>
+              <a:rPr lang="pt-PT" dirty="0" smtClean="0"/>
+              <a:t> Facilidade em criar um curso.</a:t>
+            </a:r>
+            <a:endParaRPr lang="en-US" dirty="0" smtClean="0"/>
+          </a:p>
+          <a:p>
+            <a:r>
+              <a:rPr lang="pt-PT" b="1" dirty="0" smtClean="0"/>
+              <a:t>Medida 1:</a:t>
+            </a:r>
+            <a:r>
+              <a:rPr lang="pt-PT" dirty="0" smtClean="0"/>
+              <a:t> </a:t>
+            </a:r>
+            <a:r>
+              <a:rPr lang="pt-PT" dirty="0" smtClean="0"/>
+              <a:t>N</a:t>
+            </a:r>
+            <a:r>
+              <a:rPr lang="pt-PT" dirty="0" smtClean="0"/>
+              <a:t>úmero</a:t>
+            </a:r>
+            <a:r>
+              <a:rPr lang="pt-PT" dirty="0" smtClean="0"/>
+              <a:t> </a:t>
+            </a:r>
+            <a:r>
+              <a:rPr lang="pt-PT" dirty="0" smtClean="0"/>
+              <a:t>de erros cometidos.</a:t>
+            </a:r>
+            <a:endParaRPr lang="en-US" dirty="0" smtClean="0"/>
+          </a:p>
+          <a:p>
+            <a:r>
+              <a:rPr lang="pt-PT" b="1" dirty="0" smtClean="0"/>
+              <a:t>Medida 2: </a:t>
+            </a:r>
+            <a:r>
+              <a:rPr lang="pt-PT" dirty="0"/>
+              <a:t>T</a:t>
+            </a:r>
+            <a:r>
+              <a:rPr lang="pt-PT" dirty="0" smtClean="0"/>
+              <a:t>empo </a:t>
+            </a:r>
+            <a:r>
+              <a:rPr lang="pt-PT" dirty="0" smtClean="0"/>
+              <a:t>que demora a identificar e </a:t>
+            </a:r>
+            <a:r>
+              <a:rPr lang="pt-PT" dirty="0" err="1" smtClean="0"/>
+              <a:t>seleccionar</a:t>
+            </a:r>
+            <a:r>
+              <a:rPr lang="pt-PT" dirty="0" smtClean="0"/>
+              <a:t> </a:t>
+            </a:r>
+            <a:r>
+              <a:rPr lang="pt-PT" dirty="0" smtClean="0"/>
+              <a:t>o botão “Criar Curso” e preencher os dados sobre o novo curso.</a:t>
+            </a:r>
+          </a:p>
+          <a:p>
+            <a:r>
+              <a:rPr lang="pt-PT" b="1" dirty="0"/>
+              <a:t>Medida 3</a:t>
+            </a:r>
+            <a:r>
+              <a:rPr lang="pt-PT" b="1" dirty="0" smtClean="0"/>
+              <a:t>: </a:t>
+            </a:r>
+            <a:r>
+              <a:rPr lang="pt-PT" dirty="0" smtClean="0"/>
+              <a:t>nº de cliques feitos até concluir tarefa.</a:t>
+            </a:r>
+            <a:endParaRPr lang="en-US" dirty="0" smtClean="0"/>
+          </a:p>
+          <a:p>
+            <a:r>
+              <a:rPr lang="pt-PT" b="1" dirty="0" smtClean="0"/>
+              <a:t>Método da Medição: </a:t>
+            </a:r>
+            <a:r>
+              <a:rPr lang="pt-PT" dirty="0"/>
+              <a:t>Criar um curso dedicado ao campo de Agricultura. Devem de ser dadas informações quanto ao número de aulas, custo do </a:t>
+            </a:r>
+            <a:r>
+              <a:rPr lang="pt-PT" dirty="0" smtClean="0"/>
+              <a:t>curso, informação sobre o curso </a:t>
+            </a:r>
+            <a:r>
+              <a:rPr lang="pt-PT" dirty="0"/>
+              <a:t>e informações acerca do professor (Email e Telefone).</a:t>
+            </a:r>
+            <a:endParaRPr lang="en-US" dirty="0" smtClean="0"/>
+          </a:p>
+          <a:p>
+            <a:r>
+              <a:rPr lang="pt-PT" b="1" dirty="0" err="1" smtClean="0"/>
+              <a:t>Current</a:t>
+            </a:r>
+            <a:r>
+              <a:rPr lang="pt-PT" b="1" dirty="0" smtClean="0"/>
+              <a:t>:</a:t>
+            </a:r>
+            <a:r>
+              <a:rPr lang="pt-PT" dirty="0" smtClean="0"/>
+              <a:t> 0 erros (Medida 1); 2 minutos (Medida 2); 7 cliques (Medida 3).</a:t>
+            </a:r>
+            <a:endParaRPr lang="en-US" dirty="0" smtClean="0"/>
+          </a:p>
+          <a:p>
+            <a:r>
+              <a:rPr lang="pt-PT" b="1" dirty="0" err="1" smtClean="0"/>
+              <a:t>Minumum</a:t>
+            </a:r>
+            <a:r>
+              <a:rPr lang="pt-PT" b="1" dirty="0" smtClean="0"/>
+              <a:t>:</a:t>
+            </a:r>
+            <a:r>
+              <a:rPr lang="pt-PT" dirty="0" smtClean="0"/>
+              <a:t> 1 erro (Medida 1); 3 minutos (Medida 2); 12 cliques (Medida 3).</a:t>
+            </a:r>
+            <a:endParaRPr lang="en-US" dirty="0" smtClean="0"/>
+          </a:p>
+          <a:p>
+            <a:r>
+              <a:rPr lang="pt-PT" b="1" dirty="0" smtClean="0"/>
+              <a:t>Target:</a:t>
+            </a:r>
+            <a:r>
+              <a:rPr lang="pt-PT" dirty="0" smtClean="0"/>
+              <a:t> 0 erros (Medida 1); 2 minutos (Medida 2); 7 cliques (Medida 3).</a:t>
+            </a:r>
+            <a:endParaRPr lang="en-US" dirty="0" smtClean="0"/>
+          </a:p>
+          <a:p>
+            <a:r>
+              <a:rPr lang="pt-PT" b="1" dirty="0" err="1" smtClean="0"/>
+              <a:t>Optimal</a:t>
+            </a:r>
+            <a:r>
+              <a:rPr lang="pt-PT" b="1" dirty="0" smtClean="0"/>
+              <a:t>:</a:t>
+            </a:r>
+            <a:r>
+              <a:rPr lang="pt-PT" dirty="0" smtClean="0"/>
+              <a:t> 0 erros (Medida 1); 1 minuto (Medida 2); 7 cliques (Medida 3). </a:t>
+            </a:r>
+            <a:endParaRPr lang="en-US" sz="2400" dirty="0"/>
+          </a:p>
+        </p:txBody>
+      </p:sp>
+    </p:spTree>
+    <p:extLst>
+      <p:ext uri="{BB962C8B-B14F-4D97-AF65-F5344CB8AC3E}">
+        <p14:creationId xmlns:p14="http://schemas.microsoft.com/office/powerpoint/2010/main" val="4191556091"/>
+      </p:ext>
+    </p:extLst>
+  </p:cSld>
+  <p:clrMapOvr>
+    <a:masterClrMapping/>
+  </p:clrMapOvr>
+  <p:timing>
+    <p:tnLst>
+      <p:par>
+        <p:cTn id="1" dur="indefinite" restart="never" nodeType="tmRoot"/>
+      </p:par>
+    </p:tnLst>
+  </p:timing>
+</p:sld>
+</file>
+
+<file path=ppt/slides/slide13.xml><?xml version="1.0" encoding="utf-8"?>
+<p:sld xmlns:a="http://schemas.openxmlformats.org/drawingml/2006/main" xmlns:r="http://schemas.openxmlformats.org/officeDocument/2006/relationships" xmlns:p="http://schemas.openxmlformats.org/presentationml/2006/main">
+  <p:cSld>
+    <p:spTree>
+      <p:nvGrpSpPr>
+        <p:cNvPr id="1" name=""/>
+        <p:cNvGrpSpPr/>
+        <p:nvPr/>
+      </p:nvGrpSpPr>
+      <p:grpSpPr>
+        <a:xfrm>
+          <a:off x="0" y="0"/>
+          <a:ext cx="0" cy="0"/>
+          <a:chOff x="0" y="0"/>
+          <a:chExt cx="0" cy="0"/>
+        </a:xfrm>
+      </p:grpSpPr>
+      <p:sp>
+        <p:nvSpPr>
+          <p:cNvPr id="2" name="Title 1"/>
+          <p:cNvSpPr>
+            <a:spLocks noGrp="1"/>
+          </p:cNvSpPr>
+          <p:nvPr>
+            <p:ph type="title"/>
+          </p:nvPr>
+        </p:nvSpPr>
+        <p:spPr/>
+        <p:txBody>
+          <a:bodyPr/>
+          <a:lstStyle/>
+          <a:p>
+            <a:r>
+              <a:rPr lang="pt-PT" dirty="0" smtClean="0"/>
+              <a:t>Perspectiva dos professores	2/2</a:t>
+            </a:r>
+            <a:endParaRPr lang="pt-PT" dirty="0"/>
+          </a:p>
+        </p:txBody>
+      </p:sp>
+      <p:sp>
+        <p:nvSpPr>
+          <p:cNvPr id="5" name="Subtitle 2"/>
+          <p:cNvSpPr txBox="1">
+            <a:spLocks/>
+          </p:cNvSpPr>
+          <p:nvPr/>
+        </p:nvSpPr>
+        <p:spPr>
+          <a:xfrm>
+            <a:off x="498473" y="1214717"/>
+            <a:ext cx="7556313" cy="838201"/>
+          </a:xfrm>
+          <a:prstGeom prst="rect">
+            <a:avLst/>
+          </a:prstGeom>
+        </p:spPr>
+        <p:txBody>
+          <a:bodyPr vert="horz" lIns="91440" tIns="45720" rIns="91440" bIns="45720" rtlCol="0">
+            <a:normAutofit/>
+          </a:bodyPr>
+          <a:lstStyle>
+            <a:lvl1pPr marL="228600" indent="-228600" algn="l" defTabSz="914400" rtl="0" eaLnBrk="1" latinLnBrk="0" hangingPunct="1">
+              <a:spcBef>
+                <a:spcPts val="2000"/>
+              </a:spcBef>
+              <a:buClr>
+                <a:schemeClr val="accent1"/>
+              </a:buClr>
+              <a:buSzPct val="75000"/>
+              <a:buFont typeface="Wingdings" pitchFamily="2" charset="2"/>
+              <a:buChar char="n"/>
+              <a:defRPr sz="2000" kern="1200">
+                <a:solidFill>
+                  <a:schemeClr val="tx1">
+                    <a:lumMod val="65000"/>
+                    <a:lumOff val="35000"/>
+                  </a:schemeClr>
+                </a:solidFill>
+                <a:latin typeface="+mn-lt"/>
+                <a:ea typeface="+mn-ea"/>
+                <a:cs typeface="+mn-cs"/>
+              </a:defRPr>
+            </a:lvl1pPr>
+            <a:lvl2pPr marL="457200" indent="-228600" algn="l" defTabSz="914400" rtl="0" eaLnBrk="1" latinLnBrk="0" hangingPunct="1">
+              <a:spcBef>
+                <a:spcPts val="600"/>
+              </a:spcBef>
+              <a:buClr>
+                <a:schemeClr val="accent1">
+                  <a:lumMod val="60000"/>
+                  <a:lumOff val="40000"/>
+                </a:schemeClr>
+              </a:buClr>
+              <a:buSzPct val="75000"/>
+              <a:buFont typeface="Wingdings" pitchFamily="2" charset="2"/>
+              <a:buChar char="n"/>
+              <a:defRPr sz="1800" kern="1200">
+                <a:solidFill>
+                  <a:schemeClr val="tx1">
+                    <a:lumMod val="65000"/>
+                    <a:lumOff val="35000"/>
+                  </a:schemeClr>
+                </a:solidFill>
+                <a:latin typeface="+mn-lt"/>
+                <a:ea typeface="+mn-ea"/>
+                <a:cs typeface="+mn-cs"/>
+              </a:defRPr>
+            </a:lvl2pPr>
+            <a:lvl3pPr marL="685800" indent="-228600" algn="l" defTabSz="914400" rtl="0" eaLnBrk="1" latinLnBrk="0" hangingPunct="1">
+              <a:spcBef>
+                <a:spcPts val="600"/>
+              </a:spcBef>
+              <a:buClr>
+                <a:schemeClr val="accent1"/>
+              </a:buClr>
+              <a:buSzPct val="75000"/>
+              <a:buFont typeface="Wingdings" pitchFamily="2" charset="2"/>
+              <a:buChar char="n"/>
+              <a:defRPr sz="1800" kern="1200">
+                <a:solidFill>
+                  <a:schemeClr val="tx1">
+                    <a:lumMod val="65000"/>
+                    <a:lumOff val="35000"/>
+                  </a:schemeClr>
+                </a:solidFill>
+                <a:latin typeface="+mn-lt"/>
+                <a:ea typeface="+mn-ea"/>
+                <a:cs typeface="+mn-cs"/>
+              </a:defRPr>
+            </a:lvl3pPr>
+            <a:lvl4pPr marL="914400" indent="-228600" algn="l" defTabSz="914400" rtl="0" eaLnBrk="1" latinLnBrk="0" hangingPunct="1">
+              <a:spcBef>
+                <a:spcPts val="600"/>
+              </a:spcBef>
+              <a:buClr>
+                <a:schemeClr val="accent1">
+                  <a:lumMod val="60000"/>
+                  <a:lumOff val="40000"/>
+                </a:schemeClr>
+              </a:buClr>
+              <a:buSzPct val="75000"/>
+              <a:buFont typeface="Wingdings" pitchFamily="2" charset="2"/>
+              <a:buChar char="n"/>
+              <a:defRPr sz="1800" kern="1200">
+                <a:solidFill>
+                  <a:schemeClr val="tx1">
+                    <a:lumMod val="65000"/>
+                    <a:lumOff val="35000"/>
+                  </a:schemeClr>
+                </a:solidFill>
+                <a:latin typeface="+mn-lt"/>
+                <a:ea typeface="+mn-ea"/>
+                <a:cs typeface="+mn-cs"/>
+              </a:defRPr>
+            </a:lvl4pPr>
+            <a:lvl5pPr marL="1143000" indent="-228600" algn="l" defTabSz="914400" rtl="0" eaLnBrk="1" latinLnBrk="0" hangingPunct="1">
+              <a:spcBef>
+                <a:spcPts val="600"/>
+              </a:spcBef>
+              <a:buClr>
+                <a:schemeClr val="accent1"/>
+              </a:buClr>
+              <a:buSzPct val="75000"/>
+              <a:buFont typeface="Wingdings" pitchFamily="2" charset="2"/>
+              <a:buChar char="n"/>
+              <a:defRPr sz="1800" kern="1200">
+                <a:solidFill>
+                  <a:schemeClr val="tx1">
+                    <a:lumMod val="65000"/>
+                    <a:lumOff val="35000"/>
+                  </a:schemeClr>
+                </a:solidFill>
+                <a:latin typeface="+mn-lt"/>
+                <a:ea typeface="+mn-ea"/>
+                <a:cs typeface="+mn-cs"/>
+              </a:defRPr>
+            </a:lvl5pPr>
+            <a:lvl6pPr marL="1377950" indent="-228600" algn="l" defTabSz="914400" rtl="0" eaLnBrk="1" latinLnBrk="0" hangingPunct="1">
+              <a:spcBef>
+                <a:spcPct val="20000"/>
+              </a:spcBef>
+              <a:buClr>
+                <a:schemeClr val="accent1">
+                  <a:lumMod val="60000"/>
+                  <a:lumOff val="40000"/>
+                </a:schemeClr>
+              </a:buClr>
+              <a:buSzPct val="75000"/>
+              <a:buFont typeface="Wingdings" pitchFamily="2" charset="2"/>
+              <a:buChar char=""/>
+              <a:defRPr lang="en-US" sz="1800" kern="1200" dirty="0" smtClean="0">
+                <a:solidFill>
+                  <a:schemeClr val="tx1">
+                    <a:lumMod val="65000"/>
+                    <a:lumOff val="35000"/>
+                  </a:schemeClr>
+                </a:solidFill>
+                <a:latin typeface="+mn-lt"/>
+                <a:ea typeface="+mn-ea"/>
+                <a:cs typeface="+mn-cs"/>
+              </a:defRPr>
+            </a:lvl6pPr>
+            <a:lvl7pPr marL="1603375" indent="-228600" algn="l" defTabSz="914400" rtl="0" eaLnBrk="1" latinLnBrk="0" hangingPunct="1">
+              <a:spcBef>
+                <a:spcPct val="20000"/>
+              </a:spcBef>
+              <a:buClr>
+                <a:schemeClr val="accent1"/>
+              </a:buClr>
+              <a:buSzPct val="75000"/>
+              <a:buFont typeface="Wingdings" pitchFamily="2" charset="2"/>
+              <a:buChar char=""/>
+              <a:defRPr lang="en-US" sz="1800" kern="1200" baseline="0" dirty="0" smtClean="0">
+                <a:solidFill>
+                  <a:schemeClr val="tx1">
+                    <a:lumMod val="65000"/>
+                    <a:lumOff val="35000"/>
+                  </a:schemeClr>
+                </a:solidFill>
+                <a:latin typeface="+mn-lt"/>
+                <a:ea typeface="+mn-ea"/>
+                <a:cs typeface="+mn-cs"/>
+              </a:defRPr>
+            </a:lvl7pPr>
+            <a:lvl8pPr marL="1830388" indent="-228600" algn="l" defTabSz="914400" rtl="0" eaLnBrk="1" latinLnBrk="0" hangingPunct="1">
+              <a:spcBef>
+                <a:spcPct val="20000"/>
+              </a:spcBef>
+              <a:buClr>
+                <a:schemeClr val="accent1">
+                  <a:lumMod val="60000"/>
+                  <a:lumOff val="40000"/>
+                </a:schemeClr>
+              </a:buClr>
+              <a:buSzPct val="75000"/>
+              <a:buFont typeface="Wingdings" pitchFamily="2" charset="2"/>
+              <a:buChar char=""/>
+              <a:defRPr lang="en-US" sz="1800" kern="1200" baseline="0" dirty="0" smtClean="0">
+                <a:solidFill>
+                  <a:schemeClr val="tx1">
+                    <a:lumMod val="65000"/>
+                    <a:lumOff val="35000"/>
+                  </a:schemeClr>
+                </a:solidFill>
+                <a:latin typeface="+mn-lt"/>
+                <a:ea typeface="+mn-ea"/>
+                <a:cs typeface="+mn-cs"/>
+              </a:defRPr>
+            </a:lvl8pPr>
+            <a:lvl9pPr marL="2057400" indent="-228600" algn="l" defTabSz="914400" rtl="0" eaLnBrk="1" latinLnBrk="0" hangingPunct="1">
+              <a:spcBef>
+                <a:spcPct val="20000"/>
+              </a:spcBef>
+              <a:buClr>
+                <a:schemeClr val="accent1"/>
+              </a:buClr>
+              <a:buSzPct val="75000"/>
+              <a:buFont typeface="Wingdings" pitchFamily="2" charset="2"/>
+              <a:buChar char=""/>
+              <a:defRPr lang="en-US" sz="1800" kern="1200" baseline="0" dirty="0">
+                <a:solidFill>
+                  <a:schemeClr val="tx1">
+                    <a:lumMod val="65000"/>
+                    <a:lumOff val="35000"/>
+                  </a:schemeClr>
+                </a:solidFill>
+                <a:latin typeface="+mn-lt"/>
+                <a:ea typeface="+mn-ea"/>
+                <a:cs typeface="+mn-cs"/>
+              </a:defRPr>
+            </a:lvl9pPr>
+          </a:lstStyle>
+          <a:p>
+            <a:pPr marL="0" indent="0">
+              <a:buNone/>
+            </a:pPr>
+            <a:r>
+              <a:rPr lang="pt-PT" sz="2400" dirty="0" smtClean="0">
+                <a:solidFill>
+                  <a:schemeClr val="bg1">
+                    <a:lumMod val="65000"/>
+                  </a:schemeClr>
+                </a:solidFill>
+                <a:latin typeface="+mj-lt"/>
+              </a:rPr>
+              <a:t>Adicionar aulas</a:t>
+            </a:r>
+            <a:endParaRPr lang="pt-PT" sz="2400" dirty="0">
+              <a:solidFill>
+                <a:schemeClr val="bg1">
+                  <a:lumMod val="65000"/>
+                </a:schemeClr>
+              </a:solidFill>
+              <a:latin typeface="+mj-lt"/>
+            </a:endParaRPr>
+          </a:p>
+        </p:txBody>
+      </p:sp>
+      <p:sp>
+        <p:nvSpPr>
+          <p:cNvPr id="6" name="Marcador de Posição de Conteúdo 2"/>
+          <p:cNvSpPr txBox="1">
+            <a:spLocks/>
+          </p:cNvSpPr>
+          <p:nvPr/>
+        </p:nvSpPr>
+        <p:spPr>
+          <a:xfrm>
+            <a:off x="377893" y="1970019"/>
+            <a:ext cx="8348992" cy="4752328"/>
+          </a:xfrm>
+          <a:prstGeom prst="rect">
+            <a:avLst/>
+          </a:prstGeom>
+        </p:spPr>
+        <p:txBody>
+          <a:bodyPr vert="horz" lIns="91440" tIns="45720" rIns="91440" bIns="45720" rtlCol="0">
+            <a:normAutofit fontScale="70000" lnSpcReduction="20000"/>
           </a:bodyPr>
           <a:lstStyle>
             <a:lvl1pPr marL="228600" indent="-228600" algn="l" defTabSz="914400" rtl="0" eaLnBrk="1" latinLnBrk="0" hangingPunct="1">
@@ -10434,116 +10961,118 @@
         </p:nvSpPr>
         <p:spPr>
           <a:xfrm>
-            <a:off x="4524198" y="4862160"/>
-            <a:ext cx="4169386" cy="1448992"/>
+            <a:off x="4612341" y="4839821"/>
+            <a:ext cx="4226859" cy="933450"/>
           </a:xfrm>
         </p:spPr>
         <p:txBody>
           <a:bodyPr>
-            <a:noAutofit/>
+            <a:normAutofit fontScale="90000"/>
           </a:bodyPr>
           <a:lstStyle/>
           <a:p>
             <a:r>
-              <a:rPr lang="pt-PT" sz="3200" dirty="0" smtClean="0"/>
-              <a:t>Perspectiva dos alunos</a:t>
-            </a:r>
-            <a:endParaRPr lang="pt-PT" sz="3200" dirty="0"/>
-          </a:p>
-        </p:txBody>
-      </p:sp>
-      <p:sp>
-        <p:nvSpPr>
-          <p:cNvPr id="6" name="Marcador de Posição do Texto 5"/>
-          <p:cNvSpPr>
-            <a:spLocks noGrp="1"/>
-          </p:cNvSpPr>
-          <p:nvPr>
-            <p:ph type="body" sz="half" idx="2"/>
-          </p:nvPr>
-        </p:nvSpPr>
-        <p:spPr>
-          <a:xfrm>
-            <a:off x="325177" y="1358152"/>
-            <a:ext cx="4199021" cy="1978197"/>
-          </a:xfrm>
-        </p:spPr>
-        <p:txBody>
-          <a:bodyPr/>
-          <a:lstStyle/>
-          <a:p>
-            <a:r>
-              <a:rPr lang="pt-PT" sz="5400" dirty="0" smtClean="0"/>
-              <a:t>Testes de usabilidade</a:t>
-            </a:r>
-            <a:endParaRPr lang="pt-PT" sz="6000" dirty="0"/>
+              <a:rPr lang="pt-PT" dirty="0" smtClean="0"/>
+              <a:t>Tarefas mais importantes e representativas da nossa plataforma</a:t>
+            </a:r>
+            <a:endParaRPr lang="pt-PT" dirty="0"/>
           </a:p>
         </p:txBody>
       </p:sp>
       <p:pic>
         <p:nvPicPr>
-          <p:cNvPr id="8" name="Imagem 7"/>
+          <p:cNvPr id="4" name="Imagem 3"/>
           <p:cNvPicPr>
             <a:picLocks noChangeAspect="1"/>
           </p:cNvPicPr>
           <p:nvPr/>
         </p:nvPicPr>
         <p:blipFill>
-          <a:blip r:embed="rId2"/>
+          <a:blip r:embed="rId2">
+            <a:extLst>
+              <a:ext uri="{28A0092B-C50C-407E-A947-70E740481C1C}">
+                <a14:useLocalDpi xmlns:a14="http://schemas.microsoft.com/office/drawing/2010/main" val="0"/>
+              </a:ext>
+            </a:extLst>
+          </a:blip>
           <a:stretch>
             <a:fillRect/>
           </a:stretch>
         </p:blipFill>
         <p:spPr>
           <a:xfrm>
-            <a:off x="6789243" y="2378242"/>
-            <a:ext cx="2081624" cy="2081624"/>
+            <a:off x="4612341" y="206188"/>
+            <a:ext cx="4253752" cy="2174837"/>
           </a:xfrm>
           <a:prstGeom prst="rect">
             <a:avLst/>
           </a:prstGeom>
         </p:spPr>
       </p:pic>
-      <p:pic>
-        <p:nvPicPr>
-          <p:cNvPr id="11" name="Imagem 10"/>
-          <p:cNvPicPr>
-            <a:picLocks noChangeAspect="1"/>
-          </p:cNvPicPr>
+      <p:sp>
+        <p:nvSpPr>
+          <p:cNvPr id="5" name="Título 1"/>
+          <p:cNvSpPr txBox="1">
+            <a:spLocks/>
+          </p:cNvSpPr>
           <p:nvPr/>
-        </p:nvPicPr>
-        <p:blipFill rotWithShape="1">
-          <a:blip r:embed="rId3"/>
-          <a:srcRect l="6966"/>
-          <a:stretch/>
-        </p:blipFill>
-        <p:spPr>
-          <a:xfrm>
-            <a:off x="4643252" y="360218"/>
-            <a:ext cx="2045853" cy="1896094"/>
+        </p:nvSpPr>
+        <p:spPr>
+          <a:xfrm>
+            <a:off x="1008528" y="1800000"/>
+            <a:ext cx="2891119" cy="1162050"/>
           </a:xfrm>
           <a:prstGeom prst="rect">
             <a:avLst/>
           </a:prstGeom>
         </p:spPr>
-      </p:pic>
+        <p:txBody>
+          <a:bodyPr vert="horz" lIns="91440" tIns="45720" rIns="91440" bIns="45720" rtlCol="0" anchor="t" anchorCtr="0">
+            <a:normAutofit/>
+          </a:bodyPr>
+          <a:lstStyle>
+            <a:lvl1pPr algn="l" defTabSz="914400" rtl="0" eaLnBrk="1" latinLnBrk="0" hangingPunct="1">
+              <a:spcBef>
+                <a:spcPct val="0"/>
+              </a:spcBef>
+              <a:buNone/>
+              <a:defRPr sz="2800" b="0" kern="1200">
+                <a:solidFill>
+                  <a:schemeClr val="accent1"/>
+                </a:solidFill>
+                <a:latin typeface="+mj-lt"/>
+                <a:ea typeface="+mj-ea"/>
+                <a:cs typeface="+mj-cs"/>
+              </a:defRPr>
+            </a:lvl1pPr>
+          </a:lstStyle>
+          <a:p>
+            <a:r>
+              <a:rPr lang="pt-PT" sz="6000" smtClean="0">
+                <a:solidFill>
+                  <a:schemeClr val="bg1"/>
+                </a:solidFill>
+              </a:rPr>
+              <a:t>Tarefas</a:t>
+            </a:r>
+            <a:endParaRPr lang="pt-PT" sz="6000">
+              <a:solidFill>
+                <a:schemeClr val="bg1"/>
+              </a:solidFill>
+            </a:endParaRPr>
+          </a:p>
+        </p:txBody>
+      </p:sp>
     </p:spTree>
     <p:extLst>
       <p:ext uri="{BB962C8B-B14F-4D97-AF65-F5344CB8AC3E}">
-        <p14:creationId xmlns:p14="http://schemas.microsoft.com/office/powerpoint/2010/main" val="1539574578"/>
+        <p14:creationId xmlns:p14="http://schemas.microsoft.com/office/powerpoint/2010/main" val="565793491"/>
       </p:ext>
     </p:extLst>
   </p:cSld>
   <p:clrMapOvr>
     <a:masterClrMapping/>
   </p:clrMapOvr>
-  <p:timing>
-    <p:tnLst>
-      <p:par>
-        <p:cTn id="1" dur="indefinite" restart="never" nodeType="tmRoot"/>
-      </p:par>
-    </p:tnLst>
-  </p:timing>
 </p:sld>
 </file>
 
@@ -10566,7 +11095,7 @@
       </p:grpSpPr>
       <p:sp>
         <p:nvSpPr>
-          <p:cNvPr id="2" name="Title 1"/>
+          <p:cNvPr id="2" name="Título 1"/>
           <p:cNvSpPr>
             <a:spLocks noGrp="1"/>
           </p:cNvSpPr>
@@ -10574,281 +11103,29 @@
             <p:ph type="title"/>
           </p:nvPr>
         </p:nvSpPr>
-        <p:spPr/>
-        <p:txBody>
-          <a:bodyPr/>
-          <a:lstStyle/>
-          <a:p>
-            <a:r>
-              <a:rPr lang="pt-PT" dirty="0" smtClean="0"/>
-              <a:t>Perspectiva dos alunos 		1/6</a:t>
-            </a:r>
-            <a:endParaRPr lang="pt-PT" dirty="0"/>
-          </a:p>
-        </p:txBody>
-      </p:sp>
-      <p:sp>
-        <p:nvSpPr>
-          <p:cNvPr id="5" name="Subtitle 2"/>
-          <p:cNvSpPr txBox="1">
-            <a:spLocks/>
-          </p:cNvSpPr>
-          <p:nvPr/>
-        </p:nvSpPr>
-        <p:spPr>
-          <a:xfrm>
-            <a:off x="498473" y="1214717"/>
-            <a:ext cx="7556313" cy="838201"/>
-          </a:xfrm>
-          <a:prstGeom prst="rect">
-            <a:avLst/>
-          </a:prstGeom>
-        </p:spPr>
-        <p:txBody>
-          <a:bodyPr vert="horz" lIns="91440" tIns="45720" rIns="91440" bIns="45720" rtlCol="0">
+        <p:spPr>
+          <a:xfrm>
+            <a:off x="591669" y="2571750"/>
+            <a:ext cx="2891119" cy="1162050"/>
+          </a:xfrm>
+        </p:spPr>
+        <p:txBody>
+          <a:bodyPr>
             <a:normAutofit/>
           </a:bodyPr>
-          <a:lstStyle>
-            <a:lvl1pPr marL="228600" indent="-228600" algn="l" defTabSz="914400" rtl="0" eaLnBrk="1" latinLnBrk="0" hangingPunct="1">
-              <a:spcBef>
-                <a:spcPts val="2000"/>
-              </a:spcBef>
-              <a:buClr>
-                <a:schemeClr val="accent1"/>
-              </a:buClr>
-              <a:buSzPct val="75000"/>
-              <a:buFont typeface="Wingdings" pitchFamily="2" charset="2"/>
-              <a:buChar char="n"/>
-              <a:defRPr sz="2000" kern="1200">
-                <a:solidFill>
-                  <a:schemeClr val="tx1">
-                    <a:lumMod val="65000"/>
-                    <a:lumOff val="35000"/>
-                  </a:schemeClr>
-                </a:solidFill>
-                <a:latin typeface="+mn-lt"/>
-                <a:ea typeface="+mn-ea"/>
-                <a:cs typeface="+mn-cs"/>
-              </a:defRPr>
-            </a:lvl1pPr>
-            <a:lvl2pPr marL="457200" indent="-228600" algn="l" defTabSz="914400" rtl="0" eaLnBrk="1" latinLnBrk="0" hangingPunct="1">
-              <a:spcBef>
-                <a:spcPts val="600"/>
-              </a:spcBef>
-              <a:buClr>
-                <a:schemeClr val="accent1">
-                  <a:lumMod val="60000"/>
-                  <a:lumOff val="40000"/>
-                </a:schemeClr>
-              </a:buClr>
-              <a:buSzPct val="75000"/>
-              <a:buFont typeface="Wingdings" pitchFamily="2" charset="2"/>
-              <a:buChar char="n"/>
-              <a:defRPr sz="1800" kern="1200">
-                <a:solidFill>
-                  <a:schemeClr val="tx1">
-                    <a:lumMod val="65000"/>
-                    <a:lumOff val="35000"/>
-                  </a:schemeClr>
-                </a:solidFill>
-                <a:latin typeface="+mn-lt"/>
-                <a:ea typeface="+mn-ea"/>
-                <a:cs typeface="+mn-cs"/>
-              </a:defRPr>
-            </a:lvl2pPr>
-            <a:lvl3pPr marL="685800" indent="-228600" algn="l" defTabSz="914400" rtl="0" eaLnBrk="1" latinLnBrk="0" hangingPunct="1">
-              <a:spcBef>
-                <a:spcPts val="600"/>
-              </a:spcBef>
-              <a:buClr>
-                <a:schemeClr val="accent1"/>
-              </a:buClr>
-              <a:buSzPct val="75000"/>
-              <a:buFont typeface="Wingdings" pitchFamily="2" charset="2"/>
-              <a:buChar char="n"/>
-              <a:defRPr sz="1800" kern="1200">
-                <a:solidFill>
-                  <a:schemeClr val="tx1">
-                    <a:lumMod val="65000"/>
-                    <a:lumOff val="35000"/>
-                  </a:schemeClr>
-                </a:solidFill>
-                <a:latin typeface="+mn-lt"/>
-                <a:ea typeface="+mn-ea"/>
-                <a:cs typeface="+mn-cs"/>
-              </a:defRPr>
-            </a:lvl3pPr>
-            <a:lvl4pPr marL="914400" indent="-228600" algn="l" defTabSz="914400" rtl="0" eaLnBrk="1" latinLnBrk="0" hangingPunct="1">
-              <a:spcBef>
-                <a:spcPts val="600"/>
-              </a:spcBef>
-              <a:buClr>
-                <a:schemeClr val="accent1">
-                  <a:lumMod val="60000"/>
-                  <a:lumOff val="40000"/>
-                </a:schemeClr>
-              </a:buClr>
-              <a:buSzPct val="75000"/>
-              <a:buFont typeface="Wingdings" pitchFamily="2" charset="2"/>
-              <a:buChar char="n"/>
-              <a:defRPr sz="1800" kern="1200">
-                <a:solidFill>
-                  <a:schemeClr val="tx1">
-                    <a:lumMod val="65000"/>
-                    <a:lumOff val="35000"/>
-                  </a:schemeClr>
-                </a:solidFill>
-                <a:latin typeface="+mn-lt"/>
-                <a:ea typeface="+mn-ea"/>
-                <a:cs typeface="+mn-cs"/>
-              </a:defRPr>
-            </a:lvl4pPr>
-            <a:lvl5pPr marL="1143000" indent="-228600" algn="l" defTabSz="914400" rtl="0" eaLnBrk="1" latinLnBrk="0" hangingPunct="1">
-              <a:spcBef>
-                <a:spcPts val="600"/>
-              </a:spcBef>
-              <a:buClr>
-                <a:schemeClr val="accent1"/>
-              </a:buClr>
-              <a:buSzPct val="75000"/>
-              <a:buFont typeface="Wingdings" pitchFamily="2" charset="2"/>
-              <a:buChar char="n"/>
-              <a:defRPr sz="1800" kern="1200">
-                <a:solidFill>
-                  <a:schemeClr val="tx1">
-                    <a:lumMod val="65000"/>
-                    <a:lumOff val="35000"/>
-                  </a:schemeClr>
-                </a:solidFill>
-                <a:latin typeface="+mn-lt"/>
-                <a:ea typeface="+mn-ea"/>
-                <a:cs typeface="+mn-cs"/>
-              </a:defRPr>
-            </a:lvl5pPr>
-            <a:lvl6pPr marL="1377950" indent="-228600" algn="l" defTabSz="914400" rtl="0" eaLnBrk="1" latinLnBrk="0" hangingPunct="1">
-              <a:spcBef>
-                <a:spcPct val="20000"/>
-              </a:spcBef>
-              <a:buClr>
-                <a:schemeClr val="accent1">
-                  <a:lumMod val="60000"/>
-                  <a:lumOff val="40000"/>
-                </a:schemeClr>
-              </a:buClr>
-              <a:buSzPct val="75000"/>
-              <a:buFont typeface="Wingdings" pitchFamily="2" charset="2"/>
-              <a:buChar char=""/>
-              <a:defRPr lang="en-US" sz="1800" kern="1200" dirty="0" smtClean="0">
-                <a:solidFill>
-                  <a:schemeClr val="tx1">
-                    <a:lumMod val="65000"/>
-                    <a:lumOff val="35000"/>
-                  </a:schemeClr>
-                </a:solidFill>
-                <a:latin typeface="+mn-lt"/>
-                <a:ea typeface="+mn-ea"/>
-                <a:cs typeface="+mn-cs"/>
-              </a:defRPr>
-            </a:lvl6pPr>
-            <a:lvl7pPr marL="1603375" indent="-228600" algn="l" defTabSz="914400" rtl="0" eaLnBrk="1" latinLnBrk="0" hangingPunct="1">
-              <a:spcBef>
-                <a:spcPct val="20000"/>
-              </a:spcBef>
-              <a:buClr>
-                <a:schemeClr val="accent1"/>
-              </a:buClr>
-              <a:buSzPct val="75000"/>
-              <a:buFont typeface="Wingdings" pitchFamily="2" charset="2"/>
-              <a:buChar char=""/>
-              <a:defRPr lang="en-US" sz="1800" kern="1200" baseline="0" dirty="0" smtClean="0">
-                <a:solidFill>
-                  <a:schemeClr val="tx1">
-                    <a:lumMod val="65000"/>
-                    <a:lumOff val="35000"/>
-                  </a:schemeClr>
-                </a:solidFill>
-                <a:latin typeface="+mn-lt"/>
-                <a:ea typeface="+mn-ea"/>
-                <a:cs typeface="+mn-cs"/>
-              </a:defRPr>
-            </a:lvl7pPr>
-            <a:lvl8pPr marL="1830388" indent="-228600" algn="l" defTabSz="914400" rtl="0" eaLnBrk="1" latinLnBrk="0" hangingPunct="1">
-              <a:spcBef>
-                <a:spcPct val="20000"/>
-              </a:spcBef>
-              <a:buClr>
-                <a:schemeClr val="accent1">
-                  <a:lumMod val="60000"/>
-                  <a:lumOff val="40000"/>
-                </a:schemeClr>
-              </a:buClr>
-              <a:buSzPct val="75000"/>
-              <a:buFont typeface="Wingdings" pitchFamily="2" charset="2"/>
-              <a:buChar char=""/>
-              <a:defRPr lang="en-US" sz="1800" kern="1200" baseline="0" dirty="0" smtClean="0">
-                <a:solidFill>
-                  <a:schemeClr val="tx1">
-                    <a:lumMod val="65000"/>
-                    <a:lumOff val="35000"/>
-                  </a:schemeClr>
-                </a:solidFill>
-                <a:latin typeface="+mn-lt"/>
-                <a:ea typeface="+mn-ea"/>
-                <a:cs typeface="+mn-cs"/>
-              </a:defRPr>
-            </a:lvl8pPr>
-            <a:lvl9pPr marL="2057400" indent="-228600" algn="l" defTabSz="914400" rtl="0" eaLnBrk="1" latinLnBrk="0" hangingPunct="1">
-              <a:spcBef>
-                <a:spcPct val="20000"/>
-              </a:spcBef>
-              <a:buClr>
-                <a:schemeClr val="accent1"/>
-              </a:buClr>
-              <a:buSzPct val="75000"/>
-              <a:buFont typeface="Wingdings" pitchFamily="2" charset="2"/>
-              <a:buChar char=""/>
-              <a:defRPr lang="en-US" sz="1800" kern="1200" baseline="0" dirty="0">
-                <a:solidFill>
-                  <a:schemeClr val="tx1">
-                    <a:lumMod val="65000"/>
-                    <a:lumOff val="35000"/>
-                  </a:schemeClr>
-                </a:solidFill>
-                <a:latin typeface="+mn-lt"/>
-                <a:ea typeface="+mn-ea"/>
-                <a:cs typeface="+mn-cs"/>
-              </a:defRPr>
-            </a:lvl9pPr>
-          </a:lstStyle>
-          <a:p>
-            <a:pPr marL="0" indent="0">
-              <a:buNone/>
-            </a:pPr>
-            <a:r>
-              <a:rPr lang="pt-PT" sz="2400" dirty="0" smtClean="0">
-                <a:solidFill>
-                  <a:schemeClr val="bg1">
-                    <a:lumMod val="65000"/>
-                  </a:schemeClr>
-                </a:solidFill>
-                <a:latin typeface="+mj-lt"/>
-              </a:rPr>
-              <a:t>Criar conta</a:t>
-            </a:r>
-            <a:endParaRPr lang="pt-PT" sz="2400" dirty="0">
-              <a:solidFill>
-                <a:schemeClr val="bg1">
-                  <a:lumMod val="65000"/>
-                </a:schemeClr>
-              </a:solidFill>
-              <a:latin typeface="+mj-lt"/>
-            </a:endParaRPr>
-          </a:p>
-        </p:txBody>
-      </p:sp>
-      <p:sp>
-        <p:nvSpPr>
-          <p:cNvPr id="9" name="Marcador de Posição de Conteúdo 2"/>
+          <a:lstStyle/>
+          <a:p>
+            <a:r>
+              <a:rPr lang="pt-PT" sz="6000" smtClean="0"/>
+              <a:t>Tarefas</a:t>
+            </a:r>
+            <a:endParaRPr lang="pt-PT" sz="6000"/>
+          </a:p>
+        </p:txBody>
+      </p:sp>
+      <p:sp>
+        <p:nvSpPr>
+          <p:cNvPr id="3" name="Marcador de Posição de Conteúdo 2"/>
           <p:cNvSpPr>
             <a:spLocks noGrp="1"/>
           </p:cNvSpPr>
@@ -10858,144 +11135,78 @@
         </p:nvSpPr>
         <p:spPr>
           <a:xfrm>
-            <a:off x="498473" y="2129118"/>
-            <a:ext cx="8348992" cy="4324597"/>
+            <a:off x="4168775" y="1290918"/>
+            <a:ext cx="4597399" cy="4835245"/>
           </a:xfrm>
         </p:spPr>
         <p:txBody>
           <a:bodyPr>
-            <a:normAutofit fontScale="77500" lnSpcReduction="20000"/>
+            <a:normAutofit/>
           </a:bodyPr>
           <a:lstStyle/>
           <a:p>
             <a:r>
-              <a:rPr lang="pt-PT" sz="2400" dirty="0"/>
-              <a:t>Atributo – Facilidade em criar conta com pouca experiência</a:t>
-            </a:r>
-            <a:endParaRPr lang="en-US" sz="2400" dirty="0"/>
-          </a:p>
-          <a:p>
-            <a:r>
-              <a:rPr lang="pt-PT" sz="2400" dirty="0"/>
-              <a:t>Medida – Tempo e cliques necessários e erros feitos até iniciar o registo; tempo até concluir o registo, excluindo o preenchimento de cada </a:t>
-            </a:r>
-            <a:r>
-              <a:rPr lang="pt-PT" sz="2400" dirty="0" smtClean="0"/>
-              <a:t>campo.</a:t>
-            </a:r>
-          </a:p>
-          <a:p>
-            <a:r>
-              <a:rPr lang="pt-PT" sz="2400" dirty="0" smtClean="0"/>
-              <a:t>Método </a:t>
-            </a:r>
-            <a:r>
-              <a:rPr lang="pt-PT" sz="2400" dirty="0"/>
-              <a:t>de medição – Criar uma conta de aluno para o Aníbal Silva, com o nome de utilizador </a:t>
-            </a:r>
-            <a:r>
-              <a:rPr lang="pt-PT" sz="2400" i="1" dirty="0"/>
-              <a:t>“presidente”</a:t>
-            </a:r>
-            <a:r>
-              <a:rPr lang="pt-PT" sz="2400" dirty="0"/>
-              <a:t>, password </a:t>
-            </a:r>
-            <a:r>
-              <a:rPr lang="pt-PT" sz="2400" i="1" dirty="0"/>
-              <a:t>“maria”</a:t>
-            </a:r>
-            <a:r>
-              <a:rPr lang="pt-PT" sz="2400" dirty="0"/>
-              <a:t>, e como método de contacto o e-mail “belem@presidencia.pt</a:t>
-            </a:r>
-            <a:r>
-              <a:rPr lang="pt-PT" sz="2400" dirty="0" smtClean="0"/>
-              <a:t>”.</a:t>
-            </a:r>
-          </a:p>
-          <a:p>
-            <a:r>
-              <a:rPr lang="pt-BR" sz="2400" dirty="0"/>
-              <a:t>Actual – 3 minutos, 3 erros, 10 cliques (Udemy)</a:t>
-            </a:r>
-          </a:p>
-          <a:p>
-            <a:r>
-              <a:rPr lang="pt-BR" sz="2400" dirty="0"/>
-              <a:t>Aceitável – 2 minutos, 1 erro, </a:t>
-            </a:r>
-            <a:r>
-              <a:rPr lang="pt-BR" sz="2400" dirty="0" smtClean="0"/>
-              <a:t>3 </a:t>
-            </a:r>
-            <a:r>
-              <a:rPr lang="pt-BR" sz="2400" dirty="0"/>
-              <a:t>cliques + 1 clique por </a:t>
-            </a:r>
-            <a:r>
-              <a:rPr lang="pt-BR" sz="2400" dirty="0" smtClean="0"/>
-              <a:t>campo + concluir</a:t>
-            </a:r>
-            <a:endParaRPr lang="pt-BR" sz="2400" dirty="0"/>
-          </a:p>
-          <a:p>
-            <a:r>
-              <a:rPr lang="pt-BR" sz="2400" dirty="0"/>
-              <a:t>Objectivo – 1 minuto, 0 erros, </a:t>
-            </a:r>
-            <a:r>
-              <a:rPr lang="pt-BR" sz="2400" dirty="0" smtClean="0"/>
-              <a:t>1 clique </a:t>
-            </a:r>
-            <a:r>
-              <a:rPr lang="pt-BR" sz="2400" dirty="0"/>
-              <a:t>+ 1 clique por </a:t>
-            </a:r>
-            <a:r>
-              <a:rPr lang="pt-BR" sz="2400" dirty="0" smtClean="0"/>
-              <a:t>campo + concluir</a:t>
-            </a:r>
-            <a:endParaRPr lang="pt-BR" sz="2400" dirty="0"/>
-          </a:p>
-          <a:p>
-            <a:r>
-              <a:rPr lang="pt-BR" sz="2400" dirty="0"/>
-              <a:t>Ideal – 30 segundos, 0 erros, </a:t>
-            </a:r>
-            <a:r>
-              <a:rPr lang="pt-BR" sz="2400" dirty="0" smtClean="0"/>
-              <a:t>1 clique </a:t>
-            </a:r>
-            <a:r>
-              <a:rPr lang="pt-BR" sz="2400" dirty="0"/>
-              <a:t>+ 1 clique por </a:t>
-            </a:r>
-            <a:r>
-              <a:rPr lang="pt-BR" sz="2400" dirty="0" smtClean="0"/>
-              <a:t>campo + concluir</a:t>
-            </a:r>
-            <a:endParaRPr lang="pt-BR" sz="2400" dirty="0"/>
+              <a:rPr lang="pt-PT" sz="2000" dirty="0"/>
+              <a:t>Criar Conta</a:t>
+            </a:r>
+          </a:p>
+          <a:p>
+            <a:r>
+              <a:rPr lang="pt-PT" sz="2000" dirty="0"/>
+              <a:t>Entrar na conta (login)</a:t>
+            </a:r>
+          </a:p>
+          <a:p>
+            <a:r>
+              <a:rPr lang="pt-PT" sz="2000" dirty="0"/>
+              <a:t>Pesquisar curso por nome</a:t>
+            </a:r>
+          </a:p>
+          <a:p>
+            <a:r>
+              <a:rPr lang="pt-PT" sz="2000" dirty="0"/>
+              <a:t>Inscrever no Curso</a:t>
+            </a:r>
+          </a:p>
+          <a:p>
+            <a:r>
+              <a:rPr lang="pt-PT" sz="2000" dirty="0"/>
+              <a:t>Iniciar a Visualização do vídeo</a:t>
+            </a:r>
+          </a:p>
+          <a:p>
+            <a:r>
+              <a:rPr lang="pt-PT" sz="2000" dirty="0"/>
+              <a:t>Ver perfil da conta</a:t>
+            </a:r>
+          </a:p>
+          <a:p>
+            <a:r>
+              <a:rPr lang="pt-PT" sz="2000" dirty="0"/>
+              <a:t>Criar Curso</a:t>
+            </a:r>
+          </a:p>
+          <a:p>
+            <a:r>
+              <a:rPr lang="pt-PT" sz="2000" dirty="0"/>
+              <a:t>Adicionar Aulas</a:t>
+            </a:r>
+          </a:p>
+          <a:p>
+            <a:endParaRPr lang="pt-PT" sz="1600" dirty="0"/>
           </a:p>
         </p:txBody>
       </p:sp>
     </p:spTree>
     <p:extLst>
       <p:ext uri="{BB962C8B-B14F-4D97-AF65-F5344CB8AC3E}">
-        <p14:creationId xmlns:p14="http://schemas.microsoft.com/office/powerpoint/2010/main" val="2077453528"/>
+        <p14:creationId xmlns:p14="http://schemas.microsoft.com/office/powerpoint/2010/main" val="619718505"/>
       </p:ext>
     </p:extLst>
   </p:cSld>
   <p:clrMapOvr>
     <a:masterClrMapping/>
   </p:clrMapOvr>
-  <p:timing>
-    <p:tnLst>
-      <p:par>
-        <p:cTn id="1" dur="indefinite" restart="never" nodeType="tmRoot"/>
-      </p:par>
-    </p:tnLst>
-  </p:timing>
 </p:sld>
 </file>
 
@@ -11018,12 +11229,12 @@
       </p:grpSpPr>
       <p:sp>
         <p:nvSpPr>
-          <p:cNvPr id="2" name="Title 1"/>
+          <p:cNvPr id="2" name="Título 1"/>
           <p:cNvSpPr>
             <a:spLocks noGrp="1"/>
           </p:cNvSpPr>
           <p:nvPr>
-            <p:ph type="title"/>
+            <p:ph type="ctrTitle"/>
           </p:nvPr>
         </p:nvSpPr>
         <p:spPr/>
@@ -11031,35 +11242,72 @@
           <a:bodyPr/>
           <a:lstStyle/>
           <a:p>
-            <a:r>
-              <a:rPr lang="pt-PT" dirty="0" smtClean="0"/>
-              <a:t>Perspectiva dos alunos 		2/6</a:t>
-            </a:r>
-            <a:endParaRPr lang="pt-PT" dirty="0"/>
-          </a:p>
-        </p:txBody>
-      </p:sp>
-      <p:sp>
-        <p:nvSpPr>
-          <p:cNvPr id="5" name="Subtitle 2"/>
-          <p:cNvSpPr txBox="1">
-            <a:spLocks/>
-          </p:cNvSpPr>
+            <a:endParaRPr lang="pt-PT"/>
+          </a:p>
+        </p:txBody>
+      </p:sp>
+      <p:sp>
+        <p:nvSpPr>
+          <p:cNvPr id="3" name="Subtítulo 2"/>
+          <p:cNvSpPr>
+            <a:spLocks noGrp="1"/>
+          </p:cNvSpPr>
+          <p:nvPr>
+            <p:ph type="subTitle" idx="1"/>
+          </p:nvPr>
+        </p:nvSpPr>
+        <p:spPr/>
+        <p:txBody>
+          <a:bodyPr/>
+          <a:lstStyle/>
+          <a:p>
+            <a:endParaRPr lang="pt-PT"/>
+          </a:p>
+        </p:txBody>
+      </p:sp>
+      <p:pic>
+        <p:nvPicPr>
+          <p:cNvPr id="4" name="Imagem 3"/>
+          <p:cNvPicPr>
+            <a:picLocks noChangeAspect="1"/>
+          </p:cNvPicPr>
           <p:nvPr/>
-        </p:nvSpPr>
-        <p:spPr>
-          <a:xfrm>
-            <a:off x="498473" y="1214717"/>
-            <a:ext cx="7556313" cy="838201"/>
+        </p:nvPicPr>
+        <p:blipFill>
+          <a:blip r:embed="rId2"/>
+          <a:stretch>
+            <a:fillRect/>
+          </a:stretch>
+        </p:blipFill>
+        <p:spPr>
+          <a:xfrm>
+            <a:off x="4625788" y="2353235"/>
+            <a:ext cx="2084294" cy="2084294"/>
           </a:xfrm>
           <a:prstGeom prst="rect">
             <a:avLst/>
           </a:prstGeom>
         </p:spPr>
-        <p:txBody>
-          <a:bodyPr vert="horz" lIns="91440" tIns="45720" rIns="91440" bIns="45720" rtlCol="0">
-            <a:normAutofit/>
-          </a:bodyPr>
+      </p:pic>
+      <p:sp>
+        <p:nvSpPr>
+          <p:cNvPr id="6" name="Marcador de Posição do Texto 5"/>
+          <p:cNvSpPr txBox="1">
+            <a:spLocks/>
+          </p:cNvSpPr>
+          <p:nvPr/>
+        </p:nvSpPr>
+        <p:spPr>
+          <a:xfrm>
+            <a:off x="271389" y="1417185"/>
+            <a:ext cx="4199021" cy="1978197"/>
+          </a:xfrm>
+          <a:prstGeom prst="rect">
+            <a:avLst/>
+          </a:prstGeom>
+        </p:spPr>
+        <p:txBody>
+          <a:bodyPr/>
           <a:lstStyle>
             <a:lvl1pPr marL="228600" indent="-228600" algn="l" defTabSz="914400" rtl="0" eaLnBrk="1" latinLnBrk="0" hangingPunct="1">
               <a:spcBef>
@@ -11273,153 +11521,26 @@
             </a:lvl9pPr>
           </a:lstStyle>
           <a:p>
-            <a:pPr marL="0" indent="0">
-              <a:buNone/>
-            </a:pPr>
-            <a:r>
-              <a:rPr lang="pt-PT" sz="2400" dirty="0" smtClean="0">
-                <a:solidFill>
-                  <a:schemeClr val="bg1">
-                    <a:lumMod val="65000"/>
-                  </a:schemeClr>
-                </a:solidFill>
-                <a:latin typeface="+mj-lt"/>
+            <a:r>
+              <a:rPr lang="pt-PT" sz="5400" smtClean="0">
+                <a:solidFill>
+                  <a:schemeClr val="bg1"/>
+                </a:solidFill>
               </a:rPr>
-              <a:t>Entrar na conta</a:t>
-            </a:r>
-            <a:endParaRPr lang="pt-PT" sz="2400" dirty="0">
+              <a:t>Testes de usabilidade</a:t>
+            </a:r>
+            <a:endParaRPr lang="pt-PT" sz="6000" dirty="0">
               <a:solidFill>
-                <a:schemeClr val="bg1">
-                  <a:lumMod val="65000"/>
-                </a:schemeClr>
+                <a:schemeClr val="bg1"/>
               </a:solidFill>
-              <a:latin typeface="+mj-lt"/>
             </a:endParaRPr>
-          </a:p>
-        </p:txBody>
-      </p:sp>
-      <p:sp>
-        <p:nvSpPr>
-          <p:cNvPr id="9" name="Marcador de Posição de Conteúdo 2"/>
-          <p:cNvSpPr>
-            <a:spLocks noGrp="1"/>
-          </p:cNvSpPr>
-          <p:nvPr>
-            <p:ph idx="1"/>
-          </p:nvPr>
-        </p:nvSpPr>
-        <p:spPr>
-          <a:xfrm>
-            <a:off x="498473" y="2129118"/>
-            <a:ext cx="8348992" cy="4324597"/>
-          </a:xfrm>
-        </p:spPr>
-        <p:txBody>
-          <a:bodyPr>
-            <a:normAutofit fontScale="85000" lnSpcReduction="10000"/>
-          </a:bodyPr>
-          <a:lstStyle/>
-          <a:p>
-            <a:pPr lvl="0"/>
-            <a:r>
-              <a:rPr lang="pt-PT" b="1" dirty="0"/>
-              <a:t>Atributo:</a:t>
-            </a:r>
-            <a:r>
-              <a:rPr lang="pt-PT" dirty="0"/>
-              <a:t> Facilidade em entrar na conta do utilizador (LOGIN)</a:t>
-            </a:r>
-            <a:endParaRPr lang="en-US" dirty="0"/>
-          </a:p>
-          <a:p>
-            <a:pPr lvl="0"/>
-            <a:r>
-              <a:rPr lang="pt-PT" b="1" dirty="0"/>
-              <a:t>Medida 1:</a:t>
-            </a:r>
-            <a:r>
-              <a:rPr lang="pt-PT" dirty="0"/>
-              <a:t> nº de erros cometidos</a:t>
-            </a:r>
-            <a:endParaRPr lang="en-US" dirty="0"/>
-          </a:p>
-          <a:p>
-            <a:pPr lvl="0"/>
-            <a:r>
-              <a:rPr lang="pt-PT" b="1" dirty="0"/>
-              <a:t>Medida 2: </a:t>
-            </a:r>
-            <a:r>
-              <a:rPr lang="pt-PT" dirty="0"/>
-              <a:t>tempo que demora a identificar e selecionar o botão de “Entrar na conta”</a:t>
-            </a:r>
-            <a:endParaRPr lang="en-US" dirty="0"/>
-          </a:p>
-          <a:p>
-            <a:pPr lvl="0"/>
-            <a:r>
-              <a:rPr lang="pt-PT" b="1" dirty="0"/>
-              <a:t>Método da Medição:</a:t>
-            </a:r>
-            <a:r>
-              <a:rPr lang="pt-PT" dirty="0"/>
-              <a:t> Carregar no botão “Entrar na Conta”, para entrar na sua conta e preencher os campos: “Nome de utilizador” e “Palavra Chave”.</a:t>
-            </a:r>
-            <a:endParaRPr lang="en-US" dirty="0"/>
-          </a:p>
-          <a:p>
-            <a:pPr lvl="0"/>
-            <a:r>
-              <a:rPr lang="pt-PT" b="1" dirty="0"/>
-              <a:t>Current:</a:t>
-            </a:r>
-            <a:r>
-              <a:rPr lang="pt-PT" dirty="0"/>
-              <a:t> 0 erros (Medida 1); 10 segundos (Medida 2)</a:t>
-            </a:r>
-            <a:endParaRPr lang="en-US" dirty="0"/>
-          </a:p>
-          <a:p>
-            <a:pPr lvl="0"/>
-            <a:r>
-              <a:rPr lang="pt-PT" b="1" dirty="0"/>
-              <a:t>Minumum:</a:t>
-            </a:r>
-            <a:r>
-              <a:rPr lang="pt-PT" dirty="0"/>
-              <a:t> 3 erros (Medida 1); 30 segundos (Medida 2)</a:t>
-            </a:r>
-            <a:endParaRPr lang="en-US" dirty="0"/>
-          </a:p>
-          <a:p>
-            <a:pPr lvl="0"/>
-            <a:r>
-              <a:rPr lang="pt-PT" b="1" dirty="0"/>
-              <a:t>Target:</a:t>
-            </a:r>
-            <a:r>
-              <a:rPr lang="pt-PT" dirty="0"/>
-              <a:t> 1 erro (Medida 1); 15 segundos (Medida 2)</a:t>
-            </a:r>
-            <a:endParaRPr lang="en-US" dirty="0"/>
-          </a:p>
-          <a:p>
-            <a:r>
-              <a:rPr lang="pt-PT" b="1" dirty="0"/>
-              <a:t>Optimal:</a:t>
-            </a:r>
-            <a:r>
-              <a:rPr lang="pt-PT" dirty="0"/>
-              <a:t> 0 erros cometidos (Medida 1); 5 segundos (Medida 2) </a:t>
-            </a:r>
-            <a:endParaRPr lang="en-US" sz="2400" dirty="0"/>
           </a:p>
         </p:txBody>
       </p:sp>
     </p:spTree>
     <p:extLst>
       <p:ext uri="{BB962C8B-B14F-4D97-AF65-F5344CB8AC3E}">
-        <p14:creationId xmlns:p14="http://schemas.microsoft.com/office/powerpoint/2010/main" val="3906956799"/>
+        <p14:creationId xmlns:p14="http://schemas.microsoft.com/office/powerpoint/2010/main" val="1820242734"/>
       </p:ext>
     </p:extLst>
   </p:cSld>
@@ -11470,7 +11591,11 @@
           <a:p>
             <a:r>
               <a:rPr lang="pt-PT" dirty="0" smtClean="0"/>
-              <a:t>Perspectiva dos alunos 		3/6</a:t>
+              <a:t>Testes de Usabilidade</a:t>
+            </a:r>
+            <a:r>
+              <a:rPr lang="pt-PT" dirty="0" smtClean="0"/>
+              <a:t>		1/6</a:t>
             </a:r>
             <a:endParaRPr lang="pt-PT" dirty="0"/>
           </a:p>
@@ -11722,7 +11847,7 @@
                 </a:solidFill>
                 <a:latin typeface="+mj-lt"/>
               </a:rPr>
-              <a:t>Pesquisar curso pelo nome</a:t>
+              <a:t>Criar conta</a:t>
             </a:r>
             <a:endParaRPr lang="pt-PT" sz="2400" dirty="0">
               <a:solidFill>
@@ -11735,9 +11860,375 @@
           </a:p>
         </p:txBody>
       </p:sp>
-      <p:sp>
-        <p:nvSpPr>
-          <p:cNvPr id="9" name="Marcador de Posição de Conteúdo 2"/>
+      <p:graphicFrame>
+        <p:nvGraphicFramePr>
+          <p:cNvPr id="4" name="Tabela 3"/>
+          <p:cNvGraphicFramePr>
+            <a:graphicFrameLocks noGrp="1"/>
+          </p:cNvGraphicFramePr>
+          <p:nvPr>
+            <p:extLst>
+              <p:ext uri="{D42A27DB-BD31-4B8C-83A1-F6EECF244321}">
+                <p14:modId xmlns:p14="http://schemas.microsoft.com/office/powerpoint/2010/main" val="440667390"/>
+              </p:ext>
+            </p:extLst>
+          </p:nvPr>
+        </p:nvGraphicFramePr>
+        <p:xfrm>
+          <a:off x="801917" y="4787156"/>
+          <a:ext cx="6949424" cy="1683275"/>
+        </p:xfrm>
+        <a:graphic>
+          <a:graphicData uri="http://schemas.openxmlformats.org/drawingml/2006/table">
+            <a:tbl>
+              <a:tblPr firstRow="1" firstCol="1" bandRow="1">
+                <a:tableStyleId>{5C22544A-7EE6-4342-B048-85BDC9FD1C3A}</a:tableStyleId>
+              </a:tblPr>
+              <a:tblGrid>
+                <a:gridCol w="1274765"/>
+                <a:gridCol w="1936377"/>
+                <a:gridCol w="1761564"/>
+                <a:gridCol w="1976718"/>
+              </a:tblGrid>
+              <a:tr h="336655">
+                <a:tc>
+                  <a:txBody>
+                    <a:bodyPr/>
+                    <a:lstStyle/>
+                    <a:p>
+                      <a:pPr algn="ctr"/>
+                      <a:endParaRPr lang="pt-PT" sz="1400" dirty="0"/>
+                    </a:p>
+                  </a:txBody>
+                  <a:tcPr>
+                    <a:noFill/>
+                  </a:tcPr>
+                </a:tc>
+                <a:tc>
+                  <a:txBody>
+                    <a:bodyPr/>
+                    <a:lstStyle/>
+                    <a:p>
+                      <a:pPr algn="ctr"/>
+                      <a:r>
+                        <a:rPr lang="pt-PT" sz="1400" dirty="0" smtClean="0"/>
+                        <a:t>Tempo (Medida</a:t>
+                      </a:r>
+                      <a:r>
+                        <a:rPr lang="pt-PT" sz="1400" baseline="0" dirty="0" smtClean="0"/>
+                        <a:t> 1)</a:t>
+                      </a:r>
+                      <a:endParaRPr lang="pt-PT" sz="1400" dirty="0"/>
+                    </a:p>
+                  </a:txBody>
+                  <a:tcPr/>
+                </a:tc>
+                <a:tc>
+                  <a:txBody>
+                    <a:bodyPr/>
+                    <a:lstStyle/>
+                    <a:p>
+                      <a:pPr algn="ctr"/>
+                      <a:r>
+                        <a:rPr lang="pt-PT" sz="1400" dirty="0" smtClean="0"/>
+                        <a:t>Erros </a:t>
+                      </a:r>
+                      <a:r>
+                        <a:rPr lang="pt-PT" sz="1400" dirty="0" smtClean="0"/>
+                        <a:t>(Medida</a:t>
+                      </a:r>
+                      <a:r>
+                        <a:rPr lang="pt-PT" sz="1400" baseline="0" dirty="0" smtClean="0"/>
+                        <a:t> 2)</a:t>
+                      </a:r>
+                      <a:endParaRPr lang="pt-PT" sz="1400" dirty="0"/>
+                    </a:p>
+                  </a:txBody>
+                  <a:tcPr/>
+                </a:tc>
+                <a:tc>
+                  <a:txBody>
+                    <a:bodyPr/>
+                    <a:lstStyle/>
+                    <a:p>
+                      <a:pPr algn="ctr"/>
+                      <a:r>
+                        <a:rPr lang="pt-PT" sz="1400" dirty="0" smtClean="0"/>
+                        <a:t>Cliques </a:t>
+                      </a:r>
+                      <a:r>
+                        <a:rPr lang="pt-PT" sz="1400" dirty="0" smtClean="0"/>
+                        <a:t>(Medida</a:t>
+                      </a:r>
+                      <a:r>
+                        <a:rPr lang="pt-PT" sz="1400" baseline="0" dirty="0" smtClean="0"/>
+                        <a:t> 3)</a:t>
+                      </a:r>
+                      <a:endParaRPr lang="pt-PT" sz="1400" dirty="0"/>
+                    </a:p>
+                  </a:txBody>
+                  <a:tcPr/>
+                </a:tc>
+              </a:tr>
+              <a:tr h="336655">
+                <a:tc>
+                  <a:txBody>
+                    <a:bodyPr/>
+                    <a:lstStyle/>
+                    <a:p>
+                      <a:pPr algn="ctr"/>
+                      <a:r>
+                        <a:rPr lang="pt-PT" sz="1400" dirty="0" err="1" smtClean="0"/>
+                        <a:t>Actual</a:t>
+                      </a:r>
+                      <a:endParaRPr lang="pt-PT" sz="1400" dirty="0"/>
+                    </a:p>
+                  </a:txBody>
+                  <a:tcPr/>
+                </a:tc>
+                <a:tc>
+                  <a:txBody>
+                    <a:bodyPr/>
+                    <a:lstStyle/>
+                    <a:p>
+                      <a:pPr algn="ctr"/>
+                      <a:r>
+                        <a:rPr lang="pt-PT" sz="1400" dirty="0" smtClean="0"/>
+                        <a:t>3 minutos</a:t>
+                      </a:r>
+                      <a:endParaRPr lang="pt-PT" sz="1400" dirty="0"/>
+                    </a:p>
+                  </a:txBody>
+                  <a:tcPr/>
+                </a:tc>
+                <a:tc>
+                  <a:txBody>
+                    <a:bodyPr/>
+                    <a:lstStyle/>
+                    <a:p>
+                      <a:pPr algn="ctr"/>
+                      <a:r>
+                        <a:rPr lang="pt-PT" sz="1400" dirty="0" smtClean="0"/>
+                        <a:t>3</a:t>
+                      </a:r>
+                      <a:endParaRPr lang="pt-PT" sz="1400" dirty="0"/>
+                    </a:p>
+                  </a:txBody>
+                  <a:tcPr/>
+                </a:tc>
+                <a:tc>
+                  <a:txBody>
+                    <a:bodyPr/>
+                    <a:lstStyle/>
+                    <a:p>
+                      <a:pPr algn="ctr"/>
+                      <a:r>
+                        <a:rPr lang="pt-PT" sz="1400" dirty="0" smtClean="0"/>
+                        <a:t>10</a:t>
+                      </a:r>
+                      <a:endParaRPr lang="pt-PT" sz="1400" dirty="0"/>
+                    </a:p>
+                  </a:txBody>
+                  <a:tcPr/>
+                </a:tc>
+              </a:tr>
+              <a:tr h="336655">
+                <a:tc>
+                  <a:txBody>
+                    <a:bodyPr/>
+                    <a:lstStyle/>
+                    <a:p>
+                      <a:pPr algn="ctr"/>
+                      <a:r>
+                        <a:rPr lang="pt-PT" sz="1400" dirty="0" smtClean="0"/>
+                        <a:t>Aceit</a:t>
+                      </a:r>
+                      <a:r>
+                        <a:rPr lang="pt-PT" sz="1400" dirty="0" smtClean="0"/>
+                        <a:t>ável</a:t>
+                      </a:r>
+                      <a:endParaRPr lang="pt-PT" sz="1400" dirty="0"/>
+                    </a:p>
+                  </a:txBody>
+                  <a:tcPr/>
+                </a:tc>
+                <a:tc>
+                  <a:txBody>
+                    <a:bodyPr/>
+                    <a:lstStyle/>
+                    <a:p>
+                      <a:pPr algn="ctr"/>
+                      <a:r>
+                        <a:rPr lang="pt-PT" sz="1400" dirty="0" smtClean="0"/>
+                        <a:t>2 minutos</a:t>
+                      </a:r>
+                      <a:endParaRPr lang="pt-PT" sz="1400" dirty="0"/>
+                    </a:p>
+                  </a:txBody>
+                  <a:tcPr/>
+                </a:tc>
+                <a:tc>
+                  <a:txBody>
+                    <a:bodyPr/>
+                    <a:lstStyle/>
+                    <a:p>
+                      <a:pPr algn="ctr"/>
+                      <a:r>
+                        <a:rPr lang="pt-PT" sz="1400" dirty="0" smtClean="0"/>
+                        <a:t>1</a:t>
+                      </a:r>
+                      <a:endParaRPr lang="pt-PT" sz="1400" dirty="0"/>
+                    </a:p>
+                  </a:txBody>
+                  <a:tcPr/>
+                </a:tc>
+                <a:tc>
+                  <a:txBody>
+                    <a:bodyPr/>
+                    <a:lstStyle/>
+                    <a:p>
+                      <a:pPr algn="ctr"/>
+                      <a:r>
+                        <a:rPr lang="pt-PT" sz="1400" dirty="0" smtClean="0"/>
+                        <a:t>2</a:t>
+                      </a:r>
+                      <a:endParaRPr lang="pt-PT" sz="1400" dirty="0"/>
+                    </a:p>
+                  </a:txBody>
+                  <a:tcPr/>
+                </a:tc>
+              </a:tr>
+              <a:tr h="336655">
+                <a:tc>
+                  <a:txBody>
+                    <a:bodyPr/>
+                    <a:lstStyle/>
+                    <a:p>
+                      <a:pPr algn="ctr"/>
+                      <a:r>
+                        <a:rPr lang="pt-PT" sz="1400" dirty="0" err="1" smtClean="0"/>
+                        <a:t>Objectivo</a:t>
+                      </a:r>
+                      <a:endParaRPr lang="pt-PT" sz="1400" dirty="0"/>
+                    </a:p>
+                  </a:txBody>
+                  <a:tcPr/>
+                </a:tc>
+                <a:tc>
+                  <a:txBody>
+                    <a:bodyPr/>
+                    <a:lstStyle/>
+                    <a:p>
+                      <a:pPr algn="ctr"/>
+                      <a:r>
+                        <a:rPr lang="pt-PT" sz="1400" dirty="0" smtClean="0"/>
+                        <a:t>1 minuto</a:t>
+                      </a:r>
+                      <a:endParaRPr lang="pt-PT" sz="1400" dirty="0"/>
+                    </a:p>
+                  </a:txBody>
+                  <a:tcPr/>
+                </a:tc>
+                <a:tc>
+                  <a:txBody>
+                    <a:bodyPr/>
+                    <a:lstStyle/>
+                    <a:p>
+                      <a:pPr algn="ctr"/>
+                      <a:r>
+                        <a:rPr lang="pt-PT" sz="1400" dirty="0" smtClean="0"/>
+                        <a:t>0</a:t>
+                      </a:r>
+                      <a:endParaRPr lang="pt-PT" sz="1400" dirty="0"/>
+                    </a:p>
+                  </a:txBody>
+                  <a:tcPr/>
+                </a:tc>
+                <a:tc>
+                  <a:txBody>
+                    <a:bodyPr/>
+                    <a:lstStyle/>
+                    <a:p>
+                      <a:pPr algn="ctr"/>
+                      <a:r>
+                        <a:rPr lang="pt-PT" sz="1400" dirty="0" smtClean="0"/>
+                        <a:t>2</a:t>
+                      </a:r>
+                      <a:endParaRPr lang="pt-PT" sz="1400" dirty="0"/>
+                    </a:p>
+                  </a:txBody>
+                  <a:tcPr/>
+                </a:tc>
+              </a:tr>
+              <a:tr h="336655">
+                <a:tc>
+                  <a:txBody>
+                    <a:bodyPr/>
+                    <a:lstStyle/>
+                    <a:p>
+                      <a:pPr algn="ctr"/>
+                      <a:r>
+                        <a:rPr lang="pt-PT" sz="1400" dirty="0" smtClean="0"/>
+                        <a:t>Ideal</a:t>
+                      </a:r>
+                      <a:endParaRPr lang="pt-PT" sz="1400" dirty="0"/>
+                    </a:p>
+                  </a:txBody>
+                  <a:tcPr/>
+                </a:tc>
+                <a:tc>
+                  <a:txBody>
+                    <a:bodyPr/>
+                    <a:lstStyle/>
+                    <a:p>
+                      <a:pPr algn="ctr"/>
+                      <a:r>
+                        <a:rPr lang="pt-PT" sz="1400" dirty="0" smtClean="0"/>
+                        <a:t>30 segundos</a:t>
+                      </a:r>
+                      <a:endParaRPr lang="pt-PT" sz="1400" dirty="0"/>
+                    </a:p>
+                  </a:txBody>
+                  <a:tcPr/>
+                </a:tc>
+                <a:tc>
+                  <a:txBody>
+                    <a:bodyPr/>
+                    <a:lstStyle/>
+                    <a:p>
+                      <a:pPr algn="ctr"/>
+                      <a:r>
+                        <a:rPr lang="pt-PT" sz="1400" dirty="0" smtClean="0"/>
+                        <a:t>0</a:t>
+                      </a:r>
+                      <a:endParaRPr lang="pt-PT" sz="1400" dirty="0"/>
+                    </a:p>
+                  </a:txBody>
+                  <a:tcPr/>
+                </a:tc>
+                <a:tc>
+                  <a:txBody>
+                    <a:bodyPr/>
+                    <a:lstStyle/>
+                    <a:p>
+                      <a:pPr algn="ctr"/>
+                      <a:r>
+                        <a:rPr lang="pt-PT" sz="1400" dirty="0" smtClean="0"/>
+                        <a:t>2</a:t>
+                      </a:r>
+                      <a:endParaRPr lang="pt-PT" sz="1400" dirty="0"/>
+                    </a:p>
+                  </a:txBody>
+                  <a:tcPr/>
+                </a:tc>
+              </a:tr>
+            </a:tbl>
+          </a:graphicData>
+        </a:graphic>
+      </p:graphicFrame>
+      <p:sp>
+        <p:nvSpPr>
+          <p:cNvPr id="10" name="Marcador de Posição de Conteúdo 2"/>
           <p:cNvSpPr>
             <a:spLocks noGrp="1"/>
           </p:cNvSpPr>
@@ -11747,120 +12238,172 @@
         </p:nvSpPr>
         <p:spPr>
           <a:xfrm>
-            <a:off x="498473" y="2129118"/>
-            <a:ext cx="8348992" cy="4324597"/>
+            <a:off x="498473" y="1949823"/>
+            <a:ext cx="8349692" cy="2716305"/>
           </a:xfrm>
         </p:spPr>
         <p:txBody>
           <a:bodyPr>
-            <a:normAutofit fontScale="85000" lnSpcReduction="20000"/>
+            <a:noAutofit/>
           </a:bodyPr>
           <a:lstStyle/>
           <a:p>
-            <a:pPr lvl="0"/>
-            <a:r>
-              <a:rPr lang="pt-PT" b="1" dirty="0"/>
-              <a:t>Atributo:</a:t>
-            </a:r>
-            <a:r>
-              <a:rPr lang="pt-PT" dirty="0"/>
-              <a:t> Facilidade em pesquisar um curso pelo nome</a:t>
-            </a:r>
-            <a:endParaRPr lang="en-US" dirty="0"/>
-          </a:p>
-          <a:p>
-            <a:pPr lvl="0"/>
-            <a:r>
-              <a:rPr lang="pt-PT" b="1" dirty="0"/>
+            <a:r>
+              <a:rPr lang="pt-PT" sz="1400" b="1" dirty="0" smtClean="0">
+                <a:solidFill>
+                  <a:schemeClr val="accent1"/>
+                </a:solidFill>
+              </a:rPr>
+              <a:t>Atributo: </a:t>
+            </a:r>
+            <a:r>
+              <a:rPr lang="pt-PT" sz="1400" dirty="0" smtClean="0">
+                <a:solidFill>
+                  <a:schemeClr val="accent1"/>
+                </a:solidFill>
+              </a:rPr>
+              <a:t> </a:t>
+            </a:r>
+            <a:r>
+              <a:rPr lang="pt-PT" sz="1400" dirty="0"/>
+              <a:t>Facilidade em criar conta com pouca experiência</a:t>
+            </a:r>
+            <a:endParaRPr lang="en-US" sz="1400" dirty="0"/>
+          </a:p>
+          <a:p>
+            <a:r>
+              <a:rPr lang="pt-PT" sz="1400" b="1" dirty="0" smtClean="0">
+                <a:solidFill>
+                  <a:schemeClr val="accent1"/>
+                </a:solidFill>
+              </a:rPr>
               <a:t>Medida 1:</a:t>
             </a:r>
             <a:r>
-              <a:rPr lang="pt-PT" dirty="0"/>
-              <a:t> nº de erros cometidos</a:t>
-            </a:r>
-            <a:endParaRPr lang="en-US" dirty="0"/>
-          </a:p>
-          <a:p>
-            <a:pPr lvl="0"/>
-            <a:r>
-              <a:rPr lang="pt-PT" b="1" dirty="0"/>
-              <a:t>Medida 2: </a:t>
-            </a:r>
-            <a:r>
-              <a:rPr lang="pt-PT" dirty="0"/>
-              <a:t>tempo que demora a identificar e selecionar a zona de escrita para a pesquisa dos cursos por nome (“Pesquisa por nome”), sem contar com o tempo que demora a escrever o nome.</a:t>
-            </a:r>
-            <a:endParaRPr lang="en-US" dirty="0"/>
-          </a:p>
-          <a:p>
-            <a:pPr lvl="0"/>
-            <a:r>
-              <a:rPr lang="pt-PT" b="1" dirty="0"/>
-              <a:t>Método da Medição:</a:t>
-            </a:r>
-            <a:r>
-              <a:rPr lang="pt-PT" dirty="0"/>
-              <a:t> Identificar o local da “Pesquisa por nome” e colocar o nome do curso “Agricultura - Iniciantes” e selecionar no curso que aparece.</a:t>
-            </a:r>
-            <a:endParaRPr lang="en-US" dirty="0"/>
-          </a:p>
-          <a:p>
-            <a:pPr lvl="0"/>
-            <a:r>
-              <a:rPr lang="pt-PT" b="1" dirty="0"/>
-              <a:t>Current:</a:t>
-            </a:r>
-            <a:r>
-              <a:rPr lang="pt-PT" dirty="0"/>
-              <a:t> 0 erros (Medida 1); 10 segundos (Medida 2</a:t>
-            </a:r>
-            <a:r>
-              <a:rPr lang="pt-PT" dirty="0" smtClean="0"/>
-              <a:t>)</a:t>
-            </a:r>
-          </a:p>
-          <a:p>
-            <a:pPr lvl="0"/>
-            <a:r>
-              <a:rPr lang="pt-PT" b="1" dirty="0"/>
-              <a:t>Minumum:</a:t>
-            </a:r>
-            <a:r>
-              <a:rPr lang="pt-PT" dirty="0"/>
-              <a:t> 1 erros (Medida 1); 30 segundos (Medida 2)</a:t>
-            </a:r>
-            <a:endParaRPr lang="en-US" dirty="0"/>
-          </a:p>
-          <a:p>
-            <a:pPr lvl="0"/>
-            <a:r>
-              <a:rPr lang="pt-PT" b="1" dirty="0"/>
-              <a:t>Target:</a:t>
-            </a:r>
-            <a:r>
-              <a:rPr lang="pt-PT" dirty="0"/>
-              <a:t> 0 erro (Medida 1); 15 segundos (Medida 2)</a:t>
-            </a:r>
-            <a:endParaRPr lang="en-US" dirty="0"/>
-          </a:p>
-          <a:p>
-            <a:pPr lvl="0"/>
-            <a:r>
-              <a:rPr lang="pt-PT" b="1" dirty="0"/>
-              <a:t>Optimal:</a:t>
-            </a:r>
-            <a:r>
-              <a:rPr lang="pt-PT" dirty="0"/>
-              <a:t> 0 erros cometidos (Medida 1); 5 segundos (Medida 2) </a:t>
-            </a:r>
-            <a:endParaRPr lang="en-US" dirty="0"/>
+              <a:rPr lang="pt-PT" sz="1400" dirty="0" smtClean="0">
+                <a:solidFill>
+                  <a:schemeClr val="accent1"/>
+                </a:solidFill>
+              </a:rPr>
+              <a:t> </a:t>
+            </a:r>
+            <a:r>
+              <a:rPr lang="pt-PT" sz="1400" dirty="0" smtClean="0"/>
+              <a:t> Tempo até concluir o registo, excluindo o preenchimento de cada campo.</a:t>
+            </a:r>
+          </a:p>
+          <a:p>
+            <a:r>
+              <a:rPr lang="pt-PT" sz="1400" b="1" dirty="0">
+                <a:solidFill>
+                  <a:schemeClr val="accent1"/>
+                </a:solidFill>
+              </a:rPr>
+              <a:t>Medida </a:t>
+            </a:r>
+            <a:r>
+              <a:rPr lang="pt-PT" sz="1400" b="1" dirty="0" smtClean="0">
+                <a:solidFill>
+                  <a:schemeClr val="accent1"/>
+                </a:solidFill>
+              </a:rPr>
+              <a:t>2:</a:t>
+            </a:r>
+            <a:r>
+              <a:rPr lang="pt-PT" sz="1400" dirty="0" smtClean="0">
+                <a:solidFill>
+                  <a:schemeClr val="accent1"/>
+                </a:solidFill>
+              </a:rPr>
+              <a:t> </a:t>
+            </a:r>
+            <a:r>
+              <a:rPr lang="pt-PT" sz="1400" dirty="0" smtClean="0"/>
+              <a:t> </a:t>
+            </a:r>
+            <a:r>
+              <a:rPr lang="pt-PT" sz="1400" dirty="0"/>
+              <a:t>Número de erros cometidos até iniciar o </a:t>
+            </a:r>
+            <a:r>
+              <a:rPr lang="pt-PT" sz="1400" dirty="0" smtClean="0"/>
+              <a:t>registo</a:t>
+            </a:r>
+          </a:p>
+          <a:p>
+            <a:r>
+              <a:rPr lang="pt-PT" sz="1400" b="1" dirty="0" smtClean="0">
+                <a:solidFill>
+                  <a:schemeClr val="accent1"/>
+                </a:solidFill>
+              </a:rPr>
+              <a:t>Medida 3:</a:t>
+            </a:r>
+            <a:r>
+              <a:rPr lang="pt-PT" sz="1400" dirty="0" smtClean="0">
+                <a:solidFill>
+                  <a:schemeClr val="accent1"/>
+                </a:solidFill>
+              </a:rPr>
+              <a:t> </a:t>
+            </a:r>
+            <a:r>
+              <a:rPr lang="pt-PT" sz="1400" dirty="0" smtClean="0"/>
+              <a:t> Número </a:t>
+            </a:r>
+            <a:r>
+              <a:rPr lang="pt-PT" sz="1400" dirty="0"/>
+              <a:t>de cliques necessários </a:t>
+            </a:r>
+            <a:endParaRPr lang="pt-PT" sz="1400" dirty="0" smtClean="0"/>
+          </a:p>
+          <a:p>
+            <a:r>
+              <a:rPr lang="pt-PT" sz="1400" b="1" dirty="0" smtClean="0">
+                <a:solidFill>
+                  <a:schemeClr val="accent1"/>
+                </a:solidFill>
+              </a:rPr>
+              <a:t>Método de medição: </a:t>
+            </a:r>
+            <a:r>
+              <a:rPr lang="pt-PT" sz="1400" dirty="0" smtClean="0"/>
+              <a:t> Criar uma conta de aluno para o Aníbal Silva, com o nome de utilizador </a:t>
+            </a:r>
+            <a:r>
+              <a:rPr lang="pt-PT" sz="1400" i="1" dirty="0" smtClean="0"/>
+              <a:t>“presidente”</a:t>
+            </a:r>
+            <a:r>
+              <a:rPr lang="pt-PT" sz="1400" dirty="0" smtClean="0"/>
+              <a:t>, password </a:t>
+            </a:r>
+            <a:r>
+              <a:rPr lang="pt-PT" sz="1400" i="1" dirty="0" smtClean="0"/>
+              <a:t>“maria”</a:t>
+            </a:r>
+            <a:r>
+              <a:rPr lang="pt-PT" sz="1400" dirty="0" smtClean="0"/>
+              <a:t>, e como método de contacto o e-mail “</a:t>
+            </a:r>
+            <a:r>
+              <a:rPr lang="pt-PT" sz="1400" dirty="0" err="1" smtClean="0"/>
+              <a:t>belem@presidencia.pt</a:t>
+            </a:r>
+            <a:r>
+              <a:rPr lang="pt-PT" sz="1400" dirty="0" smtClean="0"/>
+              <a:t>”.</a:t>
+            </a:r>
+          </a:p>
+          <a:p>
+            <a:endParaRPr lang="pt-BR" sz="1400" dirty="0"/>
           </a:p>
         </p:txBody>
       </p:sp>
     </p:spTree>
     <p:extLst>
       <p:ext uri="{BB962C8B-B14F-4D97-AF65-F5344CB8AC3E}">
-        <p14:creationId xmlns:p14="http://schemas.microsoft.com/office/powerpoint/2010/main" val="3906956799"/>
+        <p14:creationId xmlns:p14="http://schemas.microsoft.com/office/powerpoint/2010/main" val="514507583"/>
       </p:ext>
     </p:extLst>
   </p:cSld>
@@ -11910,8 +12453,16 @@
           <a:lstStyle/>
           <a:p>
             <a:r>
+              <a:rPr lang="pt-PT" dirty="0"/>
+              <a:t>Testes de Usabilidade </a:t>
+            </a:r>
+            <a:r>
               <a:rPr lang="pt-PT" dirty="0" smtClean="0"/>
-              <a:t>Perspectiva dos alunos 		4/6</a:t>
+              <a:t>		</a:t>
+            </a:r>
+            <a:r>
+              <a:rPr lang="pt-PT" dirty="0" smtClean="0"/>
+              <a:t>2/6</a:t>
             </a:r>
             <a:endParaRPr lang="pt-PT" dirty="0"/>
           </a:p>
@@ -12163,7 +12714,18 @@
                 </a:solidFill>
                 <a:latin typeface="+mj-lt"/>
               </a:rPr>
-              <a:t>Inscrever no curso</a:t>
+              <a:t>Entrar na </a:t>
+            </a:r>
+            <a:r>
+              <a:rPr lang="pt-PT" sz="2400" dirty="0" smtClean="0">
+                <a:solidFill>
+                  <a:schemeClr val="bg1">
+                    <a:lumMod val="65000"/>
+                  </a:schemeClr>
+                </a:solidFill>
+                <a:latin typeface="+mj-lt"/>
+              </a:rPr>
+              <a:t>conta (login)</a:t>
             </a:r>
             <a:endParaRPr lang="pt-PT" sz="2400" dirty="0">
               <a:solidFill>
@@ -12176,9 +12738,351 @@
           </a:p>
         </p:txBody>
       </p:sp>
-      <p:sp>
-        <p:nvSpPr>
-          <p:cNvPr id="9" name="Marcador de Posição de Conteúdo 2"/>
+      <p:graphicFrame>
+        <p:nvGraphicFramePr>
+          <p:cNvPr id="4" name="Tabela 3"/>
+          <p:cNvGraphicFramePr>
+            <a:graphicFrameLocks noGrp="1"/>
+          </p:cNvGraphicFramePr>
+          <p:nvPr>
+            <p:extLst>
+              <p:ext uri="{D42A27DB-BD31-4B8C-83A1-F6EECF244321}">
+                <p14:modId xmlns:p14="http://schemas.microsoft.com/office/powerpoint/2010/main" val="1690975899"/>
+              </p:ext>
+            </p:extLst>
+          </p:nvPr>
+        </p:nvGraphicFramePr>
+        <p:xfrm>
+          <a:off x="613214" y="4769224"/>
+          <a:ext cx="7326830" cy="1683275"/>
+        </p:xfrm>
+        <a:graphic>
+          <a:graphicData uri="http://schemas.openxmlformats.org/drawingml/2006/table">
+            <a:tbl>
+              <a:tblPr firstRow="1" firstCol="1" bandRow="1">
+                <a:tableStyleId>{5C22544A-7EE6-4342-B048-85BDC9FD1C3A}</a:tableStyleId>
+              </a:tblPr>
+              <a:tblGrid>
+                <a:gridCol w="1302548"/>
+                <a:gridCol w="1936376"/>
+                <a:gridCol w="2057400"/>
+                <a:gridCol w="2030506"/>
+              </a:tblGrid>
+              <a:tr h="336655">
+                <a:tc>
+                  <a:txBody>
+                    <a:bodyPr/>
+                    <a:lstStyle/>
+                    <a:p>
+                      <a:pPr algn="ctr"/>
+                      <a:endParaRPr lang="pt-PT" sz="1400" dirty="0"/>
+                    </a:p>
+                  </a:txBody>
+                  <a:tcPr>
+                    <a:noFill/>
+                  </a:tcPr>
+                </a:tc>
+                <a:tc>
+                  <a:txBody>
+                    <a:bodyPr/>
+                    <a:lstStyle/>
+                    <a:p>
+                      <a:pPr algn="ctr"/>
+                      <a:r>
+                        <a:rPr lang="pt-PT" sz="1400" dirty="0" smtClean="0"/>
+                        <a:t>Tempo (Medida</a:t>
+                      </a:r>
+                      <a:r>
+                        <a:rPr lang="pt-PT" sz="1400" baseline="0" dirty="0" smtClean="0"/>
+                        <a:t> 1)</a:t>
+                      </a:r>
+                      <a:endParaRPr lang="pt-PT" sz="1400" dirty="0"/>
+                    </a:p>
+                  </a:txBody>
+                  <a:tcPr/>
+                </a:tc>
+                <a:tc>
+                  <a:txBody>
+                    <a:bodyPr/>
+                    <a:lstStyle/>
+                    <a:p>
+                      <a:pPr algn="ctr"/>
+                      <a:r>
+                        <a:rPr lang="pt-PT" sz="1400" dirty="0" smtClean="0"/>
+                        <a:t>Erros </a:t>
+                      </a:r>
+                      <a:r>
+                        <a:rPr lang="pt-PT" sz="1400" dirty="0" smtClean="0"/>
+                        <a:t>(Medida</a:t>
+                      </a:r>
+                      <a:r>
+                        <a:rPr lang="pt-PT" sz="1400" baseline="0" dirty="0" smtClean="0"/>
+                        <a:t> 2)</a:t>
+                      </a:r>
+                      <a:endParaRPr lang="pt-PT" sz="1400" dirty="0"/>
+                    </a:p>
+                  </a:txBody>
+                  <a:tcPr/>
+                </a:tc>
+                <a:tc>
+                  <a:txBody>
+                    <a:bodyPr/>
+                    <a:lstStyle/>
+                    <a:p>
+                      <a:pPr algn="ctr"/>
+                      <a:r>
+                        <a:rPr lang="pt-PT" sz="1400" dirty="0" smtClean="0"/>
+                        <a:t>Cliques (Medida 3)</a:t>
+                      </a:r>
+                      <a:endParaRPr lang="pt-PT" sz="1400" dirty="0"/>
+                    </a:p>
+                  </a:txBody>
+                  <a:tcPr/>
+                </a:tc>
+              </a:tr>
+              <a:tr h="336655">
+                <a:tc>
+                  <a:txBody>
+                    <a:bodyPr/>
+                    <a:lstStyle/>
+                    <a:p>
+                      <a:pPr algn="ctr"/>
+                      <a:r>
+                        <a:rPr lang="pt-PT" sz="1400" dirty="0" err="1" smtClean="0"/>
+                        <a:t>Actual</a:t>
+                      </a:r>
+                      <a:endParaRPr lang="pt-PT" sz="1400" dirty="0"/>
+                    </a:p>
+                  </a:txBody>
+                  <a:tcPr/>
+                </a:tc>
+                <a:tc>
+                  <a:txBody>
+                    <a:bodyPr/>
+                    <a:lstStyle/>
+                    <a:p>
+                      <a:pPr algn="ctr"/>
+                      <a:r>
+                        <a:rPr lang="pt-PT" sz="1400" dirty="0" smtClean="0"/>
+                        <a:t>10 segundos</a:t>
+                      </a:r>
+                      <a:endParaRPr lang="pt-PT" sz="1400" dirty="0"/>
+                    </a:p>
+                  </a:txBody>
+                  <a:tcPr/>
+                </a:tc>
+                <a:tc>
+                  <a:txBody>
+                    <a:bodyPr/>
+                    <a:lstStyle/>
+                    <a:p>
+                      <a:pPr algn="ctr"/>
+                      <a:r>
+                        <a:rPr lang="pt-PT" sz="1400" dirty="0" smtClean="0"/>
+                        <a:t>1</a:t>
+                      </a:r>
+                      <a:endParaRPr lang="pt-PT" sz="1400" dirty="0"/>
+                    </a:p>
+                  </a:txBody>
+                  <a:tcPr/>
+                </a:tc>
+                <a:tc>
+                  <a:txBody>
+                    <a:bodyPr/>
+                    <a:lstStyle/>
+                    <a:p>
+                      <a:pPr algn="ctr"/>
+                      <a:endParaRPr lang="pt-PT" sz="1400" dirty="0"/>
+                    </a:p>
+                  </a:txBody>
+                  <a:tcPr/>
+                </a:tc>
+              </a:tr>
+              <a:tr h="336655">
+                <a:tc>
+                  <a:txBody>
+                    <a:bodyPr/>
+                    <a:lstStyle/>
+                    <a:p>
+                      <a:pPr algn="ctr"/>
+                      <a:r>
+                        <a:rPr lang="pt-PT" sz="1400" dirty="0" smtClean="0"/>
+                        <a:t>Aceit</a:t>
+                      </a:r>
+                      <a:r>
+                        <a:rPr lang="pt-PT" sz="1400" dirty="0" smtClean="0"/>
+                        <a:t>ável</a:t>
+                      </a:r>
+                      <a:endParaRPr lang="pt-PT" sz="1400" dirty="0"/>
+                    </a:p>
+                  </a:txBody>
+                  <a:tcPr/>
+                </a:tc>
+                <a:tc>
+                  <a:txBody>
+                    <a:bodyPr/>
+                    <a:lstStyle/>
+                    <a:p>
+                      <a:pPr algn="ctr"/>
+                      <a:r>
+                        <a:rPr lang="pt-PT" sz="1400" dirty="0" smtClean="0"/>
+                        <a:t>30 segundos</a:t>
+                      </a:r>
+                      <a:endParaRPr lang="pt-PT" sz="1400" dirty="0"/>
+                    </a:p>
+                  </a:txBody>
+                  <a:tcPr/>
+                </a:tc>
+                <a:tc>
+                  <a:txBody>
+                    <a:bodyPr/>
+                    <a:lstStyle/>
+                    <a:p>
+                      <a:pPr algn="ctr"/>
+                      <a:r>
+                        <a:rPr lang="pt-PT" sz="1400" dirty="0" smtClean="0"/>
+                        <a:t>3</a:t>
+                      </a:r>
+                      <a:endParaRPr lang="pt-PT" sz="1400" dirty="0"/>
+                    </a:p>
+                  </a:txBody>
+                  <a:tcPr/>
+                </a:tc>
+                <a:tc>
+                  <a:txBody>
+                    <a:bodyPr/>
+                    <a:lstStyle/>
+                    <a:p>
+                      <a:pPr algn="ctr"/>
+                      <a:endParaRPr lang="pt-PT" sz="1400" dirty="0"/>
+                    </a:p>
+                  </a:txBody>
+                  <a:tcPr/>
+                </a:tc>
+              </a:tr>
+              <a:tr h="336655">
+                <a:tc>
+                  <a:txBody>
+                    <a:bodyPr/>
+                    <a:lstStyle/>
+                    <a:p>
+                      <a:pPr algn="ctr"/>
+                      <a:r>
+                        <a:rPr lang="pt-PT" sz="1400" dirty="0" err="1" smtClean="0"/>
+                        <a:t>Objectivo</a:t>
+                      </a:r>
+                      <a:endParaRPr lang="pt-PT" sz="1400" dirty="0"/>
+                    </a:p>
+                  </a:txBody>
+                  <a:tcPr/>
+                </a:tc>
+                <a:tc>
+                  <a:txBody>
+                    <a:bodyPr/>
+                    <a:lstStyle/>
+                    <a:p>
+                      <a:pPr algn="ctr"/>
+                      <a:r>
+                        <a:rPr lang="pt-PT" sz="1400" dirty="0" smtClean="0"/>
+                        <a:t>15 segundos</a:t>
+                      </a:r>
+                      <a:endParaRPr lang="pt-PT" sz="1400" dirty="0"/>
+                    </a:p>
+                  </a:txBody>
+                  <a:tcPr/>
+                </a:tc>
+                <a:tc>
+                  <a:txBody>
+                    <a:bodyPr/>
+                    <a:lstStyle/>
+                    <a:p>
+                      <a:pPr algn="ctr"/>
+                      <a:r>
+                        <a:rPr lang="pt-PT" sz="1400" dirty="0" smtClean="0"/>
+                        <a:t>0</a:t>
+                      </a:r>
+                      <a:endParaRPr lang="pt-PT" sz="1400" dirty="0"/>
+                    </a:p>
+                  </a:txBody>
+                  <a:tcPr/>
+                </a:tc>
+                <a:tc>
+                  <a:txBody>
+                    <a:bodyPr/>
+                    <a:lstStyle/>
+                    <a:p>
+                      <a:pPr algn="ctr"/>
+                      <a:endParaRPr lang="pt-PT" sz="1400" dirty="0"/>
+                    </a:p>
+                  </a:txBody>
+                  <a:tcPr/>
+                </a:tc>
+              </a:tr>
+              <a:tr h="336655">
+                <a:tc>
+                  <a:txBody>
+                    <a:bodyPr/>
+                    <a:lstStyle/>
+                    <a:p>
+                      <a:pPr algn="ctr"/>
+                      <a:r>
+                        <a:rPr lang="pt-PT" sz="1400" dirty="0" smtClean="0"/>
+                        <a:t>Ideal</a:t>
+                      </a:r>
+                      <a:endParaRPr lang="pt-PT" sz="1400" dirty="0"/>
+                    </a:p>
+                  </a:txBody>
+                  <a:tcPr/>
+                </a:tc>
+                <a:tc>
+                  <a:txBody>
+                    <a:bodyPr/>
+                    <a:lstStyle/>
+                    <a:p>
+                      <a:pPr algn="ctr"/>
+                      <a:r>
+                        <a:rPr lang="pt-PT" sz="1400" dirty="0" smtClean="0"/>
+                        <a:t>5 segundos</a:t>
+                      </a:r>
+                      <a:endParaRPr lang="pt-PT" sz="1400" dirty="0"/>
+                    </a:p>
+                  </a:txBody>
+                  <a:tcPr/>
+                </a:tc>
+                <a:tc>
+                  <a:txBody>
+                    <a:bodyPr/>
+                    <a:lstStyle/>
+                    <a:p>
+                      <a:pPr algn="ctr"/>
+                      <a:r>
+                        <a:rPr lang="pt-PT" sz="1400" dirty="0" smtClean="0"/>
+                        <a:t>0</a:t>
+                      </a:r>
+                      <a:endParaRPr lang="pt-PT" sz="1400" dirty="0"/>
+                    </a:p>
+                  </a:txBody>
+                  <a:tcPr/>
+                </a:tc>
+                <a:tc>
+                  <a:txBody>
+                    <a:bodyPr/>
+                    <a:lstStyle/>
+                    <a:p>
+                      <a:pPr algn="ctr"/>
+                      <a:endParaRPr lang="pt-PT" sz="1400" dirty="0"/>
+                    </a:p>
+                  </a:txBody>
+                  <a:tcPr/>
+                </a:tc>
+              </a:tr>
+            </a:tbl>
+          </a:graphicData>
+        </a:graphic>
+      </p:graphicFrame>
+      <p:sp>
+        <p:nvSpPr>
+          <p:cNvPr id="10" name="Marcador de Posição de Conteúdo 2"/>
           <p:cNvSpPr>
             <a:spLocks noGrp="1"/>
           </p:cNvSpPr>
@@ -12188,85 +13092,166 @@
         </p:nvSpPr>
         <p:spPr>
           <a:xfrm>
-            <a:off x="498473" y="2129118"/>
-            <a:ext cx="8348992" cy="4324597"/>
+            <a:off x="498473" y="2052918"/>
+            <a:ext cx="8349692" cy="2263588"/>
           </a:xfrm>
         </p:spPr>
         <p:txBody>
           <a:bodyPr>
-            <a:normAutofit fontScale="92500" lnSpcReduction="10000"/>
+            <a:noAutofit/>
           </a:bodyPr>
           <a:lstStyle/>
           <a:p>
-            <a:r>
-              <a:rPr lang="pt-PT" dirty="0"/>
-              <a:t>Atributo – Facilidade em inscrever num curso para o frequentar</a:t>
-            </a:r>
-            <a:endParaRPr lang="en-US" dirty="0"/>
-          </a:p>
-          <a:p>
-            <a:r>
-              <a:rPr lang="pt-PT" dirty="0"/>
-              <a:t>Medida – Tempo e cliques necessários e erros feitos até fazer a inscrição para </a:t>
-            </a:r>
-            <a:r>
-              <a:rPr lang="pt-PT" dirty="0" smtClean="0"/>
-              <a:t>frequentar.</a:t>
-            </a:r>
-            <a:endParaRPr lang="pt-PT" dirty="0"/>
-          </a:p>
-          <a:p>
-            <a:r>
-              <a:rPr lang="pt-PT" dirty="0" smtClean="0"/>
-              <a:t>Método </a:t>
-            </a:r>
-            <a:r>
-              <a:rPr lang="pt-PT" dirty="0"/>
-              <a:t>de medição – Estando na página de um curso (por exemplo, Gestão), clicar no botão Frequentar Curso, excluindo tempo de ler descrições ou ver vídeos de </a:t>
-            </a:r>
-            <a:r>
-              <a:rPr lang="pt-PT" dirty="0" smtClean="0"/>
-              <a:t>apresentação.</a:t>
-            </a:r>
-          </a:p>
-          <a:p>
-            <a:r>
-              <a:rPr lang="pt-PT" dirty="0" smtClean="0"/>
-              <a:t>Actual </a:t>
-            </a:r>
-            <a:r>
-              <a:rPr lang="pt-PT" dirty="0"/>
-              <a:t>– 30 segundos, 1 erro, 2 cliques</a:t>
-            </a:r>
-            <a:endParaRPr lang="en-US" dirty="0"/>
-          </a:p>
-          <a:p>
-            <a:r>
-              <a:rPr lang="pt-PT" dirty="0"/>
-              <a:t>Aceitável – 40 segundos, 1 erro, 3 cliques</a:t>
-            </a:r>
-            <a:endParaRPr lang="en-US" dirty="0"/>
-          </a:p>
-          <a:p>
-            <a:r>
-              <a:rPr lang="pt-PT" dirty="0"/>
-              <a:t>Objectivo – 20 segundos, 0 erros, 1 clique</a:t>
-            </a:r>
-            <a:endParaRPr lang="en-US" dirty="0"/>
-          </a:p>
-          <a:p>
-            <a:r>
-              <a:rPr lang="pt-PT" dirty="0"/>
-              <a:t>Ideal – 10 segundos, 0 erros, 1 clique</a:t>
-            </a:r>
-            <a:endParaRPr lang="en-US" sz="2400" dirty="0"/>
+            <a:pPr lvl="0"/>
+            <a:r>
+              <a:rPr lang="pt-PT" sz="1400" b="1" dirty="0">
+                <a:solidFill>
+                  <a:schemeClr val="accent1"/>
+                </a:solidFill>
+              </a:rPr>
+              <a:t>Atributo:</a:t>
+            </a:r>
+            <a:r>
+              <a:rPr lang="pt-PT" sz="1400" dirty="0">
+                <a:solidFill>
+                  <a:schemeClr val="accent1"/>
+                </a:solidFill>
+              </a:rPr>
+              <a:t> </a:t>
+            </a:r>
+            <a:r>
+              <a:rPr lang="pt-PT" sz="1400" dirty="0"/>
+              <a:t>Facilidade em entrar na conta do utilizador (LOGIN)</a:t>
+            </a:r>
+            <a:endParaRPr lang="en-US" sz="1400" dirty="0"/>
+          </a:p>
+          <a:p>
+            <a:pPr lvl="0"/>
+            <a:r>
+              <a:rPr lang="pt-PT" sz="1400" b="1" dirty="0">
+                <a:solidFill>
+                  <a:schemeClr val="accent1"/>
+                </a:solidFill>
+              </a:rPr>
+              <a:t>Medida 1:</a:t>
+            </a:r>
+            <a:r>
+              <a:rPr lang="pt-PT" sz="1400" dirty="0">
+                <a:solidFill>
+                  <a:schemeClr val="accent1"/>
+                </a:solidFill>
+              </a:rPr>
+              <a:t> </a:t>
+            </a:r>
+            <a:r>
+              <a:rPr lang="pt-PT" sz="1400" dirty="0" smtClean="0"/>
+              <a:t>N</a:t>
+            </a:r>
+            <a:r>
+              <a:rPr lang="pt-PT" sz="1400" dirty="0" smtClean="0"/>
+              <a:t>úmero</a:t>
+            </a:r>
+            <a:r>
+              <a:rPr lang="pt-PT" sz="1400" dirty="0" smtClean="0"/>
+              <a:t> </a:t>
+            </a:r>
+            <a:r>
+              <a:rPr lang="pt-PT" sz="1400" dirty="0"/>
+              <a:t>de erros cometidos</a:t>
+            </a:r>
+            <a:endParaRPr lang="en-US" sz="1400" dirty="0"/>
+          </a:p>
+          <a:p>
+            <a:pPr lvl="0"/>
+            <a:r>
+              <a:rPr lang="pt-PT" sz="1400" b="1" dirty="0">
+                <a:solidFill>
+                  <a:schemeClr val="accent1"/>
+                </a:solidFill>
+              </a:rPr>
+              <a:t>Medida 2: </a:t>
+            </a:r>
+            <a:r>
+              <a:rPr lang="pt-PT" sz="1400" dirty="0" smtClean="0"/>
+              <a:t>Tempo </a:t>
+            </a:r>
+            <a:r>
+              <a:rPr lang="pt-PT" sz="1400" dirty="0"/>
+              <a:t>que demora a identificar e selecionar o botão de “Entrar na conta</a:t>
+            </a:r>
+            <a:r>
+              <a:rPr lang="pt-PT" sz="1400" dirty="0" smtClean="0"/>
+              <a:t>”</a:t>
+            </a:r>
+          </a:p>
+          <a:p>
+            <a:r>
+              <a:rPr lang="pt-PT" sz="1400" b="1" dirty="0">
+                <a:solidFill>
+                  <a:schemeClr val="accent1"/>
+                </a:solidFill>
+              </a:rPr>
+              <a:t>Medida </a:t>
+            </a:r>
+            <a:r>
+              <a:rPr lang="pt-PT" sz="1400" b="1" dirty="0" smtClean="0">
+                <a:solidFill>
+                  <a:schemeClr val="accent1"/>
+                </a:solidFill>
+              </a:rPr>
+              <a:t>3:</a:t>
+            </a:r>
+            <a:r>
+              <a:rPr lang="pt-PT" sz="1400" dirty="0" smtClean="0">
+                <a:solidFill>
+                  <a:schemeClr val="accent1"/>
+                </a:solidFill>
+              </a:rPr>
+              <a:t> </a:t>
+            </a:r>
+            <a:r>
+              <a:rPr lang="pt-PT" sz="1400" dirty="0" smtClean="0"/>
+              <a:t> </a:t>
+            </a:r>
+            <a:r>
+              <a:rPr lang="pt-PT" sz="1400" dirty="0"/>
+              <a:t>Número de cliques necessários </a:t>
+            </a:r>
+            <a:endParaRPr lang="en-US" sz="1400" dirty="0"/>
+          </a:p>
+          <a:p>
+            <a:pPr lvl="0"/>
+            <a:r>
+              <a:rPr lang="pt-PT" sz="1400" b="1" dirty="0">
+                <a:solidFill>
+                  <a:schemeClr val="accent1"/>
+                </a:solidFill>
+              </a:rPr>
+              <a:t>Método da Medição:</a:t>
+            </a:r>
+            <a:r>
+              <a:rPr lang="pt-PT" sz="1400" dirty="0">
+                <a:solidFill>
+                  <a:schemeClr val="accent1"/>
+                </a:solidFill>
+              </a:rPr>
+              <a:t> </a:t>
+            </a:r>
+            <a:r>
+              <a:rPr lang="pt-PT" sz="1400" dirty="0"/>
+              <a:t>Carregar no botão “Entrar na Conta”, para entrar na sua conta e preencher os campos: “Nome de utilizador” e “Palavra Chave”.</a:t>
+            </a:r>
+            <a:endParaRPr lang="en-US" sz="1400" dirty="0"/>
+          </a:p>
+          <a:p>
+            <a:endParaRPr lang="pt-BR" sz="1400" dirty="0"/>
           </a:p>
         </p:txBody>
       </p:sp>
     </p:spTree>
     <p:extLst>
       <p:ext uri="{BB962C8B-B14F-4D97-AF65-F5344CB8AC3E}">
-        <p14:creationId xmlns:p14="http://schemas.microsoft.com/office/powerpoint/2010/main" val="3906956799"/>
+        <p14:creationId xmlns:p14="http://schemas.microsoft.com/office/powerpoint/2010/main" val="1239260080"/>
       </p:ext>
     </p:extLst>
   </p:cSld>
@@ -12316,8 +13301,20 @@
           <a:lstStyle/>
           <a:p>
             <a:r>
+              <a:rPr lang="pt-PT" dirty="0"/>
+              <a:t>Testes de Usabilidade </a:t>
+            </a:r>
+            <a:r>
               <a:rPr lang="pt-PT" dirty="0" smtClean="0"/>
-              <a:t>Perspectiva dos alunos 		5/6</a:t>
+              <a:t>		</a:t>
+            </a:r>
+            <a:r>
+              <a:rPr lang="pt-PT" dirty="0"/>
+              <a:t>3</a:t>
+            </a:r>
+            <a:r>
+              <a:rPr lang="pt-PT" dirty="0" smtClean="0"/>
+              <a:t>/6</a:t>
             </a:r>
             <a:endParaRPr lang="pt-PT" dirty="0"/>
           </a:p>
@@ -12561,30 +13558,21 @@
               <a:buNone/>
             </a:pPr>
             <a:r>
-              <a:rPr lang="pt-PT" sz="2400" dirty="0" smtClean="0">
+              <a:rPr lang="pt-PT" sz="2400" dirty="0">
                 <a:solidFill>
                   <a:schemeClr val="bg1">
                     <a:lumMod val="65000"/>
                   </a:schemeClr>
                 </a:solidFill>
-                <a:latin typeface="+mj-lt"/>
               </a:rPr>
-              <a:t>Iniciar visualização do vídeo</a:t>
-            </a:r>
-            <a:endParaRPr lang="pt-PT" sz="2400" dirty="0">
-              <a:solidFill>
-                <a:schemeClr val="bg1">
-                  <a:lumMod val="65000"/>
-                </a:schemeClr>
-              </a:solidFill>
-              <a:latin typeface="+mj-lt"/>
-            </a:endParaRPr>
-          </a:p>
-        </p:txBody>
-      </p:sp>
-      <p:sp>
-        <p:nvSpPr>
-          <p:cNvPr id="9" name="Marcador de Posição de Conteúdo 2"/>
+              <a:t>Pesquisar curso pelo nome</a:t>
+            </a:r>
+          </a:p>
+        </p:txBody>
+      </p:sp>
+      <p:sp>
+        <p:nvSpPr>
+          <p:cNvPr id="10" name="Marcador de Posição de Conteúdo 2"/>
           <p:cNvSpPr>
             <a:spLocks noGrp="1"/>
           </p:cNvSpPr>
@@ -12594,28 +13582,496 @@
         </p:nvSpPr>
         <p:spPr>
           <a:xfrm>
-            <a:off x="498473" y="2129118"/>
-            <a:ext cx="8348992" cy="4324597"/>
+            <a:off x="498473" y="1896035"/>
+            <a:ext cx="8228668" cy="2932503"/>
           </a:xfrm>
         </p:spPr>
         <p:txBody>
           <a:bodyPr>
-            <a:normAutofit/>
+            <a:noAutofit/>
           </a:bodyPr>
           <a:lstStyle/>
           <a:p>
-            <a:r>
-              <a:rPr lang="pt-PT" dirty="0"/>
-              <a:t>Atributo – </a:t>
-            </a:r>
-            <a:endParaRPr lang="en-US" sz="2400" dirty="0"/>
-          </a:p>
-        </p:txBody>
-      </p:sp>
+            <a:pPr lvl="0"/>
+            <a:r>
+              <a:rPr lang="pt-PT" sz="1400" b="1" dirty="0">
+                <a:solidFill>
+                  <a:schemeClr val="accent1"/>
+                </a:solidFill>
+              </a:rPr>
+              <a:t>Atributo:</a:t>
+            </a:r>
+            <a:r>
+              <a:rPr lang="pt-PT" sz="1400" dirty="0">
+                <a:solidFill>
+                  <a:schemeClr val="accent1"/>
+                </a:solidFill>
+              </a:rPr>
+              <a:t> </a:t>
+            </a:r>
+            <a:r>
+              <a:rPr lang="pt-PT" sz="1400" dirty="0"/>
+              <a:t>Facilidade em pesquisar um curso pelo nome</a:t>
+            </a:r>
+            <a:endParaRPr lang="en-US" sz="1400" dirty="0"/>
+          </a:p>
+          <a:p>
+            <a:pPr lvl="0"/>
+            <a:r>
+              <a:rPr lang="pt-PT" sz="1400" b="1" dirty="0">
+                <a:solidFill>
+                  <a:schemeClr val="accent1"/>
+                </a:solidFill>
+              </a:rPr>
+              <a:t>Medida </a:t>
+            </a:r>
+            <a:r>
+              <a:rPr lang="pt-PT" sz="1400" b="1" dirty="0" smtClean="0">
+                <a:solidFill>
+                  <a:schemeClr val="accent1"/>
+                </a:solidFill>
+              </a:rPr>
+              <a:t>1: </a:t>
+            </a:r>
+            <a:r>
+              <a:rPr lang="pt-PT" sz="1400" dirty="0" smtClean="0"/>
+              <a:t>N</a:t>
+            </a:r>
+            <a:r>
+              <a:rPr lang="pt-PT" sz="1400" dirty="0" smtClean="0"/>
+              <a:t>úmero </a:t>
+            </a:r>
+            <a:r>
+              <a:rPr lang="pt-PT" sz="1400" dirty="0" smtClean="0"/>
+              <a:t>de </a:t>
+            </a:r>
+            <a:r>
+              <a:rPr lang="pt-PT" sz="1400" dirty="0"/>
+              <a:t>erros cometidos</a:t>
+            </a:r>
+            <a:endParaRPr lang="en-US" sz="1400" dirty="0"/>
+          </a:p>
+          <a:p>
+            <a:pPr lvl="0"/>
+            <a:r>
+              <a:rPr lang="pt-PT" sz="1400" b="1" dirty="0">
+                <a:solidFill>
+                  <a:schemeClr val="accent1"/>
+                </a:solidFill>
+              </a:rPr>
+              <a:t>Medida 2: </a:t>
+            </a:r>
+            <a:r>
+              <a:rPr lang="pt-PT" sz="1400" dirty="0" smtClean="0"/>
+              <a:t>Tempo </a:t>
+            </a:r>
+            <a:r>
+              <a:rPr lang="pt-PT" sz="1400" dirty="0"/>
+              <a:t>que demora a identificar e selecionar a zona de escrita para a pesquisa dos cursos por nome (“Pesquisa por nome”), sem contar com o tempo que demora a escrever o </a:t>
+            </a:r>
+            <a:r>
+              <a:rPr lang="pt-PT" sz="1400" dirty="0" smtClean="0"/>
+              <a:t>nome do curso.</a:t>
+            </a:r>
+          </a:p>
+          <a:p>
+            <a:r>
+              <a:rPr lang="pt-PT" sz="1400" b="1" dirty="0">
+                <a:solidFill>
+                  <a:schemeClr val="accent1"/>
+                </a:solidFill>
+              </a:rPr>
+              <a:t>Medida 3:</a:t>
+            </a:r>
+            <a:r>
+              <a:rPr lang="pt-PT" sz="1400" dirty="0">
+                <a:solidFill>
+                  <a:schemeClr val="accent1"/>
+                </a:solidFill>
+              </a:rPr>
+              <a:t> </a:t>
+            </a:r>
+            <a:r>
+              <a:rPr lang="pt-PT" sz="1400" dirty="0"/>
+              <a:t> Número de cliques necessários </a:t>
+            </a:r>
+            <a:endParaRPr lang="en-US" sz="1400" dirty="0"/>
+          </a:p>
+          <a:p>
+            <a:pPr lvl="0"/>
+            <a:r>
+              <a:rPr lang="pt-PT" sz="1400" b="1" dirty="0">
+                <a:solidFill>
+                  <a:schemeClr val="accent1"/>
+                </a:solidFill>
+              </a:rPr>
+              <a:t>Método da Medição:</a:t>
+            </a:r>
+            <a:r>
+              <a:rPr lang="pt-PT" sz="1400" dirty="0">
+                <a:solidFill>
+                  <a:schemeClr val="accent1"/>
+                </a:solidFill>
+              </a:rPr>
+              <a:t> </a:t>
+            </a:r>
+            <a:r>
+              <a:rPr lang="pt-PT" sz="1400" dirty="0"/>
+              <a:t>Identificar o local da “Pesquisa por nome” e colocar o nome do curso “Agricultura - Iniciantes” e selecionar no curso que aparece.</a:t>
+            </a:r>
+            <a:endParaRPr lang="en-US" sz="1400" dirty="0"/>
+          </a:p>
+          <a:p>
+            <a:endParaRPr lang="pt-BR" sz="1400" dirty="0"/>
+          </a:p>
+        </p:txBody>
+      </p:sp>
+      <p:graphicFrame>
+        <p:nvGraphicFramePr>
+          <p:cNvPr id="6" name="Tabela 5"/>
+          <p:cNvGraphicFramePr>
+            <a:graphicFrameLocks noGrp="1"/>
+          </p:cNvGraphicFramePr>
+          <p:nvPr>
+            <p:extLst>
+              <p:ext uri="{D42A27DB-BD31-4B8C-83A1-F6EECF244321}">
+                <p14:modId xmlns:p14="http://schemas.microsoft.com/office/powerpoint/2010/main" val="1197999688"/>
+              </p:ext>
+            </p:extLst>
+          </p:nvPr>
+        </p:nvGraphicFramePr>
+        <p:xfrm>
+          <a:off x="613214" y="4949562"/>
+          <a:ext cx="7326830" cy="1683275"/>
+        </p:xfrm>
+        <a:graphic>
+          <a:graphicData uri="http://schemas.openxmlformats.org/drawingml/2006/table">
+            <a:tbl>
+              <a:tblPr firstRow="1" firstCol="1" bandRow="1">
+                <a:tableStyleId>{5C22544A-7EE6-4342-B048-85BDC9FD1C3A}</a:tableStyleId>
+              </a:tblPr>
+              <a:tblGrid>
+                <a:gridCol w="1302548"/>
+                <a:gridCol w="1936376"/>
+                <a:gridCol w="2057400"/>
+                <a:gridCol w="2030506"/>
+              </a:tblGrid>
+              <a:tr h="336655">
+                <a:tc>
+                  <a:txBody>
+                    <a:bodyPr/>
+                    <a:lstStyle/>
+                    <a:p>
+                      <a:pPr algn="ctr"/>
+                      <a:endParaRPr lang="pt-PT" sz="1400" dirty="0"/>
+                    </a:p>
+                  </a:txBody>
+                  <a:tcPr>
+                    <a:noFill/>
+                  </a:tcPr>
+                </a:tc>
+                <a:tc>
+                  <a:txBody>
+                    <a:bodyPr/>
+                    <a:lstStyle/>
+                    <a:p>
+                      <a:pPr algn="ctr"/>
+                      <a:r>
+                        <a:rPr lang="pt-PT" sz="1400" dirty="0" smtClean="0"/>
+                        <a:t>Tempo (Medida</a:t>
+                      </a:r>
+                      <a:r>
+                        <a:rPr lang="pt-PT" sz="1400" baseline="0" dirty="0" smtClean="0"/>
+                        <a:t> 1)</a:t>
+                      </a:r>
+                      <a:endParaRPr lang="pt-PT" sz="1400" dirty="0"/>
+                    </a:p>
+                  </a:txBody>
+                  <a:tcPr/>
+                </a:tc>
+                <a:tc>
+                  <a:txBody>
+                    <a:bodyPr/>
+                    <a:lstStyle/>
+                    <a:p>
+                      <a:pPr algn="ctr"/>
+                      <a:r>
+                        <a:rPr lang="pt-PT" sz="1400" dirty="0" smtClean="0"/>
+                        <a:t>Erros </a:t>
+                      </a:r>
+                      <a:r>
+                        <a:rPr lang="pt-PT" sz="1400" dirty="0" smtClean="0"/>
+                        <a:t>(Medida</a:t>
+                      </a:r>
+                      <a:r>
+                        <a:rPr lang="pt-PT" sz="1400" baseline="0" dirty="0" smtClean="0"/>
+                        <a:t> 2)</a:t>
+                      </a:r>
+                      <a:endParaRPr lang="pt-PT" sz="1400" dirty="0"/>
+                    </a:p>
+                  </a:txBody>
+                  <a:tcPr/>
+                </a:tc>
+                <a:tc>
+                  <a:txBody>
+                    <a:bodyPr/>
+                    <a:lstStyle/>
+                    <a:p>
+                      <a:pPr algn="ctr"/>
+                      <a:r>
+                        <a:rPr lang="pt-PT" sz="1400" dirty="0" smtClean="0"/>
+                        <a:t>Cliques (Medida 3)</a:t>
+                      </a:r>
+                      <a:endParaRPr lang="pt-PT" sz="1400" dirty="0"/>
+                    </a:p>
+                  </a:txBody>
+                  <a:tcPr/>
+                </a:tc>
+              </a:tr>
+              <a:tr h="336655">
+                <a:tc>
+                  <a:txBody>
+                    <a:bodyPr/>
+                    <a:lstStyle/>
+                    <a:p>
+                      <a:pPr algn="ctr"/>
+                      <a:r>
+                        <a:rPr lang="pt-PT" sz="1400" dirty="0" err="1" smtClean="0"/>
+                        <a:t>Actual</a:t>
+                      </a:r>
+                      <a:endParaRPr lang="pt-PT" sz="1400" dirty="0"/>
+                    </a:p>
+                  </a:txBody>
+                  <a:tcPr/>
+                </a:tc>
+                <a:tc>
+                  <a:txBody>
+                    <a:bodyPr/>
+                    <a:lstStyle/>
+                    <a:p>
+                      <a:pPr algn="ctr"/>
+                      <a:r>
+                        <a:rPr lang="pt-PT" sz="1400" dirty="0" smtClean="0"/>
+                        <a:t>10 segundos</a:t>
+                      </a:r>
+                      <a:endParaRPr lang="pt-PT" sz="1400" dirty="0"/>
+                    </a:p>
+                  </a:txBody>
+                  <a:tcPr/>
+                </a:tc>
+                <a:tc>
+                  <a:txBody>
+                    <a:bodyPr/>
+                    <a:lstStyle/>
+                    <a:p>
+                      <a:pPr algn="ctr"/>
+                      <a:r>
+                        <a:rPr lang="pt-PT" sz="1400" dirty="0" smtClean="0"/>
+                        <a:t>0</a:t>
+                      </a:r>
+                      <a:endParaRPr lang="pt-PT" sz="1400" dirty="0"/>
+                    </a:p>
+                  </a:txBody>
+                  <a:tcPr/>
+                </a:tc>
+                <a:tc>
+                  <a:txBody>
+                    <a:bodyPr/>
+                    <a:lstStyle/>
+                    <a:p>
+                      <a:pPr algn="ctr"/>
+                      <a:endParaRPr lang="pt-PT" sz="1400" dirty="0"/>
+                    </a:p>
+                  </a:txBody>
+                  <a:tcPr/>
+                </a:tc>
+              </a:tr>
+              <a:tr h="336655">
+                <a:tc>
+                  <a:txBody>
+                    <a:bodyPr/>
+                    <a:lstStyle/>
+                    <a:p>
+                      <a:pPr algn="ctr"/>
+                      <a:r>
+                        <a:rPr lang="pt-PT" sz="1400" dirty="0" smtClean="0"/>
+                        <a:t>Aceit</a:t>
+                      </a:r>
+                      <a:r>
+                        <a:rPr lang="pt-PT" sz="1400" dirty="0" smtClean="0"/>
+                        <a:t>ável</a:t>
+                      </a:r>
+                      <a:endParaRPr lang="pt-PT" sz="1400" dirty="0"/>
+                    </a:p>
+                  </a:txBody>
+                  <a:tcPr/>
+                </a:tc>
+                <a:tc>
+                  <a:txBody>
+                    <a:bodyPr/>
+                    <a:lstStyle/>
+                    <a:p>
+                      <a:pPr algn="ctr"/>
+                      <a:r>
+                        <a:rPr lang="pt-PT" sz="1400" dirty="0" smtClean="0"/>
+                        <a:t>30 segundos</a:t>
+                      </a:r>
+                      <a:endParaRPr lang="pt-PT" sz="1400" dirty="0"/>
+                    </a:p>
+                  </a:txBody>
+                  <a:tcPr/>
+                </a:tc>
+                <a:tc>
+                  <a:txBody>
+                    <a:bodyPr/>
+                    <a:lstStyle/>
+                    <a:p>
+                      <a:pPr algn="ctr"/>
+                      <a:r>
+                        <a:rPr lang="pt-PT" sz="1400" dirty="0" smtClean="0"/>
+                        <a:t>2</a:t>
+                      </a:r>
+                      <a:endParaRPr lang="pt-PT" sz="1400" dirty="0"/>
+                    </a:p>
+                  </a:txBody>
+                  <a:tcPr/>
+                </a:tc>
+                <a:tc>
+                  <a:txBody>
+                    <a:bodyPr/>
+                    <a:lstStyle/>
+                    <a:p>
+                      <a:pPr algn="ctr"/>
+                      <a:endParaRPr lang="pt-PT" sz="1400" dirty="0"/>
+                    </a:p>
+                  </a:txBody>
+                  <a:tcPr/>
+                </a:tc>
+              </a:tr>
+              <a:tr h="336655">
+                <a:tc>
+                  <a:txBody>
+                    <a:bodyPr/>
+                    <a:lstStyle/>
+                    <a:p>
+                      <a:pPr algn="ctr"/>
+                      <a:r>
+                        <a:rPr lang="pt-PT" sz="1400" dirty="0" err="1" smtClean="0"/>
+                        <a:t>Objectivo</a:t>
+                      </a:r>
+                      <a:endParaRPr lang="pt-PT" sz="1400" dirty="0"/>
+                    </a:p>
+                  </a:txBody>
+                  <a:tcPr/>
+                </a:tc>
+                <a:tc>
+                  <a:txBody>
+                    <a:bodyPr/>
+                    <a:lstStyle/>
+                    <a:p>
+                      <a:pPr algn="ctr"/>
+                      <a:r>
+                        <a:rPr lang="pt-PT" sz="1400" dirty="0" smtClean="0"/>
+                        <a:t>15 segundos</a:t>
+                      </a:r>
+                      <a:endParaRPr lang="pt-PT" sz="1400" dirty="0"/>
+                    </a:p>
+                  </a:txBody>
+                  <a:tcPr/>
+                </a:tc>
+                <a:tc>
+                  <a:txBody>
+                    <a:bodyPr/>
+                    <a:lstStyle/>
+                    <a:p>
+                      <a:pPr algn="ctr"/>
+                      <a:r>
+                        <a:rPr lang="pt-PT" sz="1400" dirty="0" smtClean="0"/>
+                        <a:t>0</a:t>
+                      </a:r>
+                      <a:endParaRPr lang="pt-PT" sz="1400" dirty="0"/>
+                    </a:p>
+                  </a:txBody>
+                  <a:tcPr/>
+                </a:tc>
+                <a:tc>
+                  <a:txBody>
+                    <a:bodyPr/>
+                    <a:lstStyle/>
+                    <a:p>
+                      <a:pPr algn="ctr"/>
+                      <a:endParaRPr lang="pt-PT" sz="1400" dirty="0"/>
+                    </a:p>
+                  </a:txBody>
+                  <a:tcPr/>
+                </a:tc>
+              </a:tr>
+              <a:tr h="336655">
+                <a:tc>
+                  <a:txBody>
+                    <a:bodyPr/>
+                    <a:lstStyle/>
+                    <a:p>
+                      <a:pPr algn="ctr"/>
+                      <a:r>
+                        <a:rPr lang="pt-PT" sz="1400" dirty="0" smtClean="0"/>
+                        <a:t>Ideal</a:t>
+                      </a:r>
+                      <a:endParaRPr lang="pt-PT" sz="1400" dirty="0"/>
+                    </a:p>
+                  </a:txBody>
+                  <a:tcPr/>
+                </a:tc>
+                <a:tc>
+                  <a:txBody>
+                    <a:bodyPr/>
+                    <a:lstStyle/>
+                    <a:p>
+                      <a:pPr algn="ctr"/>
+                      <a:r>
+                        <a:rPr lang="pt-PT" sz="1400" dirty="0" smtClean="0"/>
+                        <a:t>5 segundos</a:t>
+                      </a:r>
+                      <a:endParaRPr lang="pt-PT" sz="1400" dirty="0"/>
+                    </a:p>
+                  </a:txBody>
+                  <a:tcPr/>
+                </a:tc>
+                <a:tc>
+                  <a:txBody>
+                    <a:bodyPr/>
+                    <a:lstStyle/>
+                    <a:p>
+                      <a:pPr algn="ctr"/>
+                      <a:r>
+                        <a:rPr lang="pt-PT" sz="1400" dirty="0" smtClean="0"/>
+                        <a:t>0</a:t>
+                      </a:r>
+                      <a:endParaRPr lang="pt-PT" sz="1400" dirty="0"/>
+                    </a:p>
+                  </a:txBody>
+                  <a:tcPr/>
+                </a:tc>
+                <a:tc>
+                  <a:txBody>
+                    <a:bodyPr/>
+                    <a:lstStyle/>
+                    <a:p>
+                      <a:pPr algn="ctr"/>
+                      <a:endParaRPr lang="pt-PT" sz="1400" dirty="0"/>
+                    </a:p>
+                  </a:txBody>
+                  <a:tcPr/>
+                </a:tc>
+              </a:tr>
+            </a:tbl>
+          </a:graphicData>
+        </a:graphic>
+      </p:graphicFrame>
     </p:spTree>
     <p:extLst>
       <p:ext uri="{BB962C8B-B14F-4D97-AF65-F5344CB8AC3E}">
-        <p14:creationId xmlns:p14="http://schemas.microsoft.com/office/powerpoint/2010/main" val="2014381035"/>
+        <p14:creationId xmlns:p14="http://schemas.microsoft.com/office/powerpoint/2010/main" val="1444005344"/>
       </p:ext>
     </p:extLst>
   </p:cSld>
@@ -12666,7 +14122,7 @@
           <a:p>
             <a:r>
               <a:rPr lang="pt-PT" dirty="0" smtClean="0"/>
-              <a:t>Perspectiva dos alunos 		6/6</a:t>
+              <a:t>Perspectiva dos alunos 		4/6</a:t>
             </a:r>
             <a:endParaRPr lang="pt-PT" dirty="0"/>
           </a:p>
@@ -12918,7 +14374,7 @@
                 </a:solidFill>
                 <a:latin typeface="+mj-lt"/>
               </a:rPr>
-              <a:t>Ver perfil da conta</a:t>
+              <a:t>Inscrever no curso</a:t>
             </a:r>
             <a:endParaRPr lang="pt-PT" sz="2400" dirty="0">
               <a:solidFill>
@@ -12949,13 +14405,160 @@
         </p:spPr>
         <p:txBody>
           <a:bodyPr>
-            <a:normAutofit/>
+            <a:normAutofit fontScale="70000" lnSpcReduction="20000"/>
           </a:bodyPr>
           <a:lstStyle/>
           <a:p>
             <a:r>
+              <a:rPr lang="pt-PT" b="1" dirty="0" smtClean="0">
+                <a:solidFill>
+                  <a:schemeClr val="accent1"/>
+                </a:solidFill>
+              </a:rPr>
+              <a:t>Atributo: </a:t>
+            </a:r>
+            <a:r>
               <a:rPr lang="pt-PT" dirty="0"/>
-              <a:t>Atributo – </a:t>
+              <a:t>Facilidade em inscrever num curso para o frequentar</a:t>
+            </a:r>
+            <a:endParaRPr lang="en-US" dirty="0"/>
+          </a:p>
+          <a:p>
+            <a:r>
+              <a:rPr lang="pt-PT" b="1" dirty="0" smtClean="0">
+                <a:solidFill>
+                  <a:schemeClr val="accent1"/>
+                </a:solidFill>
+              </a:rPr>
+              <a:t>Medida </a:t>
+            </a:r>
+            <a:r>
+              <a:rPr lang="pt-PT" b="1" dirty="0">
+                <a:solidFill>
+                  <a:schemeClr val="accent1"/>
+                </a:solidFill>
+              </a:rPr>
+              <a:t>1:</a:t>
+            </a:r>
+            <a:r>
+              <a:rPr lang="pt-PT" dirty="0">
+                <a:solidFill>
+                  <a:schemeClr val="accent1"/>
+                </a:solidFill>
+              </a:rPr>
+              <a:t> </a:t>
+            </a:r>
+            <a:r>
+              <a:rPr lang="pt-PT" dirty="0"/>
+              <a:t> Tempo até concluir o registo, excluindo o preenchimento de cada campo.</a:t>
+            </a:r>
+          </a:p>
+          <a:p>
+            <a:r>
+              <a:rPr lang="pt-PT" b="1" dirty="0">
+                <a:solidFill>
+                  <a:schemeClr val="accent1"/>
+                </a:solidFill>
+              </a:rPr>
+              <a:t>Medida 2:</a:t>
+            </a:r>
+            <a:r>
+              <a:rPr lang="pt-PT" dirty="0">
+                <a:solidFill>
+                  <a:schemeClr val="accent1"/>
+                </a:solidFill>
+              </a:rPr>
+              <a:t> </a:t>
+            </a:r>
+            <a:r>
+              <a:rPr lang="pt-PT" dirty="0"/>
+              <a:t> Número de erros cometidos até </a:t>
+            </a:r>
+            <a:r>
+              <a:rPr lang="pt-PT" dirty="0" smtClean="0"/>
+              <a:t>fazer inscriç</a:t>
+            </a:r>
+            <a:r>
+              <a:rPr lang="pt-PT" dirty="0" smtClean="0"/>
+              <a:t>ão para frequentar.</a:t>
+            </a:r>
+          </a:p>
+          <a:p>
+            <a:r>
+              <a:rPr lang="pt-PT" b="1" dirty="0" smtClean="0">
+                <a:solidFill>
+                  <a:schemeClr val="accent1"/>
+                </a:solidFill>
+              </a:rPr>
+              <a:t>Medida </a:t>
+            </a:r>
+            <a:r>
+              <a:rPr lang="pt-PT" b="1" dirty="0">
+                <a:solidFill>
+                  <a:schemeClr val="accent1"/>
+                </a:solidFill>
+              </a:rPr>
+              <a:t>3:</a:t>
+            </a:r>
+            <a:r>
+              <a:rPr lang="pt-PT" dirty="0">
+                <a:solidFill>
+                  <a:schemeClr val="accent1"/>
+                </a:solidFill>
+              </a:rPr>
+              <a:t> </a:t>
+            </a:r>
+            <a:r>
+              <a:rPr lang="pt-PT" dirty="0"/>
+              <a:t> Número de cliques necessários </a:t>
+            </a:r>
+          </a:p>
+          <a:p>
+            <a:endParaRPr lang="pt-PT" dirty="0"/>
+          </a:p>
+          <a:p>
+            <a:r>
+              <a:rPr lang="pt-PT" dirty="0" smtClean="0"/>
+              <a:t>Método </a:t>
+            </a:r>
+            <a:r>
+              <a:rPr lang="pt-PT" dirty="0"/>
+              <a:t>de medição – Estando na página de um curso (por exemplo, Gestão), clicar no botão Frequentar Curso, excluindo tempo de ler descrições ou ver vídeos de </a:t>
+            </a:r>
+            <a:r>
+              <a:rPr lang="pt-PT" dirty="0" smtClean="0"/>
+              <a:t>apresentação.</a:t>
+            </a:r>
+          </a:p>
+          <a:p>
+            <a:r>
+              <a:rPr lang="pt-PT" dirty="0" smtClean="0"/>
+              <a:t>Actual </a:t>
+            </a:r>
+            <a:r>
+              <a:rPr lang="pt-PT" dirty="0"/>
+              <a:t>– 30 segundos, 1 erro, 2 cliques</a:t>
+            </a:r>
+            <a:endParaRPr lang="en-US" dirty="0"/>
+          </a:p>
+          <a:p>
+            <a:r>
+              <a:rPr lang="pt-PT" dirty="0"/>
+              <a:t>Aceitável – 40 segundos, 1 erro, 3 cliques</a:t>
+            </a:r>
+            <a:endParaRPr lang="en-US" dirty="0"/>
+          </a:p>
+          <a:p>
+            <a:r>
+              <a:rPr lang="pt-PT" dirty="0"/>
+              <a:t>Objectivo – 20 segundos, 0 erros, 1 clique</a:t>
+            </a:r>
+            <a:endParaRPr lang="en-US" dirty="0"/>
+          </a:p>
+          <a:p>
+            <a:r>
+              <a:rPr lang="pt-PT" dirty="0"/>
+              <a:t>Ideal – 10 segundos, 0 erros, 1 clique</a:t>
             </a:r>
             <a:endParaRPr lang="en-US" sz="2400" dirty="0"/>
           </a:p>
@@ -12964,7 +14567,7 @@
     </p:spTree>
     <p:extLst>
       <p:ext uri="{BB962C8B-B14F-4D97-AF65-F5344CB8AC3E}">
-        <p14:creationId xmlns:p14="http://schemas.microsoft.com/office/powerpoint/2010/main" val="2014381035"/>
+        <p14:creationId xmlns:p14="http://schemas.microsoft.com/office/powerpoint/2010/main" val="3906956799"/>
       </p:ext>
     </p:extLst>
   </p:cSld>
@@ -13000,113 +14603,320 @@
       </p:grpSpPr>
       <p:sp>
         <p:nvSpPr>
-          <p:cNvPr id="2" name="Título 1"/>
+          <p:cNvPr id="2" name="Title 1"/>
           <p:cNvSpPr>
             <a:spLocks noGrp="1"/>
           </p:cNvSpPr>
           <p:nvPr>
-            <p:ph type="ctrTitle"/>
-          </p:nvPr>
-        </p:nvSpPr>
-        <p:spPr>
-          <a:xfrm>
-            <a:off x="4524198" y="4862160"/>
-            <a:ext cx="4169386" cy="1448992"/>
-          </a:xfrm>
-        </p:spPr>
-        <p:txBody>
-          <a:bodyPr>
-            <a:noAutofit/>
-          </a:bodyPr>
-          <a:lstStyle/>
-          <a:p>
-            <a:r>
-              <a:rPr lang="pt-PT" sz="3200" dirty="0" smtClean="0"/>
-              <a:t>Perspectiva dos professores</a:t>
-            </a:r>
-            <a:endParaRPr lang="pt-PT" sz="3200" dirty="0"/>
-          </a:p>
-        </p:txBody>
-      </p:sp>
-      <p:sp>
-        <p:nvSpPr>
-          <p:cNvPr id="6" name="Marcador de Posição do Texto 5"/>
-          <p:cNvSpPr>
-            <a:spLocks noGrp="1"/>
-          </p:cNvSpPr>
-          <p:nvPr>
-            <p:ph type="body" sz="half" idx="2"/>
-          </p:nvPr>
-        </p:nvSpPr>
-        <p:spPr>
-          <a:xfrm>
-            <a:off x="325177" y="1371600"/>
-            <a:ext cx="4199021" cy="1964750"/>
-          </a:xfrm>
-        </p:spPr>
+            <p:ph type="title"/>
+          </p:nvPr>
+        </p:nvSpPr>
+        <p:spPr/>
         <p:txBody>
           <a:bodyPr/>
           <a:lstStyle/>
           <a:p>
             <a:r>
-              <a:rPr lang="pt-PT" sz="5400" dirty="0" smtClean="0"/>
-              <a:t>Testes de usabilidade</a:t>
-            </a:r>
-            <a:endParaRPr lang="pt-PT" sz="5400" dirty="0"/>
-          </a:p>
-        </p:txBody>
-      </p:sp>
-      <p:pic>
-        <p:nvPicPr>
-          <p:cNvPr id="8" name="Imagem 7"/>
-          <p:cNvPicPr>
-            <a:picLocks noChangeAspect="1"/>
-          </p:cNvPicPr>
+              <a:rPr lang="pt-PT" dirty="0" smtClean="0"/>
+              <a:t>Perspectiva dos alunos 		5/6</a:t>
+            </a:r>
+            <a:endParaRPr lang="pt-PT" dirty="0"/>
+          </a:p>
+        </p:txBody>
+      </p:sp>
+      <p:sp>
+        <p:nvSpPr>
+          <p:cNvPr id="5" name="Subtitle 2"/>
+          <p:cNvSpPr txBox="1">
+            <a:spLocks/>
+          </p:cNvSpPr>
           <p:nvPr/>
-        </p:nvPicPr>
-        <p:blipFill>
-          <a:blip r:embed="rId2"/>
-          <a:stretch>
-            <a:fillRect/>
-          </a:stretch>
-        </p:blipFill>
-        <p:spPr>
-          <a:xfrm>
-            <a:off x="6789243" y="2378242"/>
-            <a:ext cx="2081624" cy="2081624"/>
+        </p:nvSpPr>
+        <p:spPr>
+          <a:xfrm>
+            <a:off x="498473" y="1214717"/>
+            <a:ext cx="7556313" cy="838201"/>
           </a:xfrm>
           <a:prstGeom prst="rect">
             <a:avLst/>
           </a:prstGeom>
         </p:spPr>
-      </p:pic>
-      <p:pic>
-        <p:nvPicPr>
-          <p:cNvPr id="11" name="Imagem 10"/>
-          <p:cNvPicPr>
-            <a:picLocks noChangeAspect="1"/>
-          </p:cNvPicPr>
-          <p:nvPr/>
-        </p:nvPicPr>
-        <p:blipFill rotWithShape="1">
-          <a:blip r:embed="rId3"/>
-          <a:srcRect l="6966"/>
-          <a:stretch/>
-        </p:blipFill>
-        <p:spPr>
-          <a:xfrm>
-            <a:off x="4643252" y="360218"/>
-            <a:ext cx="2045853" cy="1896094"/>
-          </a:xfrm>
-          <a:prstGeom prst="rect">
-            <a:avLst/>
-          </a:prstGeom>
-        </p:spPr>
-      </p:pic>
+        <p:txBody>
+          <a:bodyPr vert="horz" lIns="91440" tIns="45720" rIns="91440" bIns="45720" rtlCol="0">
+            <a:normAutofit/>
+          </a:bodyPr>
+          <a:lstStyle>
+            <a:lvl1pPr marL="228600" indent="-228600" algn="l" defTabSz="914400" rtl="0" eaLnBrk="1" latinLnBrk="0" hangingPunct="1">
+              <a:spcBef>
+                <a:spcPts val="2000"/>
+              </a:spcBef>
+              <a:buClr>
+                <a:schemeClr val="accent1"/>
+              </a:buClr>
+              <a:buSzPct val="75000"/>
+              <a:buFont typeface="Wingdings" pitchFamily="2" charset="2"/>
+              <a:buChar char="n"/>
+              <a:defRPr sz="2000" kern="1200">
+                <a:solidFill>
+                  <a:schemeClr val="tx1">
+                    <a:lumMod val="65000"/>
+                    <a:lumOff val="35000"/>
+                  </a:schemeClr>
+                </a:solidFill>
+                <a:latin typeface="+mn-lt"/>
+                <a:ea typeface="+mn-ea"/>
+                <a:cs typeface="+mn-cs"/>
+              </a:defRPr>
+            </a:lvl1pPr>
+            <a:lvl2pPr marL="457200" indent="-228600" algn="l" defTabSz="914400" rtl="0" eaLnBrk="1" latinLnBrk="0" hangingPunct="1">
+              <a:spcBef>
+                <a:spcPts val="600"/>
+              </a:spcBef>
+              <a:buClr>
+                <a:schemeClr val="accent1">
+                  <a:lumMod val="60000"/>
+                  <a:lumOff val="40000"/>
+                </a:schemeClr>
+              </a:buClr>
+              <a:buSzPct val="75000"/>
+              <a:buFont typeface="Wingdings" pitchFamily="2" charset="2"/>
+              <a:buChar char="n"/>
+              <a:defRPr sz="1800" kern="1200">
+                <a:solidFill>
+                  <a:schemeClr val="tx1">
+                    <a:lumMod val="65000"/>
+                    <a:lumOff val="35000"/>
+                  </a:schemeClr>
+                </a:solidFill>
+                <a:latin typeface="+mn-lt"/>
+                <a:ea typeface="+mn-ea"/>
+                <a:cs typeface="+mn-cs"/>
+              </a:defRPr>
+            </a:lvl2pPr>
+            <a:lvl3pPr marL="685800" indent="-228600" algn="l" defTabSz="914400" rtl="0" eaLnBrk="1" latinLnBrk="0" hangingPunct="1">
+              <a:spcBef>
+                <a:spcPts val="600"/>
+              </a:spcBef>
+              <a:buClr>
+                <a:schemeClr val="accent1"/>
+              </a:buClr>
+              <a:buSzPct val="75000"/>
+              <a:buFont typeface="Wingdings" pitchFamily="2" charset="2"/>
+              <a:buChar char="n"/>
+              <a:defRPr sz="1800" kern="1200">
+                <a:solidFill>
+                  <a:schemeClr val="tx1">
+                    <a:lumMod val="65000"/>
+                    <a:lumOff val="35000"/>
+                  </a:schemeClr>
+                </a:solidFill>
+                <a:latin typeface="+mn-lt"/>
+                <a:ea typeface="+mn-ea"/>
+                <a:cs typeface="+mn-cs"/>
+              </a:defRPr>
+            </a:lvl3pPr>
+            <a:lvl4pPr marL="914400" indent="-228600" algn="l" defTabSz="914400" rtl="0" eaLnBrk="1" latinLnBrk="0" hangingPunct="1">
+              <a:spcBef>
+                <a:spcPts val="600"/>
+              </a:spcBef>
+              <a:buClr>
+                <a:schemeClr val="accent1">
+                  <a:lumMod val="60000"/>
+                  <a:lumOff val="40000"/>
+                </a:schemeClr>
+              </a:buClr>
+              <a:buSzPct val="75000"/>
+              <a:buFont typeface="Wingdings" pitchFamily="2" charset="2"/>
+              <a:buChar char="n"/>
+              <a:defRPr sz="1800" kern="1200">
+                <a:solidFill>
+                  <a:schemeClr val="tx1">
+                    <a:lumMod val="65000"/>
+                    <a:lumOff val="35000"/>
+                  </a:schemeClr>
+                </a:solidFill>
+                <a:latin typeface="+mn-lt"/>
+                <a:ea typeface="+mn-ea"/>
+                <a:cs typeface="+mn-cs"/>
+              </a:defRPr>
+            </a:lvl4pPr>
+            <a:lvl5pPr marL="1143000" indent="-228600" algn="l" defTabSz="914400" rtl="0" eaLnBrk="1" latinLnBrk="0" hangingPunct="1">
+              <a:spcBef>
+                <a:spcPts val="600"/>
+              </a:spcBef>
+              <a:buClr>
+                <a:schemeClr val="accent1"/>
+              </a:buClr>
+              <a:buSzPct val="75000"/>
+              <a:buFont typeface="Wingdings" pitchFamily="2" charset="2"/>
+              <a:buChar char="n"/>
+              <a:defRPr sz="1800" kern="1200">
+                <a:solidFill>
+                  <a:schemeClr val="tx1">
+                    <a:lumMod val="65000"/>
+                    <a:lumOff val="35000"/>
+                  </a:schemeClr>
+                </a:solidFill>
+                <a:latin typeface="+mn-lt"/>
+                <a:ea typeface="+mn-ea"/>
+                <a:cs typeface="+mn-cs"/>
+              </a:defRPr>
+            </a:lvl5pPr>
+            <a:lvl6pPr marL="1377950" indent="-228600" algn="l" defTabSz="914400" rtl="0" eaLnBrk="1" latinLnBrk="0" hangingPunct="1">
+              <a:spcBef>
+                <a:spcPct val="20000"/>
+              </a:spcBef>
+              <a:buClr>
+                <a:schemeClr val="accent1">
+                  <a:lumMod val="60000"/>
+                  <a:lumOff val="40000"/>
+                </a:schemeClr>
+              </a:buClr>
+              <a:buSzPct val="75000"/>
+              <a:buFont typeface="Wingdings" pitchFamily="2" charset="2"/>
+              <a:buChar char=""/>
+              <a:defRPr lang="en-US" sz="1800" kern="1200" dirty="0" smtClean="0">
+                <a:solidFill>
+                  <a:schemeClr val="tx1">
+                    <a:lumMod val="65000"/>
+                    <a:lumOff val="35000"/>
+                  </a:schemeClr>
+                </a:solidFill>
+                <a:latin typeface="+mn-lt"/>
+                <a:ea typeface="+mn-ea"/>
+                <a:cs typeface="+mn-cs"/>
+              </a:defRPr>
+            </a:lvl6pPr>
+            <a:lvl7pPr marL="1603375" indent="-228600" algn="l" defTabSz="914400" rtl="0" eaLnBrk="1" latinLnBrk="0" hangingPunct="1">
+              <a:spcBef>
+                <a:spcPct val="20000"/>
+              </a:spcBef>
+              <a:buClr>
+                <a:schemeClr val="accent1"/>
+              </a:buClr>
+              <a:buSzPct val="75000"/>
+              <a:buFont typeface="Wingdings" pitchFamily="2" charset="2"/>
+              <a:buChar char=""/>
+              <a:defRPr lang="en-US" sz="1800" kern="1200" baseline="0" dirty="0" smtClean="0">
+                <a:solidFill>
+                  <a:schemeClr val="tx1">
+                    <a:lumMod val="65000"/>
+                    <a:lumOff val="35000"/>
+                  </a:schemeClr>
+                </a:solidFill>
+                <a:latin typeface="+mn-lt"/>
+                <a:ea typeface="+mn-ea"/>
+                <a:cs typeface="+mn-cs"/>
+              </a:defRPr>
+            </a:lvl7pPr>
+            <a:lvl8pPr marL="1830388" indent="-228600" algn="l" defTabSz="914400" rtl="0" eaLnBrk="1" latinLnBrk="0" hangingPunct="1">
+              <a:spcBef>
+                <a:spcPct val="20000"/>
+              </a:spcBef>
+              <a:buClr>
+                <a:schemeClr val="accent1">
+                  <a:lumMod val="60000"/>
+                  <a:lumOff val="40000"/>
+                </a:schemeClr>
+              </a:buClr>
+              <a:buSzPct val="75000"/>
+              <a:buFont typeface="Wingdings" pitchFamily="2" charset="2"/>
+              <a:buChar char=""/>
+              <a:defRPr lang="en-US" sz="1800" kern="1200" baseline="0" dirty="0" smtClean="0">
+                <a:solidFill>
+                  <a:schemeClr val="tx1">
+                    <a:lumMod val="65000"/>
+                    <a:lumOff val="35000"/>
+                  </a:schemeClr>
+                </a:solidFill>
+                <a:latin typeface="+mn-lt"/>
+                <a:ea typeface="+mn-ea"/>
+                <a:cs typeface="+mn-cs"/>
+              </a:defRPr>
+            </a:lvl8pPr>
+            <a:lvl9pPr marL="2057400" indent="-228600" algn="l" defTabSz="914400" rtl="0" eaLnBrk="1" latinLnBrk="0" hangingPunct="1">
+              <a:spcBef>
+                <a:spcPct val="20000"/>
+              </a:spcBef>
+              <a:buClr>
+                <a:schemeClr val="accent1"/>
+              </a:buClr>
+              <a:buSzPct val="75000"/>
+              <a:buFont typeface="Wingdings" pitchFamily="2" charset="2"/>
+              <a:buChar char=""/>
+              <a:defRPr lang="en-US" sz="1800" kern="1200" baseline="0" dirty="0">
+                <a:solidFill>
+                  <a:schemeClr val="tx1">
+                    <a:lumMod val="65000"/>
+                    <a:lumOff val="35000"/>
+                  </a:schemeClr>
+                </a:solidFill>
+                <a:latin typeface="+mn-lt"/>
+                <a:ea typeface="+mn-ea"/>
+                <a:cs typeface="+mn-cs"/>
+              </a:defRPr>
+            </a:lvl9pPr>
+          </a:lstStyle>
+          <a:p>
+            <a:pPr marL="0" indent="0">
+              <a:buNone/>
+            </a:pPr>
+            <a:r>
+              <a:rPr lang="pt-PT" sz="2400" dirty="0" smtClean="0">
+                <a:solidFill>
+                  <a:schemeClr val="bg1">
+                    <a:lumMod val="65000"/>
+                  </a:schemeClr>
+                </a:solidFill>
+                <a:latin typeface="+mj-lt"/>
+              </a:rPr>
+              <a:t>Iniciar visualização do vídeo</a:t>
+            </a:r>
+            <a:endParaRPr lang="pt-PT" sz="2400" dirty="0">
+              <a:solidFill>
+                <a:schemeClr val="bg1">
+                  <a:lumMod val="65000"/>
+                </a:schemeClr>
+              </a:solidFill>
+              <a:latin typeface="+mj-lt"/>
+            </a:endParaRPr>
+          </a:p>
+        </p:txBody>
+      </p:sp>
+      <p:sp>
+        <p:nvSpPr>
+          <p:cNvPr id="9" name="Marcador de Posição de Conteúdo 2"/>
+          <p:cNvSpPr>
+            <a:spLocks noGrp="1"/>
+          </p:cNvSpPr>
+          <p:nvPr>
+            <p:ph idx="1"/>
+          </p:nvPr>
+        </p:nvSpPr>
+        <p:spPr>
+          <a:xfrm>
+            <a:off x="498473" y="2129118"/>
+            <a:ext cx="8348992" cy="4324597"/>
+          </a:xfrm>
+        </p:spPr>
+        <p:txBody>
+          <a:bodyPr>
+            <a:normAutofit/>
+          </a:bodyPr>
+          <a:lstStyle/>
+          <a:p>
+            <a:r>
+              <a:rPr lang="pt-PT" dirty="0"/>
+              <a:t>Atributo – </a:t>
+            </a:r>
+            <a:endParaRPr lang="en-US" sz="2400" dirty="0"/>
+          </a:p>
+        </p:txBody>
+      </p:sp>
     </p:spTree>
     <p:extLst>
       <p:ext uri="{BB962C8B-B14F-4D97-AF65-F5344CB8AC3E}">
-        <p14:creationId xmlns:p14="http://schemas.microsoft.com/office/powerpoint/2010/main" val="2958685530"/>
+        <p14:creationId xmlns:p14="http://schemas.microsoft.com/office/powerpoint/2010/main" val="2014381035"/>
       </p:ext>
     </p:extLst>
   </p:cSld>
@@ -13644,7 +15454,7 @@
   <a:extraClrSchemeLst/>
   <a:extLst>
     <a:ext uri="{05A4C25C-085E-4340-85A3-A5531E510DB2}">
-      <thm15:themeFamily xmlns="" xmlns:thm15="http://schemas.microsoft.com/office/thememl/2012/main" name="Office Theme" id="{62F939B6-93AF-4DB8-9C6B-D6C7DFDC589F}" vid="{4A3C46E8-61CC-4603-A589-7422A47A8E4A}"/>
+      <thm15:themeFamily xmlns:thm15="http://schemas.microsoft.com/office/thememl/2012/main" name="Office Theme" id="{62F939B6-93AF-4DB8-9C6B-D6C7DFDC589F}" vid="{4A3C46E8-61CC-4603-A589-7422A47A8E4A}"/>
     </a:ext>
   </a:extLst>
 </a:theme>
